--- a/Licenta2018AvramAndreea/Presentation1.pptx
+++ b/Licenta2018AvramAndreea/Presentation1.pptx
@@ -5,37 +5,34 @@
     <p:sldMasterId id="2147483724" r:id="rId1"/>
   </p:sldMasterIdLst>
   <p:notesMasterIdLst>
-    <p:notesMasterId r:id="rId27"/>
+    <p:notesMasterId r:id="rId24"/>
   </p:notesMasterIdLst>
   <p:handoutMasterIdLst>
-    <p:handoutMasterId r:id="rId28"/>
+    <p:handoutMasterId r:id="rId25"/>
   </p:handoutMasterIdLst>
   <p:sldIdLst>
     <p:sldId id="256" r:id="rId2"/>
     <p:sldId id="257" r:id="rId3"/>
     <p:sldId id="259" r:id="rId4"/>
-    <p:sldId id="262" r:id="rId5"/>
-    <p:sldId id="263" r:id="rId6"/>
-    <p:sldId id="264" r:id="rId7"/>
-    <p:sldId id="265" r:id="rId8"/>
-    <p:sldId id="270" r:id="rId9"/>
-    <p:sldId id="266" r:id="rId10"/>
-    <p:sldId id="267" r:id="rId11"/>
-    <p:sldId id="268" r:id="rId12"/>
-    <p:sldId id="269" r:id="rId13"/>
-    <p:sldId id="271" r:id="rId14"/>
-    <p:sldId id="272" r:id="rId15"/>
-    <p:sldId id="274" r:id="rId16"/>
-    <p:sldId id="275" r:id="rId17"/>
-    <p:sldId id="276" r:id="rId18"/>
-    <p:sldId id="277" r:id="rId19"/>
-    <p:sldId id="278" r:id="rId20"/>
-    <p:sldId id="279" r:id="rId21"/>
-    <p:sldId id="280" r:id="rId22"/>
-    <p:sldId id="281" r:id="rId23"/>
-    <p:sldId id="283" r:id="rId24"/>
-    <p:sldId id="284" r:id="rId25"/>
-    <p:sldId id="282" r:id="rId26"/>
+    <p:sldId id="263" r:id="rId5"/>
+    <p:sldId id="264" r:id="rId6"/>
+    <p:sldId id="270" r:id="rId7"/>
+    <p:sldId id="266" r:id="rId8"/>
+    <p:sldId id="267" r:id="rId9"/>
+    <p:sldId id="268" r:id="rId10"/>
+    <p:sldId id="269" r:id="rId11"/>
+    <p:sldId id="272" r:id="rId12"/>
+    <p:sldId id="274" r:id="rId13"/>
+    <p:sldId id="275" r:id="rId14"/>
+    <p:sldId id="276" r:id="rId15"/>
+    <p:sldId id="277" r:id="rId16"/>
+    <p:sldId id="278" r:id="rId17"/>
+    <p:sldId id="279" r:id="rId18"/>
+    <p:sldId id="280" r:id="rId19"/>
+    <p:sldId id="281" r:id="rId20"/>
+    <p:sldId id="283" r:id="rId21"/>
+    <p:sldId id="284" r:id="rId22"/>
+    <p:sldId id="282" r:id="rId23"/>
   </p:sldIdLst>
   <p:sldSz cx="12192000" cy="6858000"/>
   <p:notesSz cx="6858000" cy="9144000"/>
@@ -227,7 +224,7 @@
           <a:p>
             <a:fld id="{77B9BD77-6989-41A3-B7DE-DC11807D1F9C}" type="datetimeFigureOut">
               <a:rPr lang="ro-RO" smtClean="0"/>
-              <a:t>10.02.2019</a:t>
+              <a:t>12.02.2019</a:t>
             </a:fld>
             <a:endParaRPr lang="ro-RO"/>
           </a:p>
@@ -393,7 +390,7 @@
           <a:p>
             <a:fld id="{F4B8E4C9-CBBF-45EB-B4DE-36569F648C63}" type="datetimeFigureOut">
               <a:rPr lang="ro-RO" smtClean="0"/>
-              <a:t>10.02.2019</a:t>
+              <a:t>12.02.2019</a:t>
             </a:fld>
             <a:endParaRPr lang="ro-RO"/>
           </a:p>
@@ -895,7 +892,7 @@
           <a:p>
             <a:fld id="{8C03A655-F629-4B25-8B31-1DA9E3C12022}" type="slidenum">
               <a:rPr lang="ro-RO" smtClean="0"/>
-              <a:t>10</a:t>
+              <a:t>8</a:t>
             </a:fld>
             <a:endParaRPr lang="ro-RO"/>
           </a:p>
@@ -1416,7 +1413,7 @@
           <a:p>
             <a:fld id="{D847CCB5-A44C-47FB-88AE-338BDD49C446}" type="datetime1">
               <a:rPr lang="ro-RO" smtClean="0"/>
-              <a:t>10.02.2019</a:t>
+              <a:t>12.02.2019</a:t>
             </a:fld>
             <a:endParaRPr lang="ro-RO"/>
           </a:p>
@@ -1712,7 +1709,7 @@
           <a:p>
             <a:fld id="{756C160E-2131-421C-9306-F2A1F8555FEB}" type="datetime1">
               <a:rPr lang="ro-RO" smtClean="0"/>
-              <a:t>10.02.2019</a:t>
+              <a:t>12.02.2019</a:t>
             </a:fld>
             <a:endParaRPr lang="ro-RO"/>
           </a:p>
@@ -1960,7 +1957,7 @@
           <a:p>
             <a:fld id="{1A576B23-9CAC-4EE8-BE53-4D2B187566AE}" type="datetime1">
               <a:rPr lang="ro-RO" smtClean="0"/>
-              <a:t>10.02.2019</a:t>
+              <a:t>12.02.2019</a:t>
             </a:fld>
             <a:endParaRPr lang="ro-RO"/>
           </a:p>
@@ -2500,7 +2497,7 @@
           <a:p>
             <a:fld id="{764C5105-2337-495B-857C-15C27B644D0E}" type="datetime1">
               <a:rPr lang="ro-RO" smtClean="0"/>
-              <a:t>10.02.2019</a:t>
+              <a:t>12.02.2019</a:t>
             </a:fld>
             <a:endParaRPr lang="ro-RO"/>
           </a:p>
@@ -2748,7 +2745,7 @@
           <a:p>
             <a:fld id="{C1CAF4FA-919B-431E-837B-3DB16F38B3A5}" type="datetime1">
               <a:rPr lang="ro-RO" smtClean="0"/>
-              <a:t>10.02.2019</a:t>
+              <a:t>12.02.2019</a:t>
             </a:fld>
             <a:endParaRPr lang="ro-RO"/>
           </a:p>
@@ -3280,7 +3277,7 @@
           <a:p>
             <a:fld id="{45E9F9C5-6EA3-452B-9D14-2D318A3638B5}" type="datetime1">
               <a:rPr lang="ro-RO" smtClean="0"/>
-              <a:t>10.02.2019</a:t>
+              <a:t>12.02.2019</a:t>
             </a:fld>
             <a:endParaRPr lang="ro-RO"/>
           </a:p>
@@ -3577,7 +3574,7 @@
           <a:p>
             <a:fld id="{320A0119-11BA-4592-B0F4-B2A4DA4D9394}" type="datetime1">
               <a:rPr lang="ro-RO" smtClean="0"/>
-              <a:t>10.02.2019</a:t>
+              <a:t>12.02.2019</a:t>
             </a:fld>
             <a:endParaRPr lang="ro-RO"/>
           </a:p>
@@ -3751,7 +3748,7 @@
           <a:p>
             <a:fld id="{01E2BA37-3A40-4FEC-96E0-25F8ECDC9F60}" type="datetime1">
               <a:rPr lang="ro-RO" smtClean="0"/>
-              <a:t>10.02.2019</a:t>
+              <a:t>12.02.2019</a:t>
             </a:fld>
             <a:endParaRPr lang="ro-RO"/>
           </a:p>
@@ -3931,7 +3928,7 @@
           <a:p>
             <a:fld id="{F814990D-07C5-4337-9AA2-1B6B3E1AFA93}" type="datetime1">
               <a:rPr lang="ro-RO" smtClean="0"/>
-              <a:t>10.02.2019</a:t>
+              <a:t>12.02.2019</a:t>
             </a:fld>
             <a:endParaRPr lang="ro-RO"/>
           </a:p>
@@ -4101,7 +4098,7 @@
           <a:p>
             <a:fld id="{12E012EB-1FD9-417F-B524-A98D6456B520}" type="datetime1">
               <a:rPr lang="ro-RO" smtClean="0"/>
-              <a:t>10.02.2019</a:t>
+              <a:t>12.02.2019</a:t>
             </a:fld>
             <a:endParaRPr lang="ro-RO"/>
           </a:p>
@@ -4352,7 +4349,7 @@
           <a:p>
             <a:fld id="{0CBC4E76-3110-4D6C-8445-3C1A17E3F44E}" type="datetime1">
               <a:rPr lang="ro-RO" smtClean="0"/>
-              <a:t>10.02.2019</a:t>
+              <a:t>12.02.2019</a:t>
             </a:fld>
             <a:endParaRPr lang="ro-RO"/>
           </a:p>
@@ -4649,7 +4646,7 @@
           <a:p>
             <a:fld id="{57CF53AA-ED71-41C1-99ED-F6F77FC7EDC8}" type="datetime1">
               <a:rPr lang="ro-RO" smtClean="0"/>
-              <a:t>10.02.2019</a:t>
+              <a:t>12.02.2019</a:t>
             </a:fld>
             <a:endParaRPr lang="ro-RO"/>
           </a:p>
@@ -5091,7 +5088,7 @@
           <a:p>
             <a:fld id="{D65EC3FC-291E-4B00-8829-F9845A034054}" type="datetime1">
               <a:rPr lang="ro-RO" smtClean="0"/>
-              <a:t>10.02.2019</a:t>
+              <a:t>12.02.2019</a:t>
             </a:fld>
             <a:endParaRPr lang="ro-RO"/>
           </a:p>
@@ -5209,7 +5206,7 @@
           <a:p>
             <a:fld id="{E4F4A9FE-0D8B-4FA7-83E7-889EFC2DEB52}" type="datetime1">
               <a:rPr lang="ro-RO" smtClean="0"/>
-              <a:t>10.02.2019</a:t>
+              <a:t>12.02.2019</a:t>
             </a:fld>
             <a:endParaRPr lang="ro-RO"/>
           </a:p>
@@ -5304,7 +5301,7 @@
           <a:p>
             <a:fld id="{B912AE66-05D1-47EB-A2C9-71BA37A78F89}" type="datetime1">
               <a:rPr lang="ro-RO" smtClean="0"/>
-              <a:t>10.02.2019</a:t>
+              <a:t>12.02.2019</a:t>
             </a:fld>
             <a:endParaRPr lang="ro-RO"/>
           </a:p>
@@ -5587,7 +5584,7 @@
           <a:p>
             <a:fld id="{D2EF56F5-AFA1-4CCD-86D7-0DDB831D6C00}" type="datetime1">
               <a:rPr lang="ro-RO" smtClean="0"/>
-              <a:t>10.02.2019</a:t>
+              <a:t>12.02.2019</a:t>
             </a:fld>
             <a:endParaRPr lang="ro-RO"/>
           </a:p>
@@ -5878,7 +5875,7 @@
           <a:p>
             <a:fld id="{974212E2-3410-40F1-96C6-C09402BFC5FD}" type="datetime1">
               <a:rPr lang="ro-RO" smtClean="0"/>
-              <a:t>10.02.2019</a:t>
+              <a:t>12.02.2019</a:t>
             </a:fld>
             <a:endParaRPr lang="ro-RO"/>
           </a:p>
@@ -6408,7 +6405,7 @@
           <a:p>
             <a:fld id="{180E44E1-1988-485F-9F4F-AA5685C417AD}" type="datetime1">
               <a:rPr lang="ro-RO" smtClean="0"/>
-              <a:t>10.02.2019</a:t>
+              <a:t>12.02.2019</a:t>
             </a:fld>
             <a:endParaRPr lang="ro-RO"/>
           </a:p>
@@ -7132,7 +7129,7 @@
         </p:nvSpPr>
         <p:spPr>
           <a:xfrm>
-            <a:off x="1484310" y="119743"/>
+            <a:off x="1651680" y="-214086"/>
             <a:ext cx="10018713" cy="1752599"/>
           </a:xfrm>
         </p:spPr>
@@ -7141,123 +7138,10 @@
           <a:lstStyle/>
           <a:p>
             <a:r>
-              <a:rPr lang="ro-RO" sz="4400" b="1" dirty="0"/>
+              <a:rPr lang="ro-RO" b="1" dirty="0"/>
               <a:t>Programarea bazată pe constrângeri</a:t>
             </a:r>
-            <a:r>
-              <a:rPr lang="en-US" dirty="0"/>
-              <a:t/>
-            </a:r>
-            <a:br>
-              <a:rPr lang="en-US" dirty="0"/>
-            </a:br>
             <a:endParaRPr lang="ro-RO" dirty="0"/>
-          </a:p>
-        </p:txBody>
-      </p:sp>
-      <p:sp>
-        <p:nvSpPr>
-          <p:cNvPr id="3" name="Content Placeholder 2"/>
-          <p:cNvSpPr>
-            <a:spLocks noGrp="1"/>
-          </p:cNvSpPr>
-          <p:nvPr>
-            <p:ph idx="1"/>
-          </p:nvPr>
-        </p:nvSpPr>
-        <p:spPr>
-          <a:xfrm>
-            <a:off x="1484310" y="1872342"/>
-            <a:ext cx="10018713" cy="3715658"/>
-          </a:xfrm>
-        </p:spPr>
-        <p:txBody>
-          <a:bodyPr>
-            <a:normAutofit/>
-          </a:bodyPr>
-          <a:lstStyle/>
-          <a:p>
-            <a:pPr marL="0" indent="0">
-              <a:buNone/>
-            </a:pPr>
-            <a:r>
-              <a:rPr lang="ro-RO" sz="3200" b="1" dirty="0" smtClean="0"/>
-              <a:t>Căutarea</a:t>
-            </a:r>
-            <a:r>
-              <a:rPr lang="en-US" sz="3200" b="1" dirty="0" smtClean="0"/>
-              <a:t> </a:t>
-            </a:r>
-            <a:r>
-              <a:rPr lang="ro-RO" sz="3200" b="1" dirty="0" smtClean="0"/>
-              <a:t>sistematică</a:t>
-            </a:r>
-          </a:p>
-          <a:p>
-            <a:pPr marL="0" indent="0">
-              <a:buNone/>
-            </a:pPr>
-            <a:r>
-              <a:rPr lang="ro-RO" b="1" dirty="0" smtClean="0"/>
-              <a:t>1.Algoritmul </a:t>
-            </a:r>
-            <a:r>
-              <a:rPr lang="ro-RO" b="1" dirty="0"/>
-              <a:t>generate-and-test (GT) </a:t>
-            </a:r>
-            <a:r>
-              <a:rPr lang="en-US" dirty="0" smtClean="0"/>
-              <a:t>:</a:t>
-            </a:r>
-            <a:r>
-              <a:rPr lang="ro-RO" dirty="0"/>
-              <a:t>algoritm generic slab care se utilizează dacă totul esuează </a:t>
-            </a:r>
-            <a:endParaRPr lang="en-US" dirty="0" smtClean="0"/>
-          </a:p>
-          <a:p>
-            <a:pPr marL="0" indent="0">
-              <a:buNone/>
-            </a:pPr>
-            <a:r>
-              <a:rPr lang="en-US" b="1" dirty="0" smtClean="0"/>
-              <a:t>2.Backtracking:</a:t>
-            </a:r>
-            <a:r>
-              <a:rPr lang="ro-RO" dirty="0" smtClean="0"/>
-              <a:t>construi</a:t>
-            </a:r>
-            <a:r>
-              <a:rPr lang="en-US" dirty="0" smtClean="0"/>
-              <a:t>e</a:t>
-            </a:r>
-            <a:r>
-              <a:rPr lang="ro-RO" dirty="0" smtClean="0"/>
-              <a:t>ște incremental soluții-candidat</a:t>
-            </a:r>
-            <a:r>
-              <a:rPr lang="ro-RO" dirty="0"/>
-              <a:t>, abandonând fiecare candidat parțial imediat ce devine clar că acesta nu are șanse să devină o soluție </a:t>
-            </a:r>
-            <a:r>
-              <a:rPr lang="ro-RO" dirty="0" smtClean="0"/>
-              <a:t>validă</a:t>
-            </a:r>
-            <a:endParaRPr lang="en-US" dirty="0" smtClean="0"/>
-          </a:p>
-          <a:p>
-            <a:pPr marL="0" indent="0">
-              <a:buNone/>
-            </a:pPr>
-            <a:r>
-              <a:rPr lang="en-US" b="1" dirty="0" smtClean="0"/>
-              <a:t>3.Backjumping: </a:t>
-            </a:r>
-            <a:r>
-              <a:rPr lang="it-IT" dirty="0"/>
-              <a:t>identifică vinovatul de obținerea unei asignări complete inconsistente </a:t>
-            </a:r>
-            <a:endParaRPr lang="ro-RO" b="1" dirty="0"/>
           </a:p>
         </p:txBody>
       </p:sp>
@@ -7279,824 +7163,6 @@
             <a:fld id="{5B68C770-A467-47E2-B3BA-05511F56B1C3}" type="slidenum">
               <a:rPr lang="ro-RO" smtClean="0"/>
               <a:t>10</a:t>
-            </a:fld>
-            <a:endParaRPr lang="ro-RO"/>
-          </a:p>
-        </p:txBody>
-      </p:sp>
-    </p:spTree>
-    <p:extLst>
-      <p:ext uri="{BB962C8B-B14F-4D97-AF65-F5344CB8AC3E}">
-        <p14:creationId xmlns:p14="http://schemas.microsoft.com/office/powerpoint/2010/main" val="1036965517"/>
-      </p:ext>
-    </p:extLst>
-  </p:cSld>
-  <p:clrMapOvr>
-    <a:masterClrMapping/>
-  </p:clrMapOvr>
-  <p:timing>
-    <p:tnLst>
-      <p:par>
-        <p:cTn id="1" dur="indefinite" restart="never" nodeType="tmRoot"/>
-      </p:par>
-    </p:tnLst>
-  </p:timing>
-</p:sld>
-</file>
-
-<file path=ppt/slides/slide11.xml><?xml version="1.0" encoding="utf-8"?>
-<p:sld xmlns:a="http://schemas.openxmlformats.org/drawingml/2006/main" xmlns:r="http://schemas.openxmlformats.org/officeDocument/2006/relationships" xmlns:p="http://schemas.openxmlformats.org/presentationml/2006/main">
-  <p:cSld>
-    <p:spTree>
-      <p:nvGrpSpPr>
-        <p:cNvPr id="1" name=""/>
-        <p:cNvGrpSpPr/>
-        <p:nvPr/>
-      </p:nvGrpSpPr>
-      <p:grpSpPr>
-        <a:xfrm>
-          <a:off x="0" y="0"/>
-          <a:ext cx="0" cy="0"/>
-          <a:chOff x="0" y="0"/>
-          <a:chExt cx="0" cy="0"/>
-        </a:xfrm>
-      </p:grpSpPr>
-      <p:sp>
-        <p:nvSpPr>
-          <p:cNvPr id="2" name="Title 1"/>
-          <p:cNvSpPr>
-            <a:spLocks noGrp="1"/>
-          </p:cNvSpPr>
-          <p:nvPr>
-            <p:ph type="title"/>
-          </p:nvPr>
-        </p:nvSpPr>
-        <p:spPr>
-          <a:xfrm>
-            <a:off x="1208726" y="-326572"/>
-            <a:ext cx="10018713" cy="1752599"/>
-          </a:xfrm>
-        </p:spPr>
-        <p:txBody>
-          <a:bodyPr/>
-          <a:lstStyle/>
-          <a:p>
-            <a:r>
-              <a:rPr lang="ro-RO" b="1" dirty="0"/>
-              <a:t>Programarea bazată pe constrângeri</a:t>
-            </a:r>
-            <a:endParaRPr lang="ro-RO" dirty="0"/>
-          </a:p>
-        </p:txBody>
-      </p:sp>
-      <p:sp>
-        <p:nvSpPr>
-          <p:cNvPr id="3" name="Content Placeholder 2"/>
-          <p:cNvSpPr>
-            <a:spLocks noGrp="1"/>
-          </p:cNvSpPr>
-          <p:nvPr>
-            <p:ph idx="1"/>
-          </p:nvPr>
-        </p:nvSpPr>
-        <p:spPr>
-          <a:xfrm>
-            <a:off x="3951737" y="943428"/>
-            <a:ext cx="4335919" cy="787401"/>
-          </a:xfrm>
-        </p:spPr>
-        <p:txBody>
-          <a:bodyPr/>
-          <a:lstStyle/>
-          <a:p>
-            <a:pPr marL="0" indent="0">
-              <a:buNone/>
-            </a:pPr>
-            <a:r>
-              <a:rPr lang="en-US" dirty="0" smtClean="0"/>
-              <a:t>Backtracking vs</a:t>
-            </a:r>
-            <a:r>
-              <a:rPr lang="en-US" dirty="0"/>
-              <a:t>. </a:t>
-            </a:r>
-            <a:r>
-              <a:rPr lang="ro-RO" dirty="0" smtClean="0"/>
-              <a:t>Backjumping</a:t>
-            </a:r>
-            <a:endParaRPr lang="ro-RO" dirty="0"/>
-          </a:p>
-        </p:txBody>
-      </p:sp>
-      <p:sp>
-        <p:nvSpPr>
-          <p:cNvPr id="4" name="Slide Number Placeholder 3"/>
-          <p:cNvSpPr>
-            <a:spLocks noGrp="1"/>
-          </p:cNvSpPr>
-          <p:nvPr>
-            <p:ph type="sldNum" sz="quarter" idx="12"/>
-          </p:nvPr>
-        </p:nvSpPr>
-        <p:spPr/>
-        <p:txBody>
-          <a:bodyPr/>
-          <a:lstStyle/>
-          <a:p>
-            <a:fld id="{5B68C770-A467-47E2-B3BA-05511F56B1C3}" type="slidenum">
-              <a:rPr lang="ro-RO" smtClean="0"/>
-              <a:t>11</a:t>
-            </a:fld>
-            <a:endParaRPr lang="ro-RO"/>
-          </a:p>
-        </p:txBody>
-      </p:sp>
-      <p:pic>
-        <p:nvPicPr>
-          <p:cNvPr id="5" name="Picture 4"/>
-          <p:cNvPicPr>
-            <a:picLocks noChangeAspect="1"/>
-          </p:cNvPicPr>
-          <p:nvPr/>
-        </p:nvPicPr>
-        <p:blipFill>
-          <a:blip r:embed="rId2">
-            <a:extLst>
-              <a:ext uri="{28A0092B-C50C-407E-A947-70E740481C1C}">
-                <a14:useLocalDpi xmlns:a14="http://schemas.microsoft.com/office/drawing/2010/main" val="0"/>
-              </a:ext>
-            </a:extLst>
-          </a:blip>
-          <a:stretch>
-            <a:fillRect/>
-          </a:stretch>
-        </p:blipFill>
-        <p:spPr>
-          <a:xfrm>
-            <a:off x="2188531" y="1730829"/>
-            <a:ext cx="4081639" cy="4569484"/>
-          </a:xfrm>
-          <a:prstGeom prst="rect">
-            <a:avLst/>
-          </a:prstGeom>
-        </p:spPr>
-      </p:pic>
-      <mc:AlternateContent xmlns:mc="http://schemas.openxmlformats.org/markup-compatibility/2006" xmlns:a14="http://schemas.microsoft.com/office/drawing/2010/main">
-        <mc:Choice Requires="a14">
-          <p:sp>
-            <p:nvSpPr>
-              <p:cNvPr id="6" name="TextBox 5"/>
-              <p:cNvSpPr txBox="1"/>
-              <p:nvPr/>
-            </p:nvSpPr>
-            <p:spPr>
-              <a:xfrm>
-                <a:off x="4621235" y="2199872"/>
-                <a:ext cx="7692571" cy="1522083"/>
-              </a:xfrm>
-              <a:prstGeom prst="rect">
-                <a:avLst/>
-              </a:prstGeom>
-              <a:noFill/>
-            </p:spPr>
-            <p:txBody>
-              <a:bodyPr wrap="square" rtlCol="0">
-                <a:spAutoFit/>
-              </a:bodyPr>
-              <a:lstStyle/>
-              <a:p>
-                <a:pPr algn="just">
-                  <a:lnSpc>
-                    <a:spcPct val="107000"/>
-                  </a:lnSpc>
-                  <a:spcAft>
-                    <a:spcPts val="0"/>
-                  </a:spcAft>
-                  <a:tabLst>
-                    <a:tab pos="1285875" algn="l"/>
-                  </a:tabLst>
-                </a:pPr>
-                <a:r>
-                  <a:rPr lang="en-US" dirty="0" smtClean="0">
-                    <a:latin typeface="Calibri" panose="020F0502020204030204" pitchFamily="34" charset="0"/>
-                    <a:ea typeface="Calibri" panose="020F0502020204030204" pitchFamily="34" charset="0"/>
-                    <a:cs typeface="Times New Roman" panose="02020603050405020304" pitchFamily="18" charset="0"/>
-                  </a:rPr>
-                  <a:t>  </a:t>
-                </a:r>
-                <a:r>
-                  <a:rPr lang="ro-RO" dirty="0" smtClean="0">
-                    <a:latin typeface="Calibri" panose="020F0502020204030204" pitchFamily="34" charset="0"/>
-                    <a:ea typeface="Calibri" panose="020F0502020204030204" pitchFamily="34" charset="0"/>
-                    <a:cs typeface="Times New Roman" panose="02020603050405020304" pitchFamily="18" charset="0"/>
-                  </a:rPr>
-                  <a:t>Variabile : </a:t>
-                </a:r>
-                <a14:m>
-                  <m:oMath xmlns:m="http://schemas.openxmlformats.org/officeDocument/2006/math">
-                    <m:r>
-                      <a:rPr lang="ro-RO" i="1">
-                        <a:effectLst/>
-                        <a:latin typeface="Cambria Math" panose="02040503050406030204" pitchFamily="18" charset="0"/>
-                        <a:ea typeface="Calibri" panose="020F0502020204030204" pitchFamily="34" charset="0"/>
-                        <a:cs typeface="Times New Roman" panose="02020603050405020304" pitchFamily="18" charset="0"/>
-                      </a:rPr>
-                      <m:t>𝑥</m:t>
-                    </m:r>
-                    <m:r>
-                      <a:rPr lang="ro-RO" i="1">
-                        <a:effectLst/>
-                        <a:latin typeface="Cambria Math" panose="02040503050406030204" pitchFamily="18" charset="0"/>
-                        <a:ea typeface="Calibri" panose="020F0502020204030204" pitchFamily="34" charset="0"/>
-                        <a:cs typeface="Times New Roman" panose="02020603050405020304" pitchFamily="18" charset="0"/>
-                      </a:rPr>
-                      <m:t>,</m:t>
-                    </m:r>
-                    <m:r>
-                      <a:rPr lang="ro-RO" i="1">
-                        <a:effectLst/>
-                        <a:latin typeface="Cambria Math" panose="02040503050406030204" pitchFamily="18" charset="0"/>
-                        <a:ea typeface="Calibri" panose="020F0502020204030204" pitchFamily="34" charset="0"/>
-                        <a:cs typeface="Times New Roman" panose="02020603050405020304" pitchFamily="18" charset="0"/>
-                      </a:rPr>
-                      <m:t>𝑦</m:t>
-                    </m:r>
-                    <m:r>
-                      <a:rPr lang="ro-RO" i="1">
-                        <a:effectLst/>
-                        <a:latin typeface="Cambria Math" panose="02040503050406030204" pitchFamily="18" charset="0"/>
-                        <a:ea typeface="Calibri" panose="020F0502020204030204" pitchFamily="34" charset="0"/>
-                        <a:cs typeface="Times New Roman" panose="02020603050405020304" pitchFamily="18" charset="0"/>
-                      </a:rPr>
-                      <m:t>,</m:t>
-                    </m:r>
-                    <m:r>
-                      <a:rPr lang="ro-RO" i="1">
-                        <a:effectLst/>
-                        <a:latin typeface="Cambria Math" panose="02040503050406030204" pitchFamily="18" charset="0"/>
-                        <a:ea typeface="Calibri" panose="020F0502020204030204" pitchFamily="34" charset="0"/>
-                        <a:cs typeface="Times New Roman" panose="02020603050405020304" pitchFamily="18" charset="0"/>
-                      </a:rPr>
-                      <m:t>𝑧</m:t>
-                    </m:r>
-                  </m:oMath>
-                </a14:m>
-                <a:r>
-                  <a:rPr lang="ro-RO" dirty="0">
-                    <a:effectLst/>
-                    <a:latin typeface="Calibri" panose="020F0502020204030204" pitchFamily="34" charset="0"/>
-                    <a:ea typeface="Times New Roman" panose="02020603050405020304" pitchFamily="18" charset="0"/>
-                    <a:cs typeface="Times New Roman" panose="02020603050405020304" pitchFamily="18" charset="0"/>
-                  </a:rPr>
-                  <a:t>,t;</a:t>
-                </a:r>
-                <a:endParaRPr lang="ro-RO" sz="1600" dirty="0">
-                  <a:effectLst/>
-                  <a:latin typeface="Calibri" panose="020F0502020204030204" pitchFamily="34" charset="0"/>
-                  <a:ea typeface="Calibri" panose="020F0502020204030204" pitchFamily="34" charset="0"/>
-                  <a:cs typeface="Times New Roman" panose="02020603050405020304" pitchFamily="18" charset="0"/>
-                </a:endParaRPr>
-              </a:p>
-              <a:p>
-                <a:pPr/>
-                <a14:m>
-                  <m:oMathPara xmlns:m="http://schemas.openxmlformats.org/officeDocument/2006/math">
-                    <m:oMathParaPr>
-                      <m:jc m:val="centerGroup"/>
-                    </m:oMathParaPr>
-                    <m:oMath xmlns:m="http://schemas.openxmlformats.org/officeDocument/2006/math">
-                      <m:sSub>
-                        <m:sSubPr>
-                          <m:ctrlPr>
-                            <a:rPr lang="ro-RO" i="1">
-                              <a:latin typeface="Cambria Math" panose="02040503050406030204" pitchFamily="18" charset="0"/>
-                            </a:rPr>
-                          </m:ctrlPr>
-                        </m:sSubPr>
-                        <m:e>
-                          <m:r>
-                            <a:rPr lang="ro-RO" i="1">
-                              <a:latin typeface="Cambria Math" panose="02040503050406030204" pitchFamily="18" charset="0"/>
-                            </a:rPr>
-                            <m:t>𝐷</m:t>
-                          </m:r>
-                        </m:e>
-                        <m:sub>
-                          <m:r>
-                            <a:rPr lang="ro-RO" i="1">
-                              <a:latin typeface="Cambria Math" panose="02040503050406030204" pitchFamily="18" charset="0"/>
-                            </a:rPr>
-                            <m:t>𝑥</m:t>
-                          </m:r>
-                        </m:sub>
-                      </m:sSub>
-                      <m:r>
-                        <a:rPr lang="ro-RO" i="1">
-                          <a:latin typeface="Cambria Math" panose="02040503050406030204" pitchFamily="18" charset="0"/>
-                        </a:rPr>
-                        <m:t>=</m:t>
-                      </m:r>
-                      <m:d>
-                        <m:dPr>
-                          <m:begChr m:val="{"/>
-                          <m:endChr m:val="}"/>
-                          <m:ctrlPr>
-                            <a:rPr lang="ro-RO" i="1">
-                              <a:latin typeface="Cambria Math" panose="02040503050406030204" pitchFamily="18" charset="0"/>
-                            </a:rPr>
-                          </m:ctrlPr>
-                        </m:dPr>
-                        <m:e>
-                          <m:r>
-                            <a:rPr lang="ro-RO" i="1">
-                              <a:latin typeface="Cambria Math" panose="02040503050406030204" pitchFamily="18" charset="0"/>
-                            </a:rPr>
-                            <m:t>𝑏𝑙𝑎𝑐𝑘</m:t>
-                          </m:r>
-                          <m:r>
-                            <a:rPr lang="ro-RO" i="1">
-                              <a:latin typeface="Cambria Math" panose="02040503050406030204" pitchFamily="18" charset="0"/>
-                            </a:rPr>
-                            <m:t>,</m:t>
-                          </m:r>
-                          <m:r>
-                            <a:rPr lang="ro-RO" i="1">
-                              <a:latin typeface="Cambria Math" panose="02040503050406030204" pitchFamily="18" charset="0"/>
-                            </a:rPr>
-                            <m:t>𝑦𝑒𝑙𝑙𝑜𝑤</m:t>
-                          </m:r>
-                        </m:e>
-                      </m:d>
-                      <m:r>
-                        <a:rPr lang="ro-RO" i="1">
-                          <a:latin typeface="Cambria Math" panose="02040503050406030204" pitchFamily="18" charset="0"/>
-                        </a:rPr>
-                        <m:t>, </m:t>
-                      </m:r>
-                      <m:sSub>
-                        <m:sSubPr>
-                          <m:ctrlPr>
-                            <a:rPr lang="ro-RO" i="1">
-                              <a:latin typeface="Cambria Math" panose="02040503050406030204" pitchFamily="18" charset="0"/>
-                            </a:rPr>
-                          </m:ctrlPr>
-                        </m:sSubPr>
-                        <m:e>
-                          <m:r>
-                            <a:rPr lang="ro-RO" i="1">
-                              <a:latin typeface="Cambria Math" panose="02040503050406030204" pitchFamily="18" charset="0"/>
-                            </a:rPr>
-                            <m:t>𝐷</m:t>
-                          </m:r>
-                        </m:e>
-                        <m:sub>
-                          <m:r>
-                            <a:rPr lang="ro-RO" i="1">
-                              <a:latin typeface="Cambria Math" panose="02040503050406030204" pitchFamily="18" charset="0"/>
-                            </a:rPr>
-                            <m:t>𝑦</m:t>
-                          </m:r>
-                        </m:sub>
-                      </m:sSub>
-                      <m:r>
-                        <a:rPr lang="ro-RO" i="1">
-                          <a:latin typeface="Cambria Math" panose="02040503050406030204" pitchFamily="18" charset="0"/>
-                        </a:rPr>
-                        <m:t>=</m:t>
-                      </m:r>
-                      <m:d>
-                        <m:dPr>
-                          <m:begChr m:val="{"/>
-                          <m:endChr m:val="}"/>
-                          <m:ctrlPr>
-                            <a:rPr lang="ro-RO" i="1">
-                              <a:latin typeface="Cambria Math" panose="02040503050406030204" pitchFamily="18" charset="0"/>
-                            </a:rPr>
-                          </m:ctrlPr>
-                        </m:dPr>
-                        <m:e>
-                          <m:r>
-                            <a:rPr lang="ro-RO" i="1">
-                              <a:latin typeface="Cambria Math" panose="02040503050406030204" pitchFamily="18" charset="0"/>
-                            </a:rPr>
-                            <m:t>𝑟𝑒𝑑</m:t>
-                          </m:r>
-                          <m:r>
-                            <a:rPr lang="ro-RO" i="1">
-                              <a:latin typeface="Cambria Math" panose="02040503050406030204" pitchFamily="18" charset="0"/>
-                            </a:rPr>
-                            <m:t>,</m:t>
-                          </m:r>
-                          <m:r>
-                            <a:rPr lang="ro-RO" i="1">
-                              <a:latin typeface="Cambria Math" panose="02040503050406030204" pitchFamily="18" charset="0"/>
-                            </a:rPr>
-                            <m:t>𝑔𝑟𝑒𝑒𝑛</m:t>
-                          </m:r>
-                        </m:e>
-                      </m:d>
-                      <m:r>
-                        <a:rPr lang="ro-RO" i="1">
-                          <a:latin typeface="Cambria Math" panose="02040503050406030204" pitchFamily="18" charset="0"/>
-                        </a:rPr>
-                        <m:t>, </m:t>
-                      </m:r>
-                      <m:sSub>
-                        <m:sSubPr>
-                          <m:ctrlPr>
-                            <a:rPr lang="ro-RO" i="1">
-                              <a:latin typeface="Cambria Math" panose="02040503050406030204" pitchFamily="18" charset="0"/>
-                            </a:rPr>
-                          </m:ctrlPr>
-                        </m:sSubPr>
-                        <m:e>
-                          <m:r>
-                            <a:rPr lang="ro-RO" i="1">
-                              <a:latin typeface="Cambria Math" panose="02040503050406030204" pitchFamily="18" charset="0"/>
-                            </a:rPr>
-                            <m:t>𝐷</m:t>
-                          </m:r>
-                        </m:e>
-                        <m:sub>
-                          <m:r>
-                            <a:rPr lang="ro-RO" i="1">
-                              <a:latin typeface="Cambria Math" panose="02040503050406030204" pitchFamily="18" charset="0"/>
-                            </a:rPr>
-                            <m:t>𝑧</m:t>
-                          </m:r>
-                        </m:sub>
-                      </m:sSub>
-                      <m:r>
-                        <a:rPr lang="ro-RO" i="1">
-                          <a:latin typeface="Cambria Math" panose="02040503050406030204" pitchFamily="18" charset="0"/>
-                        </a:rPr>
-                        <m:t>=</m:t>
-                      </m:r>
-                      <m:d>
-                        <m:dPr>
-                          <m:begChr m:val="{"/>
-                          <m:endChr m:val="}"/>
-                          <m:ctrlPr>
-                            <a:rPr lang="ro-RO" i="1">
-                              <a:latin typeface="Cambria Math" panose="02040503050406030204" pitchFamily="18" charset="0"/>
-                            </a:rPr>
-                          </m:ctrlPr>
-                        </m:dPr>
-                        <m:e>
-                          <m:r>
-                            <a:rPr lang="ro-RO" i="1">
-                              <a:latin typeface="Cambria Math" panose="02040503050406030204" pitchFamily="18" charset="0"/>
-                            </a:rPr>
-                            <m:t>𝑏𝑙𝑢𝑒</m:t>
-                          </m:r>
-                          <m:r>
-                            <a:rPr lang="ro-RO" i="1">
-                              <a:latin typeface="Cambria Math" panose="02040503050406030204" pitchFamily="18" charset="0"/>
-                            </a:rPr>
-                            <m:t>,</m:t>
-                          </m:r>
-                          <m:r>
-                            <a:rPr lang="ro-RO" i="1">
-                              <a:latin typeface="Cambria Math" panose="02040503050406030204" pitchFamily="18" charset="0"/>
-                            </a:rPr>
-                            <m:t>𝑔𝑟𝑒𝑒𝑛</m:t>
-                          </m:r>
-                        </m:e>
-                      </m:d>
-                      <m:r>
-                        <a:rPr lang="ro-RO" i="1">
-                          <a:latin typeface="Cambria Math" panose="02040503050406030204" pitchFamily="18" charset="0"/>
-                        </a:rPr>
-                        <m:t>, </m:t>
-                      </m:r>
-                      <m:sSub>
-                        <m:sSubPr>
-                          <m:ctrlPr>
-                            <a:rPr lang="ro-RO" i="1">
-                              <a:latin typeface="Cambria Math" panose="02040503050406030204" pitchFamily="18" charset="0"/>
-                            </a:rPr>
-                          </m:ctrlPr>
-                        </m:sSubPr>
-                        <m:e>
-                          <m:r>
-                            <a:rPr lang="ro-RO" i="1">
-                              <a:latin typeface="Cambria Math" panose="02040503050406030204" pitchFamily="18" charset="0"/>
-                            </a:rPr>
-                            <m:t>𝐷</m:t>
-                          </m:r>
-                        </m:e>
-                        <m:sub>
-                          <m:r>
-                            <a:rPr lang="ro-RO" i="1">
-                              <a:latin typeface="Cambria Math" panose="02040503050406030204" pitchFamily="18" charset="0"/>
-                            </a:rPr>
-                            <m:t>𝑡</m:t>
-                          </m:r>
-                        </m:sub>
-                      </m:sSub>
-                      <m:r>
-                        <a:rPr lang="ro-RO" i="1">
-                          <a:latin typeface="Cambria Math" panose="02040503050406030204" pitchFamily="18" charset="0"/>
-                        </a:rPr>
-                        <m:t>=</m:t>
-                      </m:r>
-                      <m:d>
-                        <m:dPr>
-                          <m:begChr m:val="{"/>
-                          <m:endChr m:val="}"/>
-                          <m:ctrlPr>
-                            <a:rPr lang="ro-RO" i="1">
-                              <a:latin typeface="Cambria Math" panose="02040503050406030204" pitchFamily="18" charset="0"/>
-                            </a:rPr>
-                          </m:ctrlPr>
-                        </m:dPr>
-                        <m:e>
-                          <m:r>
-                            <a:rPr lang="ro-RO" i="1">
-                              <a:latin typeface="Cambria Math" panose="02040503050406030204" pitchFamily="18" charset="0"/>
-                            </a:rPr>
-                            <m:t>𝑏𝑙𝑎𝑐𝑘</m:t>
-                          </m:r>
-                        </m:e>
-                      </m:d>
-                      <m:r>
-                        <a:rPr lang="ro-RO" i="1">
-                          <a:latin typeface="Cambria Math" panose="02040503050406030204" pitchFamily="18" charset="0"/>
-                        </a:rPr>
-                        <m:t> </m:t>
-                      </m:r>
-                    </m:oMath>
-                  </m:oMathPara>
-                </a14:m>
-                <a:endParaRPr lang="en-US" dirty="0" smtClean="0"/>
-              </a:p>
-              <a:p>
-                <a:r>
-                  <a:rPr lang="en-US" dirty="0" smtClean="0"/>
-                  <a:t>   </a:t>
-                </a:r>
-                <a:r>
-                  <a:rPr lang="ro-RO" dirty="0" smtClean="0"/>
-                  <a:t>Constrangerile</a:t>
-                </a:r>
-                <a:r>
-                  <a:rPr lang="ro-RO" dirty="0"/>
-                  <a:t>: </a:t>
-                </a:r>
-                <a14:m>
-                  <m:oMath xmlns:m="http://schemas.openxmlformats.org/officeDocument/2006/math">
-                    <m:r>
-                      <a:rPr lang="ro-RO" i="1">
-                        <a:latin typeface="Cambria Math" panose="02040503050406030204" pitchFamily="18" charset="0"/>
-                      </a:rPr>
-                      <m:t>𝑥</m:t>
-                    </m:r>
-                    <m:r>
-                      <a:rPr lang="ro-RO" i="1">
-                        <a:latin typeface="Cambria Math" panose="02040503050406030204" pitchFamily="18" charset="0"/>
-                      </a:rPr>
-                      <m:t>≠</m:t>
-                    </m:r>
-                    <m:r>
-                      <a:rPr lang="ro-RO" i="1">
-                        <a:latin typeface="Cambria Math" panose="02040503050406030204" pitchFamily="18" charset="0"/>
-                      </a:rPr>
-                      <m:t>𝑧</m:t>
-                    </m:r>
-                    <m:r>
-                      <a:rPr lang="ro-RO" i="1">
-                        <a:latin typeface="Cambria Math" panose="02040503050406030204" pitchFamily="18" charset="0"/>
-                      </a:rPr>
-                      <m:t> ,  </m:t>
-                    </m:r>
-                    <m:r>
-                      <a:rPr lang="ro-RO" i="1">
-                        <a:latin typeface="Cambria Math" panose="02040503050406030204" pitchFamily="18" charset="0"/>
-                      </a:rPr>
-                      <m:t>𝑧</m:t>
-                    </m:r>
-                    <m:r>
-                      <a:rPr lang="ro-RO" i="1">
-                        <a:latin typeface="Cambria Math" panose="02040503050406030204" pitchFamily="18" charset="0"/>
-                      </a:rPr>
-                      <m:t>≠</m:t>
-                    </m:r>
-                    <m:r>
-                      <a:rPr lang="ro-RO" i="1">
-                        <a:latin typeface="Cambria Math" panose="02040503050406030204" pitchFamily="18" charset="0"/>
-                      </a:rPr>
-                      <m:t>𝑡</m:t>
-                    </m:r>
-                    <m:r>
-                      <a:rPr lang="ro-RO" i="1">
-                        <a:latin typeface="Cambria Math" panose="02040503050406030204" pitchFamily="18" charset="0"/>
-                      </a:rPr>
-                      <m:t> ,  </m:t>
-                    </m:r>
-                    <m:r>
-                      <a:rPr lang="ro-RO" i="1">
-                        <a:latin typeface="Cambria Math" panose="02040503050406030204" pitchFamily="18" charset="0"/>
-                      </a:rPr>
-                      <m:t>𝑧</m:t>
-                    </m:r>
-                    <m:r>
-                      <a:rPr lang="ro-RO" i="1">
-                        <a:latin typeface="Cambria Math" panose="02040503050406030204" pitchFamily="18" charset="0"/>
-                      </a:rPr>
-                      <m:t>≠</m:t>
-                    </m:r>
-                    <m:r>
-                      <a:rPr lang="ro-RO" i="1">
-                        <a:latin typeface="Cambria Math" panose="02040503050406030204" pitchFamily="18" charset="0"/>
-                      </a:rPr>
-                      <m:t>𝑦</m:t>
-                    </m:r>
-                    <m:r>
-                      <a:rPr lang="ro-RO" i="1">
-                        <a:latin typeface="Cambria Math" panose="02040503050406030204" pitchFamily="18" charset="0"/>
-                      </a:rPr>
-                      <m:t> , </m:t>
-                    </m:r>
-                    <m:r>
-                      <a:rPr lang="ro-RO" i="1">
-                        <a:latin typeface="Cambria Math" panose="02040503050406030204" pitchFamily="18" charset="0"/>
-                      </a:rPr>
-                      <m:t>𝑦</m:t>
-                    </m:r>
-                    <m:r>
-                      <a:rPr lang="ro-RO" i="1">
-                        <a:latin typeface="Cambria Math" panose="02040503050406030204" pitchFamily="18" charset="0"/>
-                      </a:rPr>
-                      <m:t>≠</m:t>
-                    </m:r>
-                    <m:r>
-                      <a:rPr lang="ro-RO" i="1">
-                        <a:latin typeface="Cambria Math" panose="02040503050406030204" pitchFamily="18" charset="0"/>
-                      </a:rPr>
-                      <m:t>𝑡</m:t>
-                    </m:r>
-                    <m:r>
-                      <a:rPr lang="ro-RO" i="1">
-                        <a:latin typeface="Cambria Math" panose="02040503050406030204" pitchFamily="18" charset="0"/>
-                      </a:rPr>
-                      <m:t> ,  </m:t>
-                    </m:r>
-                    <m:r>
-                      <a:rPr lang="ro-RO" i="1">
-                        <a:latin typeface="Cambria Math" panose="02040503050406030204" pitchFamily="18" charset="0"/>
-                      </a:rPr>
-                      <m:t>𝑥</m:t>
-                    </m:r>
-                    <m:r>
-                      <a:rPr lang="ro-RO" i="1">
-                        <a:latin typeface="Cambria Math" panose="02040503050406030204" pitchFamily="18" charset="0"/>
-                      </a:rPr>
-                      <m:t>≠</m:t>
-                    </m:r>
-                    <m:r>
-                      <a:rPr lang="ro-RO" i="1">
-                        <a:latin typeface="Cambria Math" panose="02040503050406030204" pitchFamily="18" charset="0"/>
-                      </a:rPr>
-                      <m:t>𝑡</m:t>
-                    </m:r>
-                  </m:oMath>
-                </a14:m>
-                <a:r>
-                  <a:rPr lang="ro-RO" dirty="0"/>
-                  <a:t>;</a:t>
-                </a:r>
-              </a:p>
-              <a:p>
-                <a:endParaRPr lang="ro-RO" dirty="0"/>
-              </a:p>
-              <a:p>
-                <a:endParaRPr lang="en-US" dirty="0" smtClean="0"/>
-              </a:p>
-            </p:txBody>
-          </p:sp>
-        </mc:Choice>
-        <mc:Fallback xmlns="">
-          <p:sp>
-            <p:nvSpPr>
-              <p:cNvPr id="6" name="TextBox 5"/>
-              <p:cNvSpPr txBox="1">
-                <a:spLocks noRot="1" noChangeAspect="1" noMove="1" noResize="1" noEditPoints="1" noAdjustHandles="1" noChangeArrowheads="1" noChangeShapeType="1" noTextEdit="1"/>
-              </p:cNvSpPr>
-              <p:nvPr/>
-            </p:nvSpPr>
-            <p:spPr>
-              <a:xfrm>
-                <a:off x="4621235" y="2199872"/>
-                <a:ext cx="7692571" cy="1522083"/>
-              </a:xfrm>
-              <a:prstGeom prst="rect">
-                <a:avLst/>
-              </a:prstGeom>
-              <a:blipFill rotWithShape="0">
-                <a:blip r:embed="rId3"/>
-                <a:stretch>
-                  <a:fillRect t="-2000"/>
-                </a:stretch>
-              </a:blipFill>
-            </p:spPr>
-            <p:txBody>
-              <a:bodyPr/>
-              <a:lstStyle/>
-              <a:p>
-                <a:r>
-                  <a:rPr lang="ro-RO">
-                    <a:noFill/>
-                  </a:rPr>
-                  <a:t> </a:t>
-                </a:r>
-              </a:p>
-            </p:txBody>
-          </p:sp>
-        </mc:Fallback>
-      </mc:AlternateContent>
-    </p:spTree>
-    <p:extLst>
-      <p:ext uri="{BB962C8B-B14F-4D97-AF65-F5344CB8AC3E}">
-        <p14:creationId xmlns:p14="http://schemas.microsoft.com/office/powerpoint/2010/main" val="3624419815"/>
-      </p:ext>
-    </p:extLst>
-  </p:cSld>
-  <p:clrMapOvr>
-    <a:masterClrMapping/>
-  </p:clrMapOvr>
-  <p:timing>
-    <p:tnLst>
-      <p:par>
-        <p:cTn id="1" dur="indefinite" restart="never" nodeType="tmRoot"/>
-      </p:par>
-    </p:tnLst>
-  </p:timing>
-</p:sld>
-</file>
-
-<file path=ppt/slides/slide12.xml><?xml version="1.0" encoding="utf-8"?>
-<p:sld xmlns:a="http://schemas.openxmlformats.org/drawingml/2006/main" xmlns:r="http://schemas.openxmlformats.org/officeDocument/2006/relationships" xmlns:p="http://schemas.openxmlformats.org/presentationml/2006/main">
-  <p:cSld>
-    <p:spTree>
-      <p:nvGrpSpPr>
-        <p:cNvPr id="1" name=""/>
-        <p:cNvGrpSpPr/>
-        <p:nvPr/>
-      </p:nvGrpSpPr>
-      <p:grpSpPr>
-        <a:xfrm>
-          <a:off x="0" y="0"/>
-          <a:ext cx="0" cy="0"/>
-          <a:chOff x="0" y="0"/>
-          <a:chExt cx="0" cy="0"/>
-        </a:xfrm>
-      </p:grpSpPr>
-      <p:sp>
-        <p:nvSpPr>
-          <p:cNvPr id="2" name="Title 1"/>
-          <p:cNvSpPr>
-            <a:spLocks noGrp="1"/>
-          </p:cNvSpPr>
-          <p:nvPr>
-            <p:ph type="title"/>
-          </p:nvPr>
-        </p:nvSpPr>
-        <p:spPr>
-          <a:xfrm>
-            <a:off x="1651680" y="-214086"/>
-            <a:ext cx="10018713" cy="1752599"/>
-          </a:xfrm>
-        </p:spPr>
-        <p:txBody>
-          <a:bodyPr/>
-          <a:lstStyle/>
-          <a:p>
-            <a:r>
-              <a:rPr lang="ro-RO" b="1" dirty="0"/>
-              <a:t>Programarea bazată pe constrângeri</a:t>
-            </a:r>
-            <a:endParaRPr lang="ro-RO" dirty="0"/>
-          </a:p>
-        </p:txBody>
-      </p:sp>
-      <p:sp>
-        <p:nvSpPr>
-          <p:cNvPr id="4" name="Slide Number Placeholder 3"/>
-          <p:cNvSpPr>
-            <a:spLocks noGrp="1"/>
-          </p:cNvSpPr>
-          <p:nvPr>
-            <p:ph type="sldNum" sz="quarter" idx="12"/>
-          </p:nvPr>
-        </p:nvSpPr>
-        <p:spPr/>
-        <p:txBody>
-          <a:bodyPr/>
-          <a:lstStyle/>
-          <a:p>
-            <a:fld id="{5B68C770-A467-47E2-B3BA-05511F56B1C3}" type="slidenum">
-              <a:rPr lang="ro-RO" smtClean="0"/>
-              <a:t>12</a:t>
             </a:fld>
             <a:endParaRPr lang="ro-RO"/>
           </a:p>
@@ -8193,10 +7259,387 @@
           </a:xfrm>
         </p:spPr>
       </p:pic>
+      <p:sp>
+        <p:nvSpPr>
+          <p:cNvPr id="3" name="TextBox 2"/>
+          <p:cNvSpPr txBox="1"/>
+          <p:nvPr/>
+        </p:nvSpPr>
+        <p:spPr>
+          <a:xfrm>
+            <a:off x="1651680" y="5654431"/>
+            <a:ext cx="9851343" cy="830997"/>
+          </a:xfrm>
+          <a:prstGeom prst="rect">
+            <a:avLst/>
+          </a:prstGeom>
+          <a:noFill/>
+        </p:spPr>
+        <p:txBody>
+          <a:bodyPr wrap="square" rtlCol="0">
+            <a:spAutoFit/>
+          </a:bodyPr>
+          <a:lstStyle/>
+          <a:p>
+            <a:pPr lvl="0" defTabSz="457200">
+              <a:spcBef>
+                <a:spcPct val="20000"/>
+              </a:spcBef>
+              <a:spcAft>
+                <a:spcPts val="600"/>
+              </a:spcAft>
+              <a:buClr>
+                <a:srgbClr val="30ACEC">
+                  <a:lumMod val="75000"/>
+                </a:srgbClr>
+              </a:buClr>
+              <a:buSzPct val="145000"/>
+            </a:pPr>
+            <a:r>
+              <a:rPr lang="en-US" sz="2400">
+                <a:solidFill>
+                  <a:prstClr val="black"/>
+                </a:solidFill>
+              </a:rPr>
+              <a:t>A</a:t>
+            </a:r>
+            <a:r>
+              <a:rPr lang="ro-RO" sz="2400">
+                <a:solidFill>
+                  <a:prstClr val="black"/>
+                </a:solidFill>
+              </a:rPr>
+              <a:t>lgoritm</a:t>
+            </a:r>
+            <a:r>
+              <a:rPr lang="en-US" sz="2400">
+                <a:solidFill>
+                  <a:prstClr val="black"/>
+                </a:solidFill>
+              </a:rPr>
+              <a:t> </a:t>
+            </a:r>
+            <a:r>
+              <a:rPr lang="ro-RO" sz="2400">
+                <a:solidFill>
+                  <a:prstClr val="black"/>
+                </a:solidFill>
+              </a:rPr>
+              <a:t>Backjumping minimizează unul din dezavantajele backtracking-ului, numit trashing. </a:t>
+            </a:r>
+            <a:endParaRPr lang="en-US" sz="2400" dirty="0">
+              <a:solidFill>
+                <a:prstClr val="black"/>
+              </a:solidFill>
+            </a:endParaRPr>
+          </a:p>
+        </p:txBody>
+      </p:sp>
     </p:spTree>
     <p:extLst>
       <p:ext uri="{BB962C8B-B14F-4D97-AF65-F5344CB8AC3E}">
         <p14:creationId xmlns:p14="http://schemas.microsoft.com/office/powerpoint/2010/main" val="1573557614"/>
+      </p:ext>
+    </p:extLst>
+  </p:cSld>
+  <p:clrMapOvr>
+    <a:masterClrMapping/>
+  </p:clrMapOvr>
+  <p:timing>
+    <p:tnLst>
+      <p:par>
+        <p:cTn id="1" dur="indefinite" restart="never" nodeType="tmRoot"/>
+      </p:par>
+    </p:tnLst>
+  </p:timing>
+</p:sld>
+</file>
+
+<file path=ppt/slides/slide11.xml><?xml version="1.0" encoding="utf-8"?>
+<p:sld xmlns:a="http://schemas.openxmlformats.org/drawingml/2006/main" xmlns:r="http://schemas.openxmlformats.org/officeDocument/2006/relationships" xmlns:p="http://schemas.openxmlformats.org/presentationml/2006/main">
+  <p:cSld>
+    <p:spTree>
+      <p:nvGrpSpPr>
+        <p:cNvPr id="1" name=""/>
+        <p:cNvGrpSpPr/>
+        <p:nvPr/>
+      </p:nvGrpSpPr>
+      <p:grpSpPr>
+        <a:xfrm>
+          <a:off x="0" y="0"/>
+          <a:ext cx="0" cy="0"/>
+          <a:chOff x="0" y="0"/>
+          <a:chExt cx="0" cy="0"/>
+        </a:xfrm>
+      </p:grpSpPr>
+      <p:sp>
+        <p:nvSpPr>
+          <p:cNvPr id="2" name="Title 1"/>
+          <p:cNvSpPr>
+            <a:spLocks noGrp="1"/>
+          </p:cNvSpPr>
+          <p:nvPr>
+            <p:ph type="title"/>
+          </p:nvPr>
+        </p:nvSpPr>
+        <p:spPr>
+          <a:xfrm>
+            <a:off x="1339168" y="0"/>
+            <a:ext cx="10018713" cy="1752599"/>
+          </a:xfrm>
+        </p:spPr>
+        <p:txBody>
+          <a:bodyPr>
+            <a:normAutofit/>
+          </a:bodyPr>
+          <a:lstStyle/>
+          <a:p>
+            <a:r>
+              <a:rPr lang="en-US" b="1" dirty="0"/>
+              <a:t>CHOCO SOLVER</a:t>
+            </a:r>
+            <a:endParaRPr lang="ro-RO" b="1" dirty="0"/>
+          </a:p>
+        </p:txBody>
+      </p:sp>
+      <p:sp>
+        <p:nvSpPr>
+          <p:cNvPr id="3" name="Content Placeholder 2"/>
+          <p:cNvSpPr>
+            <a:spLocks noGrp="1"/>
+          </p:cNvSpPr>
+          <p:nvPr>
+            <p:ph idx="1"/>
+          </p:nvPr>
+        </p:nvSpPr>
+        <p:spPr>
+          <a:xfrm>
+            <a:off x="1484310" y="1821541"/>
+            <a:ext cx="10018713" cy="3124201"/>
+          </a:xfrm>
+        </p:spPr>
+        <p:txBody>
+          <a:bodyPr/>
+          <a:lstStyle/>
+          <a:p>
+            <a:pPr marL="0" indent="0">
+              <a:buNone/>
+            </a:pPr>
+            <a:r>
+              <a:rPr lang="en-US" sz="2800" b="1" dirty="0" smtClean="0"/>
+              <a:t>1.Ce </a:t>
+            </a:r>
+            <a:r>
+              <a:rPr lang="ro-RO" sz="2800" b="1" dirty="0" smtClean="0"/>
+              <a:t>este</a:t>
+            </a:r>
+            <a:r>
+              <a:rPr lang="en-US" sz="2800" b="1" dirty="0" smtClean="0"/>
+              <a:t> Choco Solver?</a:t>
+            </a:r>
+          </a:p>
+          <a:p>
+            <a:pPr algn="just"/>
+            <a:r>
+              <a:rPr lang="ro-RO" dirty="0"/>
+              <a:t>Choco este un software gratuit și open-source dedicat </a:t>
+            </a:r>
+            <a:r>
+              <a:rPr lang="ro-RO" dirty="0" smtClean="0"/>
+              <a:t>programării</a:t>
+            </a:r>
+            <a:r>
+              <a:rPr lang="en-US" dirty="0" smtClean="0"/>
+              <a:t> </a:t>
+            </a:r>
+            <a:r>
+              <a:rPr lang="ro-RO" dirty="0" smtClean="0"/>
+              <a:t>constrângerilor</a:t>
+            </a:r>
+            <a:r>
+              <a:rPr lang="ro-RO" dirty="0"/>
+              <a:t>. Este scris în Java, sub licentă BSD. </a:t>
+            </a:r>
+            <a:endParaRPr lang="en-US" b="1" dirty="0" smtClean="0"/>
+          </a:p>
+          <a:p>
+            <a:r>
+              <a:rPr lang="ro-RO" dirty="0"/>
+              <a:t>Scopul său este de a descrie problemele combinatoriale reale sub formă problemelor de satisfacție a constrângerilor și de a le rezolva cu ajutorul tehnicilor de programare a constrângerilor. </a:t>
+            </a:r>
+          </a:p>
+        </p:txBody>
+      </p:sp>
+      <p:sp>
+        <p:nvSpPr>
+          <p:cNvPr id="4" name="Slide Number Placeholder 3"/>
+          <p:cNvSpPr>
+            <a:spLocks noGrp="1"/>
+          </p:cNvSpPr>
+          <p:nvPr>
+            <p:ph type="sldNum" sz="quarter" idx="12"/>
+          </p:nvPr>
+        </p:nvSpPr>
+        <p:spPr/>
+        <p:txBody>
+          <a:bodyPr/>
+          <a:lstStyle/>
+          <a:p>
+            <a:fld id="{5B68C770-A467-47E2-B3BA-05511F56B1C3}" type="slidenum">
+              <a:rPr lang="ro-RO" smtClean="0"/>
+              <a:t>11</a:t>
+            </a:fld>
+            <a:endParaRPr lang="ro-RO"/>
+          </a:p>
+        </p:txBody>
+      </p:sp>
+    </p:spTree>
+    <p:extLst>
+      <p:ext uri="{BB962C8B-B14F-4D97-AF65-F5344CB8AC3E}">
+        <p14:creationId xmlns:p14="http://schemas.microsoft.com/office/powerpoint/2010/main" val="1401315040"/>
+      </p:ext>
+    </p:extLst>
+  </p:cSld>
+  <p:clrMapOvr>
+    <a:masterClrMapping/>
+  </p:clrMapOvr>
+  <p:timing>
+    <p:tnLst>
+      <p:par>
+        <p:cTn id="1" dur="indefinite" restart="never" nodeType="tmRoot"/>
+      </p:par>
+    </p:tnLst>
+  </p:timing>
+</p:sld>
+</file>
+
+<file path=ppt/slides/slide12.xml><?xml version="1.0" encoding="utf-8"?>
+<p:sld xmlns:a="http://schemas.openxmlformats.org/drawingml/2006/main" xmlns:r="http://schemas.openxmlformats.org/officeDocument/2006/relationships" xmlns:p="http://schemas.openxmlformats.org/presentationml/2006/main">
+  <p:cSld>
+    <p:spTree>
+      <p:nvGrpSpPr>
+        <p:cNvPr id="1" name=""/>
+        <p:cNvGrpSpPr/>
+        <p:nvPr/>
+      </p:nvGrpSpPr>
+      <p:grpSpPr>
+        <a:xfrm>
+          <a:off x="0" y="0"/>
+          <a:ext cx="0" cy="0"/>
+          <a:chOff x="0" y="0"/>
+          <a:chExt cx="0" cy="0"/>
+        </a:xfrm>
+      </p:grpSpPr>
+      <p:sp>
+        <p:nvSpPr>
+          <p:cNvPr id="2" name="Title 1"/>
+          <p:cNvSpPr>
+            <a:spLocks noGrp="1"/>
+          </p:cNvSpPr>
+          <p:nvPr>
+            <p:ph type="title"/>
+          </p:nvPr>
+        </p:nvSpPr>
+        <p:spPr>
+          <a:xfrm>
+            <a:off x="1484310" y="134257"/>
+            <a:ext cx="10018713" cy="1752599"/>
+          </a:xfrm>
+        </p:spPr>
+        <p:txBody>
+          <a:bodyPr>
+            <a:normAutofit/>
+          </a:bodyPr>
+          <a:lstStyle/>
+          <a:p>
+            <a:r>
+              <a:rPr lang="en-US" b="1" dirty="0"/>
+              <a:t>A</a:t>
+            </a:r>
+            <a:r>
+              <a:rPr lang="ro-RO" b="1" dirty="0"/>
+              <a:t>plicație practică </a:t>
+            </a:r>
+          </a:p>
+        </p:txBody>
+      </p:sp>
+      <p:sp>
+        <p:nvSpPr>
+          <p:cNvPr id="3" name="Content Placeholder 2"/>
+          <p:cNvSpPr>
+            <a:spLocks noGrp="1"/>
+          </p:cNvSpPr>
+          <p:nvPr>
+            <p:ph idx="1"/>
+          </p:nvPr>
+        </p:nvSpPr>
+        <p:spPr>
+          <a:xfrm>
+            <a:off x="1600425" y="1734321"/>
+            <a:ext cx="10018713" cy="3124201"/>
+          </a:xfrm>
+        </p:spPr>
+        <p:txBody>
+          <a:bodyPr/>
+          <a:lstStyle/>
+          <a:p>
+            <a:pPr marL="0" indent="0">
+              <a:buNone/>
+            </a:pPr>
+            <a:r>
+              <a:rPr lang="ro-RO" b="1" dirty="0" smtClean="0"/>
+              <a:t>Descrierea problemei</a:t>
+            </a:r>
+          </a:p>
+          <a:p>
+            <a:pPr marL="0" indent="0">
+              <a:buNone/>
+            </a:pPr>
+            <a:endParaRPr lang="en-US" b="1" dirty="0" smtClean="0"/>
+          </a:p>
+          <a:p>
+            <a:pPr marL="0" indent="0">
+              <a:buNone/>
+            </a:pPr>
+            <a:r>
+              <a:rPr lang="ro-RO" dirty="0" smtClean="0"/>
+              <a:t>Problema </a:t>
+            </a:r>
+            <a:r>
+              <a:rPr lang="ro-RO" dirty="0"/>
+              <a:t>presupune încărcarea diferitelor mărfuri ( volume de produse chimice, care urmează să fie expediate pe navă) la containerele chimice disponibile ale navei. </a:t>
+            </a:r>
+            <a:endParaRPr lang="ro-RO" b="1" dirty="0"/>
+          </a:p>
+        </p:txBody>
+      </p:sp>
+      <p:sp>
+        <p:nvSpPr>
+          <p:cNvPr id="4" name="Slide Number Placeholder 3"/>
+          <p:cNvSpPr>
+            <a:spLocks noGrp="1"/>
+          </p:cNvSpPr>
+          <p:nvPr>
+            <p:ph type="sldNum" sz="quarter" idx="12"/>
+          </p:nvPr>
+        </p:nvSpPr>
+        <p:spPr/>
+        <p:txBody>
+          <a:bodyPr/>
+          <a:lstStyle/>
+          <a:p>
+            <a:fld id="{5B68C770-A467-47E2-B3BA-05511F56B1C3}" type="slidenum">
+              <a:rPr lang="ro-RO" smtClean="0"/>
+              <a:t>12</a:t>
+            </a:fld>
+            <a:endParaRPr lang="ro-RO"/>
+          </a:p>
+        </p:txBody>
+      </p:sp>
+    </p:spTree>
+    <p:extLst>
+      <p:ext uri="{BB962C8B-B14F-4D97-AF65-F5344CB8AC3E}">
+        <p14:creationId xmlns:p14="http://schemas.microsoft.com/office/powerpoint/2010/main" val="4243315450"/>
       </p:ext>
     </p:extLst>
   </p:cSld>
@@ -8242,533 +7685,6 @@
         </p:nvSpPr>
         <p:spPr>
           <a:xfrm>
-            <a:off x="1484309" y="0"/>
-            <a:ext cx="10018713" cy="1752599"/>
-          </a:xfrm>
-        </p:spPr>
-        <p:txBody>
-          <a:bodyPr/>
-          <a:lstStyle/>
-          <a:p>
-            <a:r>
-              <a:rPr lang="ro-RO" b="1" dirty="0"/>
-              <a:t>Programarea bazată pe constrângeri</a:t>
-            </a:r>
-            <a:endParaRPr lang="ro-RO" dirty="0"/>
-          </a:p>
-        </p:txBody>
-      </p:sp>
-      <p:sp>
-        <p:nvSpPr>
-          <p:cNvPr id="3" name="Content Placeholder 2"/>
-          <p:cNvSpPr>
-            <a:spLocks noGrp="1"/>
-          </p:cNvSpPr>
-          <p:nvPr>
-            <p:ph idx="1"/>
-          </p:nvPr>
-        </p:nvSpPr>
-        <p:spPr>
-          <a:xfrm>
-            <a:off x="1638184" y="2029936"/>
-            <a:ext cx="10018713" cy="3048001"/>
-          </a:xfrm>
-        </p:spPr>
-        <p:txBody>
-          <a:bodyPr/>
-          <a:lstStyle/>
-          <a:p>
-            <a:pPr marL="0" indent="0">
-              <a:buNone/>
-            </a:pPr>
-            <a:r>
-              <a:rPr lang="ro-RO" dirty="0"/>
-              <a:t>Există trei dezavantaje majore ale backtracking-ului standard: </a:t>
-            </a:r>
-            <a:r>
-              <a:rPr lang="ro-RO" dirty="0" smtClean="0"/>
-              <a:t> </a:t>
-            </a:r>
-            <a:endParaRPr lang="ro-RO" dirty="0"/>
-          </a:p>
-          <a:p>
-            <a:pPr lvl="1"/>
-            <a:r>
-              <a:rPr lang="ro-RO" dirty="0" smtClean="0"/>
-              <a:t>Thrashing</a:t>
-            </a:r>
-            <a:endParaRPr lang="en-US" dirty="0" smtClean="0"/>
-          </a:p>
-          <a:p>
-            <a:pPr lvl="1"/>
-            <a:r>
-              <a:rPr lang="ro-RO" dirty="0" smtClean="0"/>
-              <a:t>Munca redundantă</a:t>
-            </a:r>
-            <a:endParaRPr lang="en-US" dirty="0" smtClean="0"/>
-          </a:p>
-          <a:p>
-            <a:pPr lvl="1"/>
-            <a:r>
-              <a:rPr lang="ro-RO" dirty="0" smtClean="0"/>
-              <a:t>Detectarea </a:t>
-            </a:r>
-            <a:r>
-              <a:rPr lang="ro-RO" dirty="0"/>
-              <a:t>tardivă a </a:t>
-            </a:r>
-            <a:r>
-              <a:rPr lang="ro-RO" dirty="0" smtClean="0"/>
-              <a:t>conflictului</a:t>
-            </a:r>
-            <a:endParaRPr lang="en-US" dirty="0" smtClean="0"/>
-          </a:p>
-          <a:p>
-            <a:pPr marL="0" indent="0">
-              <a:buNone/>
-            </a:pPr>
-            <a:r>
-              <a:rPr lang="en-US" dirty="0"/>
-              <a:t>A</a:t>
-            </a:r>
-            <a:r>
-              <a:rPr lang="ro-RO" dirty="0" smtClean="0"/>
-              <a:t>lgoritm</a:t>
-            </a:r>
-            <a:r>
-              <a:rPr lang="en-US" dirty="0" smtClean="0"/>
-              <a:t> </a:t>
-            </a:r>
-            <a:r>
-              <a:rPr lang="ro-RO" dirty="0" smtClean="0"/>
-              <a:t>Backjumping </a:t>
-            </a:r>
-            <a:r>
-              <a:rPr lang="ro-RO" dirty="0"/>
-              <a:t>minimizează unul din dezavantajele backtracking-ului, numit trashing. </a:t>
-            </a:r>
-            <a:endParaRPr lang="en-US" dirty="0" smtClean="0"/>
-          </a:p>
-        </p:txBody>
-      </p:sp>
-      <p:sp>
-        <p:nvSpPr>
-          <p:cNvPr id="4" name="Slide Number Placeholder 3"/>
-          <p:cNvSpPr>
-            <a:spLocks noGrp="1"/>
-          </p:cNvSpPr>
-          <p:nvPr>
-            <p:ph type="sldNum" sz="quarter" idx="12"/>
-          </p:nvPr>
-        </p:nvSpPr>
-        <p:spPr/>
-        <p:txBody>
-          <a:bodyPr/>
-          <a:lstStyle/>
-          <a:p>
-            <a:fld id="{5B68C770-A467-47E2-B3BA-05511F56B1C3}" type="slidenum">
-              <a:rPr lang="ro-RO" smtClean="0"/>
-              <a:t>13</a:t>
-            </a:fld>
-            <a:endParaRPr lang="ro-RO"/>
-          </a:p>
-        </p:txBody>
-      </p:sp>
-      <p:sp>
-        <p:nvSpPr>
-          <p:cNvPr id="5" name="Rectangle 4"/>
-          <p:cNvSpPr/>
-          <p:nvPr/>
-        </p:nvSpPr>
-        <p:spPr>
-          <a:xfrm>
-            <a:off x="4652772" y="1287502"/>
-            <a:ext cx="3443571" cy="400110"/>
-          </a:xfrm>
-          <a:prstGeom prst="rect">
-            <a:avLst/>
-          </a:prstGeom>
-        </p:spPr>
-        <p:txBody>
-          <a:bodyPr wrap="none">
-            <a:spAutoFit/>
-          </a:bodyPr>
-          <a:lstStyle/>
-          <a:p>
-            <a:r>
-              <a:rPr lang="en-US" sz="2000" b="1" dirty="0"/>
-              <a:t>Backtracking</a:t>
-            </a:r>
-            <a:r>
-              <a:rPr lang="en-US" dirty="0"/>
-              <a:t> </a:t>
-            </a:r>
-            <a:r>
-              <a:rPr lang="en-US" b="1" dirty="0"/>
-              <a:t>vs</a:t>
-            </a:r>
-            <a:r>
-              <a:rPr lang="en-US" dirty="0"/>
-              <a:t>. </a:t>
-            </a:r>
-            <a:r>
-              <a:rPr lang="ro-RO" sz="2000" b="1" dirty="0"/>
-              <a:t>Backjumping</a:t>
-            </a:r>
-            <a:endParaRPr lang="ro-RO" b="1" dirty="0"/>
-          </a:p>
-        </p:txBody>
-      </p:sp>
-    </p:spTree>
-    <p:extLst>
-      <p:ext uri="{BB962C8B-B14F-4D97-AF65-F5344CB8AC3E}">
-        <p14:creationId xmlns:p14="http://schemas.microsoft.com/office/powerpoint/2010/main" val="1974971382"/>
-      </p:ext>
-    </p:extLst>
-  </p:cSld>
-  <p:clrMapOvr>
-    <a:masterClrMapping/>
-  </p:clrMapOvr>
-  <p:timing>
-    <p:tnLst>
-      <p:par>
-        <p:cTn id="1" dur="indefinite" restart="never" nodeType="tmRoot"/>
-      </p:par>
-    </p:tnLst>
-  </p:timing>
-</p:sld>
-</file>
-
-<file path=ppt/slides/slide14.xml><?xml version="1.0" encoding="utf-8"?>
-<p:sld xmlns:a="http://schemas.openxmlformats.org/drawingml/2006/main" xmlns:r="http://schemas.openxmlformats.org/officeDocument/2006/relationships" xmlns:p="http://schemas.openxmlformats.org/presentationml/2006/main">
-  <p:cSld>
-    <p:spTree>
-      <p:nvGrpSpPr>
-        <p:cNvPr id="1" name=""/>
-        <p:cNvGrpSpPr/>
-        <p:nvPr/>
-      </p:nvGrpSpPr>
-      <p:grpSpPr>
-        <a:xfrm>
-          <a:off x="0" y="0"/>
-          <a:ext cx="0" cy="0"/>
-          <a:chOff x="0" y="0"/>
-          <a:chExt cx="0" cy="0"/>
-        </a:xfrm>
-      </p:grpSpPr>
-      <p:sp>
-        <p:nvSpPr>
-          <p:cNvPr id="2" name="Title 1"/>
-          <p:cNvSpPr>
-            <a:spLocks noGrp="1"/>
-          </p:cNvSpPr>
-          <p:nvPr>
-            <p:ph type="title"/>
-          </p:nvPr>
-        </p:nvSpPr>
-        <p:spPr>
-          <a:xfrm>
-            <a:off x="1339168" y="0"/>
-            <a:ext cx="10018713" cy="1752599"/>
-          </a:xfrm>
-        </p:spPr>
-        <p:txBody>
-          <a:bodyPr>
-            <a:normAutofit/>
-          </a:bodyPr>
-          <a:lstStyle/>
-          <a:p>
-            <a:r>
-              <a:rPr lang="en-US" b="1" dirty="0"/>
-              <a:t>CHOCO SOLVER</a:t>
-            </a:r>
-            <a:endParaRPr lang="ro-RO" b="1" dirty="0"/>
-          </a:p>
-        </p:txBody>
-      </p:sp>
-      <p:sp>
-        <p:nvSpPr>
-          <p:cNvPr id="3" name="Content Placeholder 2"/>
-          <p:cNvSpPr>
-            <a:spLocks noGrp="1"/>
-          </p:cNvSpPr>
-          <p:nvPr>
-            <p:ph idx="1"/>
-          </p:nvPr>
-        </p:nvSpPr>
-        <p:spPr>
-          <a:xfrm>
-            <a:off x="1484310" y="1821541"/>
-            <a:ext cx="10018713" cy="3124201"/>
-          </a:xfrm>
-        </p:spPr>
-        <p:txBody>
-          <a:bodyPr/>
-          <a:lstStyle/>
-          <a:p>
-            <a:pPr marL="0" indent="0">
-              <a:buNone/>
-            </a:pPr>
-            <a:r>
-              <a:rPr lang="en-US" sz="2800" b="1" dirty="0" smtClean="0"/>
-              <a:t>1.Ce </a:t>
-            </a:r>
-            <a:r>
-              <a:rPr lang="ro-RO" sz="2800" b="1" dirty="0" smtClean="0"/>
-              <a:t>este</a:t>
-            </a:r>
-            <a:r>
-              <a:rPr lang="en-US" sz="2800" b="1" dirty="0" smtClean="0"/>
-              <a:t> Choco Solver?</a:t>
-            </a:r>
-          </a:p>
-          <a:p>
-            <a:pPr algn="just"/>
-            <a:r>
-              <a:rPr lang="ro-RO" dirty="0"/>
-              <a:t>Choco este un software gratuit și open-source dedicat </a:t>
-            </a:r>
-            <a:r>
-              <a:rPr lang="ro-RO" dirty="0" smtClean="0"/>
-              <a:t>programării</a:t>
-            </a:r>
-            <a:r>
-              <a:rPr lang="en-US" dirty="0" smtClean="0"/>
-              <a:t> </a:t>
-            </a:r>
-            <a:r>
-              <a:rPr lang="ro-RO" dirty="0" smtClean="0"/>
-              <a:t>constrângerilor</a:t>
-            </a:r>
-            <a:r>
-              <a:rPr lang="ro-RO" dirty="0"/>
-              <a:t>. Este scris în Java, sub licentă BSD. </a:t>
-            </a:r>
-            <a:endParaRPr lang="en-US" b="1" dirty="0" smtClean="0"/>
-          </a:p>
-          <a:p>
-            <a:r>
-              <a:rPr lang="ro-RO" dirty="0"/>
-              <a:t>Scopul său este de a descrie problemele combinatoriale reale sub formă problemelor de satisfacție a constrângerilor și de a le rezolva cu ajutorul tehnicilor de programare a constrângerilor. </a:t>
-            </a:r>
-          </a:p>
-        </p:txBody>
-      </p:sp>
-      <p:sp>
-        <p:nvSpPr>
-          <p:cNvPr id="4" name="Slide Number Placeholder 3"/>
-          <p:cNvSpPr>
-            <a:spLocks noGrp="1"/>
-          </p:cNvSpPr>
-          <p:nvPr>
-            <p:ph type="sldNum" sz="quarter" idx="12"/>
-          </p:nvPr>
-        </p:nvSpPr>
-        <p:spPr/>
-        <p:txBody>
-          <a:bodyPr/>
-          <a:lstStyle/>
-          <a:p>
-            <a:fld id="{5B68C770-A467-47E2-B3BA-05511F56B1C3}" type="slidenum">
-              <a:rPr lang="ro-RO" smtClean="0"/>
-              <a:t>14</a:t>
-            </a:fld>
-            <a:endParaRPr lang="ro-RO"/>
-          </a:p>
-        </p:txBody>
-      </p:sp>
-    </p:spTree>
-    <p:extLst>
-      <p:ext uri="{BB962C8B-B14F-4D97-AF65-F5344CB8AC3E}">
-        <p14:creationId xmlns:p14="http://schemas.microsoft.com/office/powerpoint/2010/main" val="1401315040"/>
-      </p:ext>
-    </p:extLst>
-  </p:cSld>
-  <p:clrMapOvr>
-    <a:masterClrMapping/>
-  </p:clrMapOvr>
-  <p:timing>
-    <p:tnLst>
-      <p:par>
-        <p:cTn id="1" dur="indefinite" restart="never" nodeType="tmRoot"/>
-      </p:par>
-    </p:tnLst>
-  </p:timing>
-</p:sld>
-</file>
-
-<file path=ppt/slides/slide15.xml><?xml version="1.0" encoding="utf-8"?>
-<p:sld xmlns:a="http://schemas.openxmlformats.org/drawingml/2006/main" xmlns:r="http://schemas.openxmlformats.org/officeDocument/2006/relationships" xmlns:p="http://schemas.openxmlformats.org/presentationml/2006/main">
-  <p:cSld>
-    <p:spTree>
-      <p:nvGrpSpPr>
-        <p:cNvPr id="1" name=""/>
-        <p:cNvGrpSpPr/>
-        <p:nvPr/>
-      </p:nvGrpSpPr>
-      <p:grpSpPr>
-        <a:xfrm>
-          <a:off x="0" y="0"/>
-          <a:ext cx="0" cy="0"/>
-          <a:chOff x="0" y="0"/>
-          <a:chExt cx="0" cy="0"/>
-        </a:xfrm>
-      </p:grpSpPr>
-      <p:sp>
-        <p:nvSpPr>
-          <p:cNvPr id="2" name="Title 1"/>
-          <p:cNvSpPr>
-            <a:spLocks noGrp="1"/>
-          </p:cNvSpPr>
-          <p:nvPr>
-            <p:ph type="title"/>
-          </p:nvPr>
-        </p:nvSpPr>
-        <p:spPr>
-          <a:xfrm>
-            <a:off x="1484310" y="134257"/>
-            <a:ext cx="10018713" cy="1752599"/>
-          </a:xfrm>
-        </p:spPr>
-        <p:txBody>
-          <a:bodyPr>
-            <a:normAutofit/>
-          </a:bodyPr>
-          <a:lstStyle/>
-          <a:p>
-            <a:r>
-              <a:rPr lang="en-US" b="1" dirty="0"/>
-              <a:t>A</a:t>
-            </a:r>
-            <a:r>
-              <a:rPr lang="ro-RO" b="1" dirty="0"/>
-              <a:t>plicație practică </a:t>
-            </a:r>
-          </a:p>
-        </p:txBody>
-      </p:sp>
-      <p:sp>
-        <p:nvSpPr>
-          <p:cNvPr id="3" name="Content Placeholder 2"/>
-          <p:cNvSpPr>
-            <a:spLocks noGrp="1"/>
-          </p:cNvSpPr>
-          <p:nvPr>
-            <p:ph idx="1"/>
-          </p:nvPr>
-        </p:nvSpPr>
-        <p:spPr>
-          <a:xfrm>
-            <a:off x="1600425" y="1734321"/>
-            <a:ext cx="10018713" cy="3124201"/>
-          </a:xfrm>
-        </p:spPr>
-        <p:txBody>
-          <a:bodyPr/>
-          <a:lstStyle/>
-          <a:p>
-            <a:pPr marL="0" indent="0">
-              <a:buNone/>
-            </a:pPr>
-            <a:r>
-              <a:rPr lang="ro-RO" b="1" dirty="0" smtClean="0"/>
-              <a:t>Descrierea problemei</a:t>
-            </a:r>
-          </a:p>
-          <a:p>
-            <a:pPr marL="0" indent="0">
-              <a:buNone/>
-            </a:pPr>
-            <a:endParaRPr lang="en-US" b="1" dirty="0" smtClean="0"/>
-          </a:p>
-          <a:p>
-            <a:pPr marL="0" indent="0">
-              <a:buNone/>
-            </a:pPr>
-            <a:r>
-              <a:rPr lang="ro-RO" dirty="0" smtClean="0"/>
-              <a:t>Problema </a:t>
-            </a:r>
-            <a:r>
-              <a:rPr lang="ro-RO" dirty="0"/>
-              <a:t>presupune încărcarea diferitelor mărfuri ( volume de produse chimice, care urmează să fie expediate pe navă) la containerele chimice disponibile ale navei. </a:t>
-            </a:r>
-            <a:endParaRPr lang="ro-RO" b="1" dirty="0"/>
-          </a:p>
-        </p:txBody>
-      </p:sp>
-      <p:sp>
-        <p:nvSpPr>
-          <p:cNvPr id="4" name="Slide Number Placeholder 3"/>
-          <p:cNvSpPr>
-            <a:spLocks noGrp="1"/>
-          </p:cNvSpPr>
-          <p:nvPr>
-            <p:ph type="sldNum" sz="quarter" idx="12"/>
-          </p:nvPr>
-        </p:nvSpPr>
-        <p:spPr/>
-        <p:txBody>
-          <a:bodyPr/>
-          <a:lstStyle/>
-          <a:p>
-            <a:fld id="{5B68C770-A467-47E2-B3BA-05511F56B1C3}" type="slidenum">
-              <a:rPr lang="ro-RO" smtClean="0"/>
-              <a:t>15</a:t>
-            </a:fld>
-            <a:endParaRPr lang="ro-RO"/>
-          </a:p>
-        </p:txBody>
-      </p:sp>
-    </p:spTree>
-    <p:extLst>
-      <p:ext uri="{BB962C8B-B14F-4D97-AF65-F5344CB8AC3E}">
-        <p14:creationId xmlns:p14="http://schemas.microsoft.com/office/powerpoint/2010/main" val="4243315450"/>
-      </p:ext>
-    </p:extLst>
-  </p:cSld>
-  <p:clrMapOvr>
-    <a:masterClrMapping/>
-  </p:clrMapOvr>
-  <p:timing>
-    <p:tnLst>
-      <p:par>
-        <p:cTn id="1" dur="indefinite" restart="never" nodeType="tmRoot"/>
-      </p:par>
-    </p:tnLst>
-  </p:timing>
-</p:sld>
-</file>
-
-<file path=ppt/slides/slide16.xml><?xml version="1.0" encoding="utf-8"?>
-<p:sld xmlns:a="http://schemas.openxmlformats.org/drawingml/2006/main" xmlns:r="http://schemas.openxmlformats.org/officeDocument/2006/relationships" xmlns:p="http://schemas.openxmlformats.org/presentationml/2006/main">
-  <p:cSld>
-    <p:spTree>
-      <p:nvGrpSpPr>
-        <p:cNvPr id="1" name=""/>
-        <p:cNvGrpSpPr/>
-        <p:nvPr/>
-      </p:nvGrpSpPr>
-      <p:grpSpPr>
-        <a:xfrm>
-          <a:off x="0" y="0"/>
-          <a:ext cx="0" cy="0"/>
-          <a:chOff x="0" y="0"/>
-          <a:chExt cx="0" cy="0"/>
-        </a:xfrm>
-      </p:grpSpPr>
-      <p:sp>
-        <p:nvSpPr>
-          <p:cNvPr id="2" name="Title 1"/>
-          <p:cNvSpPr>
-            <a:spLocks noGrp="1"/>
-          </p:cNvSpPr>
-          <p:nvPr>
-            <p:ph type="title"/>
-          </p:nvPr>
-        </p:nvSpPr>
-        <p:spPr>
-          <a:xfrm>
             <a:off x="1208726" y="135"/>
             <a:ext cx="10018713" cy="1752599"/>
           </a:xfrm>
@@ -8847,7 +7763,7 @@
           <a:p>
             <a:fld id="{5B68C770-A467-47E2-B3BA-05511F56B1C3}" type="slidenum">
               <a:rPr lang="ro-RO" smtClean="0"/>
-              <a:t>16</a:t>
+              <a:t>13</a:t>
             </a:fld>
             <a:endParaRPr lang="ro-RO"/>
           </a:p>
@@ -8921,7 +7837,7 @@
 </p:sld>
 </file>
 
-<file path=ppt/slides/slide17.xml><?xml version="1.0" encoding="utf-8"?>
+<file path=ppt/slides/slide14.xml><?xml version="1.0" encoding="utf-8"?>
 <p:sld xmlns:a="http://schemas.openxmlformats.org/drawingml/2006/main" xmlns:r="http://schemas.openxmlformats.org/officeDocument/2006/relationships" xmlns:p="http://schemas.openxmlformats.org/presentationml/2006/main">
   <p:cSld>
     <p:spTree>
@@ -9056,7 +7972,7 @@
           <a:p>
             <a:fld id="{5B68C770-A467-47E2-B3BA-05511F56B1C3}" type="slidenum">
               <a:rPr lang="ro-RO" smtClean="0"/>
-              <a:t>17</a:t>
+              <a:t>14</a:t>
             </a:fld>
             <a:endParaRPr lang="ro-RO"/>
           </a:p>
@@ -9178,7 +8094,7 @@
 </p:sld>
 </file>
 
-<file path=ppt/slides/slide18.xml><?xml version="1.0" encoding="utf-8"?>
+<file path=ppt/slides/slide15.xml><?xml version="1.0" encoding="utf-8"?>
 <p:sld xmlns:a="http://schemas.openxmlformats.org/drawingml/2006/main" xmlns:r="http://schemas.openxmlformats.org/officeDocument/2006/relationships" xmlns:p="http://schemas.openxmlformats.org/presentationml/2006/main">
   <p:cSld>
     <p:spTree>
@@ -9268,7 +8184,7 @@
           <a:p>
             <a:fld id="{5B68C770-A467-47E2-B3BA-05511F56B1C3}" type="slidenum">
               <a:rPr lang="ro-RO" smtClean="0"/>
-              <a:t>18</a:t>
+              <a:t>15</a:t>
             </a:fld>
             <a:endParaRPr lang="ro-RO"/>
           </a:p>
@@ -9344,7 +8260,7 @@
 </p:sld>
 </file>
 
-<file path=ppt/slides/slide19.xml><?xml version="1.0" encoding="utf-8"?>
+<file path=ppt/slides/slide16.xml><?xml version="1.0" encoding="utf-8"?>
 <p:sld xmlns:a="http://schemas.openxmlformats.org/drawingml/2006/main" xmlns:r="http://schemas.openxmlformats.org/officeDocument/2006/relationships" xmlns:p="http://schemas.openxmlformats.org/presentationml/2006/main">
   <p:cSld>
     <p:spTree>
@@ -9460,7 +8376,7 @@
           <a:p>
             <a:fld id="{5B68C770-A467-47E2-B3BA-05511F56B1C3}" type="slidenum">
               <a:rPr lang="ro-RO" smtClean="0"/>
-              <a:t>19</a:t>
+              <a:t>16</a:t>
             </a:fld>
             <a:endParaRPr lang="ro-RO"/>
           </a:p>
@@ -9564,255 +8480,7 @@
 </p:sld>
 </file>
 
-<file path=ppt/slides/slide2.xml><?xml version="1.0" encoding="utf-8"?>
-<p:sld xmlns:a="http://schemas.openxmlformats.org/drawingml/2006/main" xmlns:r="http://schemas.openxmlformats.org/officeDocument/2006/relationships" xmlns:p="http://schemas.openxmlformats.org/presentationml/2006/main">
-  <p:cSld>
-    <p:spTree>
-      <p:nvGrpSpPr>
-        <p:cNvPr id="1" name=""/>
-        <p:cNvGrpSpPr/>
-        <p:nvPr/>
-      </p:nvGrpSpPr>
-      <p:grpSpPr>
-        <a:xfrm>
-          <a:off x="0" y="0"/>
-          <a:ext cx="0" cy="0"/>
-          <a:chOff x="0" y="0"/>
-          <a:chExt cx="0" cy="0"/>
-        </a:xfrm>
-      </p:grpSpPr>
-      <p:sp>
-        <p:nvSpPr>
-          <p:cNvPr id="2" name="Title 1"/>
-          <p:cNvSpPr>
-            <a:spLocks noGrp="1"/>
-          </p:cNvSpPr>
-          <p:nvPr>
-            <p:ph type="title"/>
-          </p:nvPr>
-        </p:nvSpPr>
-        <p:spPr>
-          <a:xfrm>
-            <a:off x="4253268" y="350949"/>
-            <a:ext cx="4710427" cy="859665"/>
-          </a:xfrm>
-        </p:spPr>
-        <p:txBody>
-          <a:bodyPr/>
-          <a:lstStyle/>
-          <a:p>
-            <a:r>
-              <a:rPr lang="en-US" dirty="0"/>
-              <a:t>C</a:t>
-            </a:r>
-            <a:r>
-              <a:rPr lang="en-US" dirty="0" smtClean="0"/>
-              <a:t>uprins</a:t>
-            </a:r>
-            <a:endParaRPr lang="ro-RO" dirty="0"/>
-          </a:p>
-        </p:txBody>
-      </p:sp>
-      <p:sp>
-        <p:nvSpPr>
-          <p:cNvPr id="3" name="Content Placeholder 2"/>
-          <p:cNvSpPr>
-            <a:spLocks noGrp="1"/>
-          </p:cNvSpPr>
-          <p:nvPr>
-            <p:ph idx="1"/>
-          </p:nvPr>
-        </p:nvSpPr>
-        <p:spPr>
-          <a:xfrm>
-            <a:off x="1599124" y="1210614"/>
-            <a:ext cx="10018713" cy="5035640"/>
-          </a:xfrm>
-        </p:spPr>
-        <p:txBody>
-          <a:bodyPr>
-            <a:normAutofit/>
-          </a:bodyPr>
-          <a:lstStyle/>
-          <a:p>
-            <a:r>
-              <a:rPr lang="ro-RO" dirty="0"/>
-              <a:t>Probleme de satisfacere a </a:t>
-            </a:r>
-            <a:r>
-              <a:rPr lang="ro-RO" dirty="0" smtClean="0"/>
-              <a:t>constrangerilor</a:t>
-            </a:r>
-            <a:endParaRPr lang="en-US" dirty="0" smtClean="0"/>
-          </a:p>
-          <a:p>
-            <a:pPr lvl="1"/>
-            <a:r>
-              <a:rPr lang="en-US" dirty="0" smtClean="0"/>
-              <a:t>Definiţia </a:t>
-            </a:r>
-            <a:r>
-              <a:rPr lang="en-US" dirty="0" smtClean="0"/>
-              <a:t>unei probleme CSP</a:t>
-            </a:r>
-          </a:p>
-          <a:p>
-            <a:pPr lvl="1"/>
-            <a:r>
-              <a:rPr lang="en-US" dirty="0" smtClean="0"/>
-              <a:t>Exemple </a:t>
-            </a:r>
-            <a:r>
-              <a:rPr lang="en-US" dirty="0"/>
-              <a:t>de probleme </a:t>
-            </a:r>
-            <a:r>
-              <a:rPr lang="en-US" dirty="0" smtClean="0"/>
-              <a:t>CSP</a:t>
-            </a:r>
-          </a:p>
-          <a:p>
-            <a:r>
-              <a:rPr lang="ro-RO" dirty="0" smtClean="0"/>
-              <a:t>Programarea </a:t>
-            </a:r>
-            <a:r>
-              <a:rPr lang="ro-RO" dirty="0"/>
-              <a:t>bazată pe </a:t>
-            </a:r>
-            <a:r>
-              <a:rPr lang="ro-RO" dirty="0" smtClean="0"/>
-              <a:t>constrângeri</a:t>
-            </a:r>
-            <a:endParaRPr lang="en-US" dirty="0" smtClean="0"/>
-          </a:p>
-          <a:p>
-            <a:pPr lvl="1"/>
-            <a:r>
-              <a:rPr lang="ro-RO" dirty="0"/>
-              <a:t>Ce este programarea bazată pe </a:t>
-            </a:r>
-            <a:r>
-              <a:rPr lang="ro-RO" dirty="0" smtClean="0"/>
-              <a:t>constrângeri</a:t>
-            </a:r>
-            <a:endParaRPr lang="en-US" dirty="0" smtClean="0"/>
-          </a:p>
-          <a:p>
-            <a:pPr lvl="1"/>
-            <a:r>
-              <a:rPr lang="ro-RO" dirty="0" smtClean="0"/>
-              <a:t> </a:t>
-            </a:r>
-            <a:r>
-              <a:rPr lang="ro-RO" dirty="0"/>
-              <a:t>Propagarea </a:t>
-            </a:r>
-            <a:r>
-              <a:rPr lang="ro-RO" dirty="0" smtClean="0"/>
-              <a:t>constrângerilor</a:t>
-            </a:r>
-            <a:endParaRPr lang="ro-RO" dirty="0"/>
-          </a:p>
-          <a:p>
-            <a:pPr lvl="1"/>
-            <a:r>
-              <a:rPr lang="ro-RO" dirty="0" smtClean="0"/>
-              <a:t>Tehnici </a:t>
-            </a:r>
-            <a:r>
-              <a:rPr lang="ro-RO" dirty="0"/>
-              <a:t>de </a:t>
-            </a:r>
-            <a:r>
-              <a:rPr lang="ro-RO" dirty="0" smtClean="0"/>
-              <a:t>consistenta</a:t>
-            </a:r>
-            <a:endParaRPr lang="ro-RO" dirty="0"/>
-          </a:p>
-          <a:p>
-            <a:pPr lvl="1"/>
-            <a:r>
-              <a:rPr lang="ro-RO" dirty="0" smtClean="0"/>
-              <a:t>Cautarea </a:t>
-            </a:r>
-            <a:r>
-              <a:rPr lang="ro-RO" dirty="0"/>
-              <a:t>sistematica</a:t>
-            </a:r>
-            <a:endParaRPr lang="en-US" dirty="0" smtClean="0"/>
-          </a:p>
-          <a:p>
-            <a:r>
-              <a:rPr lang="ro-RO" dirty="0"/>
-              <a:t>CHOCO </a:t>
-            </a:r>
-            <a:r>
-              <a:rPr lang="ro-RO" dirty="0" smtClean="0"/>
-              <a:t>SOLVER</a:t>
-            </a:r>
-            <a:endParaRPr lang="en-US" dirty="0" smtClean="0"/>
-          </a:p>
-          <a:p>
-            <a:r>
-              <a:rPr lang="en-US" dirty="0" smtClean="0"/>
-              <a:t>A</a:t>
-            </a:r>
-            <a:r>
-              <a:rPr lang="ro-RO" dirty="0" smtClean="0"/>
-              <a:t>plicație </a:t>
-            </a:r>
-            <a:r>
-              <a:rPr lang="ro-RO" dirty="0"/>
-              <a:t>practică</a:t>
-            </a:r>
-          </a:p>
-        </p:txBody>
-      </p:sp>
-      <p:sp>
-        <p:nvSpPr>
-          <p:cNvPr id="5" name="Slide Number Placeholder 4"/>
-          <p:cNvSpPr>
-            <a:spLocks noGrp="1"/>
-          </p:cNvSpPr>
-          <p:nvPr>
-            <p:ph type="sldNum" sz="quarter" idx="12"/>
-          </p:nvPr>
-        </p:nvSpPr>
-        <p:spPr/>
-        <p:txBody>
-          <a:bodyPr/>
-          <a:lstStyle/>
-          <a:p>
-            <a:fld id="{5B68C770-A467-47E2-B3BA-05511F56B1C3}" type="slidenum">
-              <a:rPr lang="ro-RO" smtClean="0"/>
-              <a:t>2</a:t>
-            </a:fld>
-            <a:endParaRPr lang="ro-RO"/>
-          </a:p>
-        </p:txBody>
-      </p:sp>
-    </p:spTree>
-    <p:extLst>
-      <p:ext uri="{BB962C8B-B14F-4D97-AF65-F5344CB8AC3E}">
-        <p14:creationId xmlns:p14="http://schemas.microsoft.com/office/powerpoint/2010/main" val="2995325387"/>
-      </p:ext>
-    </p:extLst>
-  </p:cSld>
-  <p:clrMapOvr>
-    <a:masterClrMapping/>
-  </p:clrMapOvr>
-  <p:timing>
-    <p:tnLst>
-      <p:par>
-        <p:cTn id="1" dur="indefinite" restart="never" nodeType="tmRoot"/>
-      </p:par>
-    </p:tnLst>
-  </p:timing>
-</p:sld>
-</file>
-
-<file path=ppt/slides/slide20.xml><?xml version="1.0" encoding="utf-8"?>
+<file path=ppt/slides/slide17.xml><?xml version="1.0" encoding="utf-8"?>
 <p:sld xmlns:a="http://schemas.openxmlformats.org/drawingml/2006/main" xmlns:r="http://schemas.openxmlformats.org/officeDocument/2006/relationships" xmlns:p="http://schemas.openxmlformats.org/presentationml/2006/main">
   <p:cSld>
     <p:spTree>
@@ -9918,7 +8586,7 @@
           <a:p>
             <a:fld id="{5B68C770-A467-47E2-B3BA-05511F56B1C3}" type="slidenum">
               <a:rPr lang="ro-RO" smtClean="0"/>
-              <a:t>20</a:t>
+              <a:t>17</a:t>
             </a:fld>
             <a:endParaRPr lang="ro-RO"/>
           </a:p>
@@ -10838,7 +9506,7 @@
 </p:sld>
 </file>
 
-<file path=ppt/slides/slide21.xml><?xml version="1.0" encoding="utf-8"?>
+<file path=ppt/slides/slide18.xml><?xml version="1.0" encoding="utf-8"?>
 <p:sld xmlns:a="http://schemas.openxmlformats.org/drawingml/2006/main" xmlns:r="http://schemas.openxmlformats.org/officeDocument/2006/relationships" xmlns:p="http://schemas.openxmlformats.org/presentationml/2006/main">
   <p:cSld>
     <p:spTree>
@@ -10936,7 +9604,7 @@
           <a:p>
             <a:fld id="{5B68C770-A467-47E2-B3BA-05511F56B1C3}" type="slidenum">
               <a:rPr lang="ro-RO" smtClean="0"/>
-              <a:t>21</a:t>
+              <a:t>18</a:t>
             </a:fld>
             <a:endParaRPr lang="ro-RO"/>
           </a:p>
@@ -11078,7 +9746,7 @@
 </p:sld>
 </file>
 
-<file path=ppt/slides/slide22.xml><?xml version="1.0" encoding="utf-8"?>
+<file path=ppt/slides/slide19.xml><?xml version="1.0" encoding="utf-8"?>
 <p:sld xmlns:a="http://schemas.openxmlformats.org/drawingml/2006/main" xmlns:r="http://schemas.openxmlformats.org/officeDocument/2006/relationships" xmlns:p="http://schemas.openxmlformats.org/presentationml/2006/main">
   <p:cSld>
     <p:spTree>
@@ -11176,7 +9844,7 @@
           <a:p>
             <a:fld id="{5B68C770-A467-47E2-B3BA-05511F56B1C3}" type="slidenum">
               <a:rPr lang="ro-RO" smtClean="0"/>
-              <a:t>22</a:t>
+              <a:t>19</a:t>
             </a:fld>
             <a:endParaRPr lang="ro-RO"/>
           </a:p>
@@ -11386,7 +10054,251 @@
 </p:sld>
 </file>
 
-<file path=ppt/slides/slide23.xml><?xml version="1.0" encoding="utf-8"?>
+<file path=ppt/slides/slide2.xml><?xml version="1.0" encoding="utf-8"?>
+<p:sld xmlns:a="http://schemas.openxmlformats.org/drawingml/2006/main" xmlns:r="http://schemas.openxmlformats.org/officeDocument/2006/relationships" xmlns:p="http://schemas.openxmlformats.org/presentationml/2006/main">
+  <p:cSld>
+    <p:spTree>
+      <p:nvGrpSpPr>
+        <p:cNvPr id="1" name=""/>
+        <p:cNvGrpSpPr/>
+        <p:nvPr/>
+      </p:nvGrpSpPr>
+      <p:grpSpPr>
+        <a:xfrm>
+          <a:off x="0" y="0"/>
+          <a:ext cx="0" cy="0"/>
+          <a:chOff x="0" y="0"/>
+          <a:chExt cx="0" cy="0"/>
+        </a:xfrm>
+      </p:grpSpPr>
+      <p:sp>
+        <p:nvSpPr>
+          <p:cNvPr id="2" name="Title 1"/>
+          <p:cNvSpPr>
+            <a:spLocks noGrp="1"/>
+          </p:cNvSpPr>
+          <p:nvPr>
+            <p:ph type="title"/>
+          </p:nvPr>
+        </p:nvSpPr>
+        <p:spPr>
+          <a:xfrm>
+            <a:off x="4253268" y="350949"/>
+            <a:ext cx="4710427" cy="859665"/>
+          </a:xfrm>
+        </p:spPr>
+        <p:txBody>
+          <a:bodyPr/>
+          <a:lstStyle/>
+          <a:p>
+            <a:r>
+              <a:rPr lang="en-US" dirty="0"/>
+              <a:t>C</a:t>
+            </a:r>
+            <a:r>
+              <a:rPr lang="en-US" dirty="0" smtClean="0"/>
+              <a:t>uprins</a:t>
+            </a:r>
+            <a:endParaRPr lang="ro-RO" dirty="0"/>
+          </a:p>
+        </p:txBody>
+      </p:sp>
+      <p:sp>
+        <p:nvSpPr>
+          <p:cNvPr id="3" name="Content Placeholder 2"/>
+          <p:cNvSpPr>
+            <a:spLocks noGrp="1"/>
+          </p:cNvSpPr>
+          <p:nvPr>
+            <p:ph idx="1"/>
+          </p:nvPr>
+        </p:nvSpPr>
+        <p:spPr>
+          <a:xfrm>
+            <a:off x="1599124" y="1210614"/>
+            <a:ext cx="10018713" cy="5035640"/>
+          </a:xfrm>
+        </p:spPr>
+        <p:txBody>
+          <a:bodyPr>
+            <a:normAutofit/>
+          </a:bodyPr>
+          <a:lstStyle/>
+          <a:p>
+            <a:r>
+              <a:rPr lang="ro-RO" dirty="0"/>
+              <a:t>Probleme de satisfacere a </a:t>
+            </a:r>
+            <a:r>
+              <a:rPr lang="ro-RO" dirty="0" smtClean="0"/>
+              <a:t>constrangerilor</a:t>
+            </a:r>
+            <a:endParaRPr lang="en-US" dirty="0" smtClean="0"/>
+          </a:p>
+          <a:p>
+            <a:pPr lvl="1"/>
+            <a:r>
+              <a:rPr lang="en-US" dirty="0" smtClean="0"/>
+              <a:t>Definiţia unei probleme CSP</a:t>
+            </a:r>
+          </a:p>
+          <a:p>
+            <a:pPr lvl="1"/>
+            <a:r>
+              <a:rPr lang="en-US" dirty="0" smtClean="0"/>
+              <a:t>Exemple </a:t>
+            </a:r>
+            <a:r>
+              <a:rPr lang="en-US" dirty="0"/>
+              <a:t>de probleme </a:t>
+            </a:r>
+            <a:r>
+              <a:rPr lang="en-US" dirty="0" smtClean="0"/>
+              <a:t>CSP</a:t>
+            </a:r>
+          </a:p>
+          <a:p>
+            <a:r>
+              <a:rPr lang="ro-RO" dirty="0" smtClean="0"/>
+              <a:t>Programarea </a:t>
+            </a:r>
+            <a:r>
+              <a:rPr lang="ro-RO" dirty="0"/>
+              <a:t>bazată pe </a:t>
+            </a:r>
+            <a:r>
+              <a:rPr lang="ro-RO" dirty="0" smtClean="0"/>
+              <a:t>constrângeri</a:t>
+            </a:r>
+            <a:endParaRPr lang="en-US" dirty="0" smtClean="0"/>
+          </a:p>
+          <a:p>
+            <a:pPr lvl="1"/>
+            <a:r>
+              <a:rPr lang="ro-RO" dirty="0"/>
+              <a:t>Ce este programarea bazată pe </a:t>
+            </a:r>
+            <a:r>
+              <a:rPr lang="ro-RO" dirty="0" smtClean="0"/>
+              <a:t>constrângeri</a:t>
+            </a:r>
+            <a:endParaRPr lang="en-US" dirty="0" smtClean="0"/>
+          </a:p>
+          <a:p>
+            <a:pPr lvl="1"/>
+            <a:r>
+              <a:rPr lang="ro-RO" dirty="0" smtClean="0"/>
+              <a:t> </a:t>
+            </a:r>
+            <a:r>
+              <a:rPr lang="ro-RO" dirty="0"/>
+              <a:t>Propagarea </a:t>
+            </a:r>
+            <a:r>
+              <a:rPr lang="ro-RO" dirty="0" smtClean="0"/>
+              <a:t>constrângerilor</a:t>
+            </a:r>
+            <a:endParaRPr lang="ro-RO" dirty="0"/>
+          </a:p>
+          <a:p>
+            <a:pPr lvl="1"/>
+            <a:r>
+              <a:rPr lang="ro-RO" dirty="0" smtClean="0"/>
+              <a:t>Tehnici </a:t>
+            </a:r>
+            <a:r>
+              <a:rPr lang="ro-RO" dirty="0"/>
+              <a:t>de </a:t>
+            </a:r>
+            <a:r>
+              <a:rPr lang="ro-RO" dirty="0" smtClean="0"/>
+              <a:t>consistenta</a:t>
+            </a:r>
+            <a:endParaRPr lang="ro-RO" dirty="0"/>
+          </a:p>
+          <a:p>
+            <a:pPr lvl="1"/>
+            <a:r>
+              <a:rPr lang="ro-RO" dirty="0" smtClean="0"/>
+              <a:t>Cautarea </a:t>
+            </a:r>
+            <a:r>
+              <a:rPr lang="ro-RO" dirty="0"/>
+              <a:t>sistematica</a:t>
+            </a:r>
+            <a:endParaRPr lang="en-US" dirty="0" smtClean="0"/>
+          </a:p>
+          <a:p>
+            <a:r>
+              <a:rPr lang="ro-RO" dirty="0"/>
+              <a:t>CHOCO </a:t>
+            </a:r>
+            <a:r>
+              <a:rPr lang="ro-RO" dirty="0" smtClean="0"/>
+              <a:t>SOLVER</a:t>
+            </a:r>
+            <a:endParaRPr lang="en-US" dirty="0" smtClean="0"/>
+          </a:p>
+          <a:p>
+            <a:r>
+              <a:rPr lang="en-US" dirty="0" smtClean="0"/>
+              <a:t>A</a:t>
+            </a:r>
+            <a:r>
+              <a:rPr lang="ro-RO" dirty="0" smtClean="0"/>
+              <a:t>plicație </a:t>
+            </a:r>
+            <a:r>
+              <a:rPr lang="ro-RO" dirty="0"/>
+              <a:t>practică</a:t>
+            </a:r>
+          </a:p>
+        </p:txBody>
+      </p:sp>
+      <p:sp>
+        <p:nvSpPr>
+          <p:cNvPr id="5" name="Slide Number Placeholder 4"/>
+          <p:cNvSpPr>
+            <a:spLocks noGrp="1"/>
+          </p:cNvSpPr>
+          <p:nvPr>
+            <p:ph type="sldNum" sz="quarter" idx="12"/>
+          </p:nvPr>
+        </p:nvSpPr>
+        <p:spPr/>
+        <p:txBody>
+          <a:bodyPr/>
+          <a:lstStyle/>
+          <a:p>
+            <a:fld id="{5B68C770-A467-47E2-B3BA-05511F56B1C3}" type="slidenum">
+              <a:rPr lang="ro-RO" smtClean="0"/>
+              <a:t>2</a:t>
+            </a:fld>
+            <a:endParaRPr lang="ro-RO"/>
+          </a:p>
+        </p:txBody>
+      </p:sp>
+    </p:spTree>
+    <p:extLst>
+      <p:ext uri="{BB962C8B-B14F-4D97-AF65-F5344CB8AC3E}">
+        <p14:creationId xmlns:p14="http://schemas.microsoft.com/office/powerpoint/2010/main" val="2995325387"/>
+      </p:ext>
+    </p:extLst>
+  </p:cSld>
+  <p:clrMapOvr>
+    <a:masterClrMapping/>
+  </p:clrMapOvr>
+  <p:timing>
+    <p:tnLst>
+      <p:par>
+        <p:cTn id="1" dur="indefinite" restart="never" nodeType="tmRoot"/>
+      </p:par>
+    </p:tnLst>
+  </p:timing>
+</p:sld>
+</file>
+
+<file path=ppt/slides/slide20.xml><?xml version="1.0" encoding="utf-8"?>
 <p:sld xmlns:a="http://schemas.openxmlformats.org/drawingml/2006/main" xmlns:r="http://schemas.openxmlformats.org/officeDocument/2006/relationships" xmlns:p="http://schemas.openxmlformats.org/presentationml/2006/main">
   <p:cSld>
     <p:spTree>
@@ -11476,7 +10388,7 @@
           <a:p>
             <a:fld id="{5B68C770-A467-47E2-B3BA-05511F56B1C3}" type="slidenum">
               <a:rPr lang="ro-RO" smtClean="0"/>
-              <a:t>23</a:t>
+              <a:t>20</a:t>
             </a:fld>
             <a:endParaRPr lang="ro-RO"/>
           </a:p>
@@ -11502,7 +10414,7 @@
 </p:sld>
 </file>
 
-<file path=ppt/slides/slide24.xml><?xml version="1.0" encoding="utf-8"?>
+<file path=ppt/slides/slide21.xml><?xml version="1.0" encoding="utf-8"?>
 <p:sld xmlns:a="http://schemas.openxmlformats.org/drawingml/2006/main" xmlns:r="http://schemas.openxmlformats.org/officeDocument/2006/relationships" xmlns:p="http://schemas.openxmlformats.org/presentationml/2006/main">
   <p:cSld>
     <p:spTree>
@@ -11592,7 +10504,7 @@
           <a:p>
             <a:fld id="{5B68C770-A467-47E2-B3BA-05511F56B1C3}" type="slidenum">
               <a:rPr lang="ro-RO" smtClean="0"/>
-              <a:t>24</a:t>
+              <a:t>21</a:t>
             </a:fld>
             <a:endParaRPr lang="ro-RO"/>
           </a:p>
@@ -19462,7 +18374,7 @@
 </p:sld>
 </file>
 
-<file path=ppt/slides/slide25.xml><?xml version="1.0" encoding="utf-8"?>
+<file path=ppt/slides/slide22.xml><?xml version="1.0" encoding="utf-8"?>
 <p:sld xmlns:a="http://schemas.openxmlformats.org/drawingml/2006/main" xmlns:r="http://schemas.openxmlformats.org/officeDocument/2006/relationships" xmlns:p="http://schemas.openxmlformats.org/presentationml/2006/main">
   <p:cSld>
     <p:spTree>
@@ -19636,7 +18548,7 @@
           <a:p>
             <a:fld id="{5B68C770-A467-47E2-B3BA-05511F56B1C3}" type="slidenum">
               <a:rPr lang="ro-RO" smtClean="0"/>
-              <a:t>25</a:t>
+              <a:t>22</a:t>
             </a:fld>
             <a:endParaRPr lang="ro-RO"/>
           </a:p>
@@ -19723,8 +18635,8 @@
           </a:p>
         </p:txBody>
       </p:sp>
-      <mc:AlternateContent xmlns:mc="http://schemas.openxmlformats.org/markup-compatibility/2006">
-        <mc:Choice xmlns:a14="http://schemas.microsoft.com/office/drawing/2010/main" Requires="a14">
+      <mc:AlternateContent xmlns:mc="http://schemas.openxmlformats.org/markup-compatibility/2006" xmlns:a14="http://schemas.microsoft.com/office/drawing/2010/main">
+        <mc:Choice Requires="a14">
           <p:sp>
             <p:nvSpPr>
               <p:cNvPr id="3" name="Content Placeholder 2"/>
@@ -20052,7 +18964,7 @@
             </p:txBody>
           </p:sp>
         </mc:Choice>
-        <mc:Fallback>
+        <mc:Fallback xmlns="">
           <p:sp>
             <p:nvSpPr>
               <p:cNvPr id="3" name="Content Placeholder 2"/>
@@ -20175,194 +19087,17 @@
           </a:bodyPr>
           <a:lstStyle/>
           <a:p>
-            <a:r>
-              <a:rPr lang="ro-RO" sz="3600" b="1" dirty="0" smtClean="0"/>
-              <a:t>Exemplu</a:t>
-            </a:r>
-            <a:r>
-              <a:rPr lang="en-US" sz="3600" b="1" dirty="0" smtClean="0"/>
-              <a:t/>
-            </a:r>
-            <a:br>
-              <a:rPr lang="en-US" sz="3600" b="1" dirty="0" smtClean="0"/>
-            </a:br>
-            <a:r>
-              <a:rPr lang="en-US" sz="3200" b="1" dirty="0" smtClean="0"/>
-              <a:t/>
-            </a:r>
-            <a:br>
-              <a:rPr lang="en-US" sz="3200" b="1" dirty="0" smtClean="0"/>
-            </a:br>
-            <a:r>
-              <a:rPr lang="en-US" sz="3200" b="1" dirty="0" smtClean="0"/>
-              <a:t> </a:t>
-            </a:r>
-            <a:r>
-              <a:rPr lang="en-US" sz="3200" b="1" dirty="0"/>
+            <a:pPr algn="l"/>
+            <a:r>
+              <a:rPr lang="en-US" sz="3600" b="1" dirty="0"/>
               <a:t>The Propositional Satisfiability Problem (SAT) </a:t>
             </a:r>
-            <a:endParaRPr lang="ro-RO" sz="3200" b="1" dirty="0"/>
+            <a:endParaRPr lang="ro-RO" sz="3600" dirty="0"/>
           </a:p>
         </p:txBody>
       </p:sp>
-      <p:sp>
-        <p:nvSpPr>
-          <p:cNvPr id="3" name="Content Placeholder 2"/>
-          <p:cNvSpPr>
-            <a:spLocks noGrp="1"/>
-          </p:cNvSpPr>
-          <p:nvPr>
-            <p:ph idx="1"/>
-          </p:nvPr>
-        </p:nvSpPr>
-        <p:spPr>
-          <a:xfrm>
-            <a:off x="1484311" y="2590664"/>
-            <a:ext cx="10018713" cy="3124201"/>
-          </a:xfrm>
-        </p:spPr>
-        <p:txBody>
-          <a:bodyPr/>
-          <a:lstStyle/>
-          <a:p>
-            <a:r>
-              <a:rPr lang="ro-RO" dirty="0"/>
-              <a:t>O formulă în logica propozițională conține doar variabile booleene.</a:t>
-            </a:r>
-          </a:p>
-          <a:p>
-            <a:pPr lvl="1"/>
-            <a:r>
-              <a:rPr lang="ro-RO" dirty="0" smtClean="0"/>
-              <a:t>Notație</a:t>
-            </a:r>
-            <a:r>
-              <a:rPr lang="ro-RO" dirty="0"/>
-              <a:t>: 𝑥 pentru 𝑋=𝑡𝑟𝑢𝑒 si ¬𝑥 pentru 𝑋=𝑓𝑎𝑙𝑠𝑒</a:t>
-            </a:r>
-          </a:p>
-          <a:p>
-            <a:pPr lvl="1"/>
-            <a:r>
-              <a:rPr lang="ro-RO" dirty="0" smtClean="0"/>
-              <a:t> </a:t>
-            </a:r>
-            <a:r>
-              <a:rPr lang="ro-RO" dirty="0"/>
-              <a:t>Literali: 𝑥,¬𝑥</a:t>
-            </a:r>
-          </a:p>
-          <a:p>
-            <a:r>
-              <a:rPr lang="ro-RO" dirty="0" smtClean="0"/>
-              <a:t>Formula </a:t>
-            </a:r>
-            <a:r>
-              <a:rPr lang="ro-RO" dirty="0"/>
-              <a:t>se află în forma normal conjunctivă (CNF): conjuncție de clause (disjuncție de literali)</a:t>
-            </a:r>
-          </a:p>
-          <a:p>
-            <a:pPr lvl="1"/>
-            <a:r>
-              <a:rPr lang="ro-RO" dirty="0" smtClean="0"/>
-              <a:t>Ex</a:t>
-            </a:r>
-            <a:r>
-              <a:rPr lang="ro-RO" dirty="0"/>
-              <a:t>.: 𝐹=(𝑥1∨𝑥2∨𝑥3)∧(¬𝑥1∨¬𝑥2∨¬𝑥3)∧ (¬𝑥1∨¬𝑥2∨𝑥3)</a:t>
-            </a:r>
-          </a:p>
-        </p:txBody>
-      </p:sp>
-      <p:sp>
-        <p:nvSpPr>
-          <p:cNvPr id="4" name="Slide Number Placeholder 3"/>
-          <p:cNvSpPr>
-            <a:spLocks noGrp="1"/>
-          </p:cNvSpPr>
-          <p:nvPr>
-            <p:ph type="sldNum" sz="quarter" idx="12"/>
-          </p:nvPr>
-        </p:nvSpPr>
-        <p:spPr/>
-        <p:txBody>
-          <a:bodyPr/>
-          <a:lstStyle/>
-          <a:p>
-            <a:fld id="{5B68C770-A467-47E2-B3BA-05511F56B1C3}" type="slidenum">
-              <a:rPr lang="ro-RO" smtClean="0"/>
-              <a:t>4</a:t>
-            </a:fld>
-            <a:endParaRPr lang="ro-RO"/>
-          </a:p>
-        </p:txBody>
-      </p:sp>
-    </p:spTree>
-    <p:extLst>
-      <p:ext uri="{BB962C8B-B14F-4D97-AF65-F5344CB8AC3E}">
-        <p14:creationId xmlns:p14="http://schemas.microsoft.com/office/powerpoint/2010/main" val="1115734546"/>
-      </p:ext>
-    </p:extLst>
-  </p:cSld>
-  <p:clrMapOvr>
-    <a:masterClrMapping/>
-  </p:clrMapOvr>
-  <p:timing>
-    <p:tnLst>
-      <p:par>
-        <p:cTn id="1" dur="indefinite" restart="never" nodeType="tmRoot"/>
-      </p:par>
-    </p:tnLst>
-  </p:timing>
-</p:sld>
-</file>
-
-<file path=ppt/slides/slide5.xml><?xml version="1.0" encoding="utf-8"?>
-<p:sld xmlns:a="http://schemas.openxmlformats.org/drawingml/2006/main" xmlns:r="http://schemas.openxmlformats.org/officeDocument/2006/relationships" xmlns:p="http://schemas.openxmlformats.org/presentationml/2006/main">
-  <p:cSld>
-    <p:spTree>
-      <p:nvGrpSpPr>
-        <p:cNvPr id="1" name=""/>
-        <p:cNvGrpSpPr/>
-        <p:nvPr/>
-      </p:nvGrpSpPr>
-      <p:grpSpPr>
-        <a:xfrm>
-          <a:off x="0" y="0"/>
-          <a:ext cx="0" cy="0"/>
-          <a:chOff x="0" y="0"/>
-          <a:chExt cx="0" cy="0"/>
-        </a:xfrm>
-      </p:grpSpPr>
-      <p:sp>
-        <p:nvSpPr>
-          <p:cNvPr id="2" name="Title 1"/>
-          <p:cNvSpPr>
-            <a:spLocks noGrp="1"/>
-          </p:cNvSpPr>
-          <p:nvPr>
-            <p:ph type="title"/>
-          </p:nvPr>
-        </p:nvSpPr>
-        <p:spPr/>
-        <p:txBody>
-          <a:bodyPr>
-            <a:normAutofit/>
-          </a:bodyPr>
-          <a:lstStyle/>
-          <a:p>
-            <a:pPr algn="l"/>
-            <a:r>
-              <a:rPr lang="en-US" sz="3600" b="1" dirty="0"/>
-              <a:t>The Propositional Satisfiability Problem (SAT) </a:t>
-            </a:r>
-            <a:endParaRPr lang="ro-RO" sz="3600" dirty="0"/>
-          </a:p>
-        </p:txBody>
-      </p:sp>
-      <mc:AlternateContent xmlns:mc="http://schemas.openxmlformats.org/markup-compatibility/2006" xmlns:a14="http://schemas.microsoft.com/office/drawing/2010/main">
-        <mc:Choice Requires="a14">
+      <mc:AlternateContent xmlns:mc="http://schemas.openxmlformats.org/markup-compatibility/2006">
+        <mc:Choice xmlns:a14="http://schemas.microsoft.com/office/drawing/2010/main" Requires="a14">
           <p:sp>
             <p:nvSpPr>
               <p:cNvPr id="3" name="Content Placeholder 2"/>
@@ -20375,8 +19110,8 @@
             </p:nvSpPr>
             <p:spPr>
               <a:xfrm>
-                <a:off x="1484310" y="2215167"/>
-                <a:ext cx="10018713" cy="3876540"/>
+                <a:off x="1484310" y="1746913"/>
+                <a:ext cx="10018713" cy="4844956"/>
               </a:xfrm>
             </p:spPr>
             <p:txBody>
@@ -20385,9 +19120,31 @@
               </a:bodyPr>
               <a:lstStyle/>
               <a:p>
+                <a:endParaRPr lang="en-US" dirty="0" smtClean="0"/>
+              </a:p>
+              <a:p>
+                <a:r>
+                  <a:rPr lang="ro-RO" sz="3000" dirty="0" smtClean="0"/>
+                  <a:t>Ex</a:t>
+                </a:r>
+                <a:r>
+                  <a:rPr lang="ro-RO" sz="3000" dirty="0"/>
+                  <a:t>.: 𝐹=(𝑥1∨𝑥2∨𝑥3)∧(¬𝑥1∨¬𝑥2∨¬𝑥3)∧ (¬𝑥1∨¬𝑥2∨𝑥3</a:t>
+                </a:r>
+                <a:r>
+                  <a:rPr lang="ro-RO" sz="3000" dirty="0" smtClean="0"/>
+                  <a:t>)</a:t>
+                </a:r>
+                <a:endParaRPr lang="en-US" sz="3000" dirty="0" smtClean="0"/>
+              </a:p>
+              <a:p>
                 <a:r>
                   <a:rPr lang="ro-RO" dirty="0" smtClean="0"/>
-                  <a:t>Se scrie formula F ca o instanță CSP:</a:t>
+                  <a:t>Se </a:t>
+                </a:r>
+                <a:r>
+                  <a:rPr lang="ro-RO" dirty="0" smtClean="0"/>
+                  <a:t>scrie formula F ca o instanță CSP:</a:t>
                 </a:r>
                 <a:endParaRPr lang="ro-RO" sz="2000" dirty="0"/>
               </a:p>
@@ -21100,7 +19857,7 @@
             </p:txBody>
           </p:sp>
         </mc:Choice>
-        <mc:Fallback xmlns="">
+        <mc:Fallback>
           <p:sp>
             <p:nvSpPr>
               <p:cNvPr id="3" name="Content Placeholder 2"/>
@@ -21113,13 +19870,13 @@
             </p:nvSpPr>
             <p:spPr>
               <a:xfrm>
-                <a:off x="1484310" y="2215167"/>
-                <a:ext cx="10018713" cy="3876540"/>
+                <a:off x="1484310" y="1746913"/>
+                <a:ext cx="10018713" cy="4844956"/>
               </a:xfrm>
               <a:blipFill rotWithShape="0">
                 <a:blip r:embed="rId2"/>
                 <a:stretch>
-                  <a:fillRect l="-1338" t="-8333"/>
+                  <a:fillRect l="-2007"/>
                 </a:stretch>
               </a:blipFill>
             </p:spPr>
@@ -21155,7 +19912,7 @@
           <a:p>
             <a:fld id="{5B68C770-A467-47E2-B3BA-05511F56B1C3}" type="slidenum">
               <a:rPr lang="ro-RO" smtClean="0"/>
-              <a:t>5</a:t>
+              <a:t>4</a:t>
             </a:fld>
             <a:endParaRPr lang="ro-RO"/>
           </a:p>
@@ -21165,6 +19922,215 @@
     <p:extLst>
       <p:ext uri="{BB962C8B-B14F-4D97-AF65-F5344CB8AC3E}">
         <p14:creationId xmlns:p14="http://schemas.microsoft.com/office/powerpoint/2010/main" val="1592021083"/>
+      </p:ext>
+    </p:extLst>
+  </p:cSld>
+  <p:clrMapOvr>
+    <a:masterClrMapping/>
+  </p:clrMapOvr>
+  <p:timing>
+    <p:tnLst>
+      <p:par>
+        <p:cTn id="1" dur="indefinite" restart="never" nodeType="tmRoot"/>
+      </p:par>
+    </p:tnLst>
+  </p:timing>
+</p:sld>
+</file>
+
+<file path=ppt/slides/slide5.xml><?xml version="1.0" encoding="utf-8"?>
+<p:sld xmlns:a="http://schemas.openxmlformats.org/drawingml/2006/main" xmlns:r="http://schemas.openxmlformats.org/officeDocument/2006/relationships" xmlns:p="http://schemas.openxmlformats.org/presentationml/2006/main">
+  <p:cSld>
+    <p:spTree>
+      <p:nvGrpSpPr>
+        <p:cNvPr id="1" name=""/>
+        <p:cNvGrpSpPr/>
+        <p:nvPr/>
+      </p:nvGrpSpPr>
+      <p:grpSpPr>
+        <a:xfrm>
+          <a:off x="0" y="0"/>
+          <a:ext cx="0" cy="0"/>
+          <a:chOff x="0" y="0"/>
+          <a:chExt cx="0" cy="0"/>
+        </a:xfrm>
+      </p:grpSpPr>
+      <p:sp>
+        <p:nvSpPr>
+          <p:cNvPr id="2" name="Title 1"/>
+          <p:cNvSpPr>
+            <a:spLocks noGrp="1"/>
+          </p:cNvSpPr>
+          <p:nvPr>
+            <p:ph type="title"/>
+          </p:nvPr>
+        </p:nvSpPr>
+        <p:spPr>
+          <a:xfrm>
+            <a:off x="1484310" y="-301172"/>
+            <a:ext cx="10018713" cy="1752599"/>
+          </a:xfrm>
+        </p:spPr>
+        <p:txBody>
+          <a:bodyPr>
+            <a:normAutofit/>
+          </a:bodyPr>
+          <a:lstStyle/>
+          <a:p>
+            <a:r>
+              <a:rPr lang="ro-RO" sz="4400" b="1" dirty="0"/>
+              <a:t>Programarea bazată pe constrângeri</a:t>
+            </a:r>
+            <a:endParaRPr lang="ro-RO" sz="4400" dirty="0"/>
+          </a:p>
+        </p:txBody>
+      </p:sp>
+      <p:sp>
+        <p:nvSpPr>
+          <p:cNvPr id="3" name="Content Placeholder 2"/>
+          <p:cNvSpPr>
+            <a:spLocks noGrp="1"/>
+          </p:cNvSpPr>
+          <p:nvPr>
+            <p:ph idx="1"/>
+          </p:nvPr>
+        </p:nvSpPr>
+        <p:spPr>
+          <a:xfrm>
+            <a:off x="1354567" y="1944912"/>
+            <a:ext cx="10278198" cy="4049487"/>
+          </a:xfrm>
+        </p:spPr>
+        <p:txBody>
+          <a:bodyPr>
+            <a:normAutofit fontScale="85000" lnSpcReduction="10000"/>
+          </a:bodyPr>
+          <a:lstStyle/>
+          <a:p>
+            <a:pPr marL="0" indent="0">
+              <a:buNone/>
+            </a:pPr>
+            <a:r>
+              <a:rPr lang="en-US" sz="2800" b="1" dirty="0" smtClean="0"/>
+              <a:t>1.</a:t>
+            </a:r>
+            <a:r>
+              <a:rPr lang="ro-RO" sz="2800" b="1" dirty="0" smtClean="0"/>
+              <a:t>Ce </a:t>
+            </a:r>
+            <a:r>
+              <a:rPr lang="ro-RO" sz="2800" b="1" dirty="0"/>
+              <a:t>este programarea </a:t>
+            </a:r>
+            <a:r>
+              <a:rPr lang="ro-RO" sz="2800" b="1" dirty="0" smtClean="0"/>
+              <a:t>bazată </a:t>
+            </a:r>
+            <a:r>
+              <a:rPr lang="ro-RO" sz="2800" b="1" dirty="0"/>
+              <a:t>pe constrângeri</a:t>
+            </a:r>
+            <a:r>
+              <a:rPr lang="ro-RO" sz="2800" b="1" dirty="0" smtClean="0"/>
+              <a:t>?</a:t>
+            </a:r>
+            <a:endParaRPr lang="en-US" sz="2800" b="1" dirty="0" smtClean="0"/>
+          </a:p>
+          <a:p>
+            <a:pPr marL="0" indent="0">
+              <a:buNone/>
+            </a:pPr>
+            <a:endParaRPr lang="en-US" sz="2800" b="1" dirty="0" smtClean="0"/>
+          </a:p>
+          <a:p>
+            <a:pPr marL="0" indent="0" algn="just">
+              <a:buNone/>
+            </a:pPr>
+            <a:r>
+              <a:rPr lang="ro-RO" sz="2800" dirty="0" smtClean="0"/>
+              <a:t>Programarea </a:t>
+            </a:r>
+            <a:r>
+              <a:rPr lang="ro-RO" sz="2800" dirty="0"/>
+              <a:t>bazată pe constrângeri poate fi privită ca o paradigmă de programare ce constă în găsirea unei soluții la o problemă de către un calculator, atunci când acesta primește problema ca un asamblu de constrângeri</a:t>
+            </a:r>
+            <a:r>
+              <a:rPr lang="ro-RO" sz="2800" dirty="0" smtClean="0"/>
+              <a:t>.</a:t>
+            </a:r>
+            <a:endParaRPr lang="en-US" sz="2800" dirty="0" smtClean="0"/>
+          </a:p>
+          <a:p>
+            <a:pPr marL="0" indent="0">
+              <a:buNone/>
+            </a:pPr>
+            <a:r>
+              <a:rPr lang="ro-RO" sz="2800" dirty="0"/>
+              <a:t>Rezolvarea unei probleme CSP folosind programarea bazată pe constrângeri presupune îmbinarea tehnicilor următoare: </a:t>
+            </a:r>
+          </a:p>
+          <a:p>
+            <a:pPr lvl="1"/>
+            <a:r>
+              <a:rPr lang="ro-RO" dirty="0" smtClean="0"/>
+              <a:t> </a:t>
+            </a:r>
+            <a:r>
+              <a:rPr lang="ro-RO" dirty="0"/>
+              <a:t>Propagarea constrângerilor; </a:t>
+            </a:r>
+          </a:p>
+          <a:p>
+            <a:pPr lvl="1"/>
+            <a:r>
+              <a:rPr lang="ro-RO" dirty="0" smtClean="0"/>
+              <a:t>Căutarea </a:t>
+            </a:r>
+            <a:r>
+              <a:rPr lang="ro-RO" dirty="0"/>
+              <a:t>sistematică: Backtracking; </a:t>
+            </a:r>
+          </a:p>
+          <a:p>
+            <a:pPr lvl="1"/>
+            <a:r>
+              <a:rPr lang="ro-RO" dirty="0" smtClean="0"/>
+              <a:t>Tehnici </a:t>
+            </a:r>
+            <a:r>
+              <a:rPr lang="ro-RO" dirty="0"/>
+              <a:t>de consistență;</a:t>
+            </a:r>
+          </a:p>
+        </p:txBody>
+      </p:sp>
+      <p:sp>
+        <p:nvSpPr>
+          <p:cNvPr id="4" name="Slide Number Placeholder 3"/>
+          <p:cNvSpPr>
+            <a:spLocks noGrp="1"/>
+          </p:cNvSpPr>
+          <p:nvPr>
+            <p:ph type="sldNum" sz="quarter" idx="12"/>
+          </p:nvPr>
+        </p:nvSpPr>
+        <p:spPr/>
+        <p:txBody>
+          <a:bodyPr/>
+          <a:lstStyle/>
+          <a:p>
+            <a:fld id="{5B68C770-A467-47E2-B3BA-05511F56B1C3}" type="slidenum">
+              <a:rPr lang="ro-RO" smtClean="0"/>
+              <a:t>5</a:t>
+            </a:fld>
+            <a:endParaRPr lang="ro-RO"/>
+          </a:p>
+        </p:txBody>
+      </p:sp>
+    </p:spTree>
+    <p:extLst>
+      <p:ext uri="{BB962C8B-B14F-4D97-AF65-F5344CB8AC3E}">
+        <p14:creationId xmlns:p14="http://schemas.microsoft.com/office/powerpoint/2010/main" val="1080356325"/>
       </p:ext>
     </p:extLst>
   </p:cSld>
@@ -21210,7 +20176,7 @@
         </p:nvSpPr>
         <p:spPr>
           <a:xfrm>
-            <a:off x="1484310" y="-301172"/>
+            <a:off x="1484310" y="1914099"/>
             <a:ext cx="10018713" cy="1752599"/>
           </a:xfrm>
         </p:spPr>
@@ -21220,129 +20186,18 @@
           </a:bodyPr>
           <a:lstStyle/>
           <a:p>
-            <a:r>
-              <a:rPr lang="ro-RO" sz="4400" b="1" dirty="0"/>
-              <a:t>Programarea bazată pe constrângeri</a:t>
-            </a:r>
-            <a:endParaRPr lang="ro-RO" sz="4400" dirty="0"/>
-          </a:p>
-        </p:txBody>
-      </p:sp>
-      <p:sp>
-        <p:nvSpPr>
-          <p:cNvPr id="3" name="Content Placeholder 2"/>
-          <p:cNvSpPr>
-            <a:spLocks noGrp="1"/>
-          </p:cNvSpPr>
-          <p:nvPr>
-            <p:ph idx="1"/>
-          </p:nvPr>
-        </p:nvSpPr>
-        <p:spPr>
-          <a:xfrm>
-            <a:off x="1354567" y="1944912"/>
-            <a:ext cx="10278198" cy="4049487"/>
-          </a:xfrm>
-        </p:spPr>
-        <p:txBody>
-          <a:bodyPr>
-            <a:normAutofit fontScale="85000" lnSpcReduction="10000"/>
-          </a:bodyPr>
-          <a:lstStyle/>
-          <a:p>
-            <a:pPr marL="0" indent="0">
-              <a:buNone/>
-            </a:pPr>
-            <a:r>
-              <a:rPr lang="en-US" sz="2800" b="1" dirty="0" smtClean="0"/>
-              <a:t>1.</a:t>
-            </a:r>
-            <a:r>
-              <a:rPr lang="ro-RO" sz="2800" b="1" dirty="0" smtClean="0"/>
-              <a:t>Ce </a:t>
-            </a:r>
-            <a:r>
-              <a:rPr lang="ro-RO" sz="2800" b="1" dirty="0"/>
-              <a:t>este programarea </a:t>
-            </a:r>
-            <a:r>
-              <a:rPr lang="ro-RO" sz="2800" b="1" dirty="0" smtClean="0"/>
-              <a:t>bazată </a:t>
-            </a:r>
-            <a:r>
-              <a:rPr lang="ro-RO" sz="2800" b="1" dirty="0"/>
-              <a:t>pe constrângeri</a:t>
-            </a:r>
-            <a:r>
-              <a:rPr lang="ro-RO" sz="2800" b="1" dirty="0" smtClean="0"/>
-              <a:t>?</a:t>
-            </a:r>
-            <a:endParaRPr lang="en-US" sz="2800" b="1" dirty="0" smtClean="0"/>
-          </a:p>
-          <a:p>
-            <a:pPr marL="0" indent="0">
-              <a:buNone/>
-            </a:pPr>
-            <a:endParaRPr lang="en-US" sz="2800" b="1" dirty="0" smtClean="0"/>
-          </a:p>
-          <a:p>
-            <a:pPr marL="0" indent="0" algn="just">
-              <a:buNone/>
-            </a:pPr>
-            <a:r>
-              <a:rPr lang="ro-RO" sz="2800" dirty="0" smtClean="0"/>
-              <a:t>Programarea </a:t>
-            </a:r>
-            <a:r>
-              <a:rPr lang="ro-RO" sz="2800" dirty="0"/>
-              <a:t>bazată pe constrângeri poate fi privită ca o paradigmă de programare ce constă în găsirea unei soluții la o problemă de către un calculator, atunci când acesta primește problema ca un asamblu de constrângeri</a:t>
-            </a:r>
-            <a:r>
-              <a:rPr lang="ro-RO" sz="2800" dirty="0" smtClean="0"/>
-              <a:t>.</a:t>
-            </a:r>
-            <a:endParaRPr lang="en-US" sz="2800" dirty="0" smtClean="0"/>
-          </a:p>
-          <a:p>
-            <a:pPr marL="0" indent="0">
-              <a:buNone/>
-            </a:pPr>
-            <a:r>
-              <a:rPr lang="ro-RO" sz="2800" dirty="0"/>
-              <a:t>Rezolvarea unei probleme CSP folosind programarea bazată pe constrângeri presupune îmbinarea tehnicilor următoare: </a:t>
-            </a:r>
-          </a:p>
-          <a:p>
-            <a:pPr lvl="1"/>
-            <a:r>
-              <a:rPr lang="ro-RO" dirty="0" smtClean="0"/>
-              <a:t> </a:t>
-            </a:r>
-            <a:r>
-              <a:rPr lang="ro-RO" dirty="0"/>
-              <a:t>Propagarea constrângerilor; </a:t>
-            </a:r>
-          </a:p>
-          <a:p>
-            <a:pPr lvl="1"/>
-            <a:r>
-              <a:rPr lang="ro-RO" dirty="0" smtClean="0"/>
-              <a:t>Căutarea </a:t>
-            </a:r>
-            <a:r>
-              <a:rPr lang="ro-RO" dirty="0"/>
-              <a:t>sistematică: Backtracking; </a:t>
-            </a:r>
-          </a:p>
-          <a:p>
-            <a:pPr lvl="1"/>
-            <a:r>
-              <a:rPr lang="ro-RO" dirty="0" smtClean="0"/>
-              <a:t>Tehnici </a:t>
-            </a:r>
-            <a:r>
-              <a:rPr lang="ro-RO" dirty="0"/>
-              <a:t>de consistență;</a:t>
+            <a:pPr algn="l"/>
+            <a:r>
+              <a:rPr lang="en-US" sz="3200" dirty="0" smtClean="0"/>
+              <a:t>   </a:t>
+            </a:r>
+            <a:r>
+              <a:rPr lang="ro-RO" sz="3200" dirty="0" smtClean="0"/>
+              <a:t>Algoritmul </a:t>
+            </a:r>
+            <a:r>
+              <a:rPr lang="ro-RO" sz="3200" dirty="0"/>
+              <a:t>AC-3</a:t>
             </a:r>
           </a:p>
         </p:txBody>
@@ -21370,933 +20225,6 @@
           </a:p>
         </p:txBody>
       </p:sp>
-    </p:spTree>
-    <p:extLst>
-      <p:ext uri="{BB962C8B-B14F-4D97-AF65-F5344CB8AC3E}">
-        <p14:creationId xmlns:p14="http://schemas.microsoft.com/office/powerpoint/2010/main" val="1080356325"/>
-      </p:ext>
-    </p:extLst>
-  </p:cSld>
-  <p:clrMapOvr>
-    <a:masterClrMapping/>
-  </p:clrMapOvr>
-  <p:timing>
-    <p:tnLst>
-      <p:par>
-        <p:cTn id="1" dur="indefinite" restart="never" nodeType="tmRoot"/>
-      </p:par>
-    </p:tnLst>
-  </p:timing>
-</p:sld>
-</file>
-
-<file path=ppt/slides/slide7.xml><?xml version="1.0" encoding="utf-8"?>
-<p:sld xmlns:a="http://schemas.openxmlformats.org/drawingml/2006/main" xmlns:r="http://schemas.openxmlformats.org/officeDocument/2006/relationships" xmlns:p="http://schemas.openxmlformats.org/presentationml/2006/main">
-  <p:cSld>
-    <p:spTree>
-      <p:nvGrpSpPr>
-        <p:cNvPr id="1" name=""/>
-        <p:cNvGrpSpPr/>
-        <p:nvPr/>
-      </p:nvGrpSpPr>
-      <p:grpSpPr>
-        <a:xfrm>
-          <a:off x="0" y="0"/>
-          <a:ext cx="0" cy="0"/>
-          <a:chOff x="0" y="0"/>
-          <a:chExt cx="0" cy="0"/>
-        </a:xfrm>
-      </p:grpSpPr>
-      <p:sp>
-        <p:nvSpPr>
-          <p:cNvPr id="2" name="Title 1"/>
-          <p:cNvSpPr>
-            <a:spLocks noGrp="1"/>
-          </p:cNvSpPr>
-          <p:nvPr>
-            <p:ph type="title"/>
-          </p:nvPr>
-        </p:nvSpPr>
-        <p:spPr>
-          <a:xfrm>
-            <a:off x="1484310" y="103909"/>
-            <a:ext cx="10018713" cy="1752599"/>
-          </a:xfrm>
-        </p:spPr>
-        <p:txBody>
-          <a:bodyPr>
-            <a:normAutofit/>
-          </a:bodyPr>
-          <a:lstStyle/>
-          <a:p>
-            <a:r>
-              <a:rPr lang="ro-RO" sz="4400" b="1" dirty="0"/>
-              <a:t>Programarea bazată pe constrângeri</a:t>
-            </a:r>
-          </a:p>
-        </p:txBody>
-      </p:sp>
-      <mc:AlternateContent xmlns:mc="http://schemas.openxmlformats.org/markup-compatibility/2006" xmlns:a14="http://schemas.microsoft.com/office/drawing/2010/main">
-        <mc:Choice Requires="a14">
-          <p:sp>
-            <p:nvSpPr>
-              <p:cNvPr id="3" name="Content Placeholder 2"/>
-              <p:cNvSpPr>
-                <a:spLocks noGrp="1"/>
-              </p:cNvSpPr>
-              <p:nvPr>
-                <p:ph idx="1"/>
-              </p:nvPr>
-            </p:nvSpPr>
-            <p:spPr>
-              <a:xfrm>
-                <a:off x="1484310" y="1458056"/>
-                <a:ext cx="10208926" cy="4807527"/>
-              </a:xfrm>
-            </p:spPr>
-            <p:txBody>
-              <a:bodyPr>
-                <a:normAutofit fontScale="92500"/>
-              </a:bodyPr>
-              <a:lstStyle/>
-              <a:p>
-                <a:pPr marL="0" indent="0" algn="just">
-                  <a:buNone/>
-                </a:pPr>
-                <a:r>
-                  <a:rPr lang="en-US" sz="2800" b="1" dirty="0"/>
-                  <a:t>2.Tehnici de consistență </a:t>
-                </a:r>
-                <a:r>
-                  <a:rPr lang="en-US" sz="2800" b="1" dirty="0" smtClean="0"/>
-                  <a:t>:</a:t>
-                </a:r>
-                <a:r>
-                  <a:rPr lang="ro-RO" sz="2800" b="1" dirty="0"/>
-                  <a:t>Consistența arcului</a:t>
-                </a:r>
-                <a:endParaRPr lang="en-US" sz="2800" b="1" dirty="0" smtClean="0"/>
-              </a:p>
-              <a:p>
-                <a:pPr marL="0" indent="0" algn="just">
-                  <a:buNone/>
-                </a:pPr>
-                <a:r>
-                  <a:rPr lang="ro-RO" b="1" dirty="0" smtClean="0"/>
-                  <a:t>Definiti</a:t>
-                </a:r>
-                <a:r>
-                  <a:rPr lang="en-US" b="1" dirty="0" smtClean="0"/>
-                  <a:t>e</a:t>
-                </a:r>
-                <a:endParaRPr lang="ro-RO" dirty="0"/>
-              </a:p>
-              <a:p>
-                <a:pPr algn="just"/>
-                <a:r>
-                  <a:rPr lang="ro-RO" dirty="0"/>
-                  <a:t>Fie </a:t>
-                </a:r>
-                <a14:m>
-                  <m:oMath xmlns:m="http://schemas.openxmlformats.org/officeDocument/2006/math">
-                    <m:r>
-                      <a:rPr lang="ro-RO">
-                        <a:latin typeface="Cambria Math" panose="02040503050406030204" pitchFamily="18" charset="0"/>
-                      </a:rPr>
-                      <m:t>𝑃</m:t>
-                    </m:r>
-                    <m:r>
-                      <a:rPr lang="ro-RO">
-                        <a:latin typeface="Cambria Math" panose="02040503050406030204" pitchFamily="18" charset="0"/>
-                      </a:rPr>
-                      <m:t>=(</m:t>
-                    </m:r>
-                    <m:r>
-                      <a:rPr lang="ro-RO">
-                        <a:latin typeface="Cambria Math" panose="02040503050406030204" pitchFamily="18" charset="0"/>
-                      </a:rPr>
-                      <m:t>𝑋</m:t>
-                    </m:r>
-                    <m:r>
-                      <a:rPr lang="ro-RO">
-                        <a:latin typeface="Cambria Math" panose="02040503050406030204" pitchFamily="18" charset="0"/>
-                      </a:rPr>
-                      <m:t>,</m:t>
-                    </m:r>
-                    <m:r>
-                      <a:rPr lang="ro-RO">
-                        <a:latin typeface="Cambria Math" panose="02040503050406030204" pitchFamily="18" charset="0"/>
-                      </a:rPr>
-                      <m:t>𝐷</m:t>
-                    </m:r>
-                    <m:r>
-                      <a:rPr lang="ro-RO">
-                        <a:latin typeface="Cambria Math" panose="02040503050406030204" pitchFamily="18" charset="0"/>
-                      </a:rPr>
-                      <m:t>,</m:t>
-                    </m:r>
-                    <m:r>
-                      <a:rPr lang="ro-RO">
-                        <a:latin typeface="Cambria Math" panose="02040503050406030204" pitchFamily="18" charset="0"/>
-                      </a:rPr>
-                      <m:t>𝐶</m:t>
-                    </m:r>
-                    <m:r>
-                      <a:rPr lang="ro-RO">
-                        <a:latin typeface="Cambria Math" panose="02040503050406030204" pitchFamily="18" charset="0"/>
-                      </a:rPr>
-                      <m:t>)</m:t>
-                    </m:r>
-                  </m:oMath>
-                </a14:m>
-                <a:r>
-                  <a:rPr lang="ro-RO" dirty="0"/>
-                  <a:t> o problema CSP (binara)</a:t>
-                </a:r>
-                <a:r>
-                  <a:rPr lang="ro-RO" sz="1900" b="1" dirty="0"/>
-                  <a:t>	 </a:t>
-                </a:r>
-                <a:endParaRPr lang="ro-RO" sz="1900" dirty="0" smtClean="0"/>
-              </a:p>
-              <a:p>
-                <a:pPr algn="just"/>
-                <a:r>
-                  <a:rPr lang="ro-RO" dirty="0"/>
-                  <a:t>Valoarea </a:t>
-                </a:r>
-                <a14:m>
-                  <m:oMath xmlns:m="http://schemas.openxmlformats.org/officeDocument/2006/math">
-                    <m:r>
-                      <m:rPr>
-                        <m:sty m:val="p"/>
-                      </m:rPr>
-                      <a:rPr lang="ro-RO" i="0">
-                        <a:latin typeface="Cambria Math" panose="02040503050406030204" pitchFamily="18" charset="0"/>
-                      </a:rPr>
-                      <m:t>a</m:t>
-                    </m:r>
-                    <m:r>
-                      <a:rPr lang="ro-RO" i="0">
-                        <a:latin typeface="Cambria Math" panose="02040503050406030204" pitchFamily="18" charset="0"/>
-                      </a:rPr>
-                      <m:t>∈</m:t>
-                    </m:r>
-                    <m:sSub>
-                      <m:sSubPr>
-                        <m:ctrlPr>
-                          <a:rPr lang="ro-RO" i="1">
-                            <a:latin typeface="Cambria Math" panose="02040503050406030204" pitchFamily="18" charset="0"/>
-                          </a:rPr>
-                        </m:ctrlPr>
-                      </m:sSubPr>
-                      <m:e>
-                        <m:r>
-                          <m:rPr>
-                            <m:sty m:val="p"/>
-                          </m:rPr>
-                          <a:rPr lang="ro-RO" i="0">
-                            <a:latin typeface="Cambria Math" panose="02040503050406030204" pitchFamily="18" charset="0"/>
-                          </a:rPr>
-                          <m:t>d</m:t>
-                        </m:r>
-                      </m:e>
-                      <m:sub>
-                        <m:r>
-                          <m:rPr>
-                            <m:sty m:val="p"/>
-                          </m:rPr>
-                          <a:rPr lang="ro-RO" i="0">
-                            <a:latin typeface="Cambria Math" panose="02040503050406030204" pitchFamily="18" charset="0"/>
-                          </a:rPr>
-                          <m:t>i</m:t>
-                        </m:r>
-                      </m:sub>
-                    </m:sSub>
-                  </m:oMath>
-                </a14:m>
-                <a:r>
-                  <a:rPr lang="ro-RO" dirty="0"/>
-                  <a:t> a variabilei </a:t>
-                </a:r>
-                <a14:m>
-                  <m:oMath xmlns:m="http://schemas.openxmlformats.org/officeDocument/2006/math">
-                    <m:sSub>
-                      <m:sSubPr>
-                        <m:ctrlPr>
-                          <a:rPr lang="ro-RO" i="1">
-                            <a:latin typeface="Cambria Math" panose="02040503050406030204" pitchFamily="18" charset="0"/>
-                          </a:rPr>
-                        </m:ctrlPr>
-                      </m:sSubPr>
-                      <m:e>
-                        <m:r>
-                          <m:rPr>
-                            <m:sty m:val="p"/>
-                          </m:rPr>
-                          <a:rPr lang="ro-RO" i="0">
-                            <a:latin typeface="Cambria Math" panose="02040503050406030204" pitchFamily="18" charset="0"/>
-                          </a:rPr>
-                          <m:t>x</m:t>
-                        </m:r>
-                      </m:e>
-                      <m:sub>
-                        <m:r>
-                          <m:rPr>
-                            <m:sty m:val="p"/>
-                          </m:rPr>
-                          <a:rPr lang="ro-RO" i="0">
-                            <a:latin typeface="Cambria Math" panose="02040503050406030204" pitchFamily="18" charset="0"/>
-                          </a:rPr>
-                          <m:t>i</m:t>
-                        </m:r>
-                      </m:sub>
-                    </m:sSub>
-                    <m:r>
-                      <a:rPr lang="ro-RO" i="0">
-                        <a:latin typeface="Cambria Math" panose="02040503050406030204" pitchFamily="18" charset="0"/>
-                      </a:rPr>
-                      <m:t>∈</m:t>
-                    </m:r>
-                    <m:r>
-                      <m:rPr>
-                        <m:sty m:val="p"/>
-                      </m:rPr>
-                      <a:rPr lang="ro-RO" i="0">
-                        <a:latin typeface="Cambria Math" panose="02040503050406030204" pitchFamily="18" charset="0"/>
-                      </a:rPr>
-                      <m:t>X</m:t>
-                    </m:r>
-                  </m:oMath>
-                </a14:m>
-                <a:r>
-                  <a:rPr lang="ro-RO" dirty="0"/>
-                  <a:t> este arc-consistenta cu privire la </a:t>
-                </a:r>
-                <a14:m>
-                  <m:oMath xmlns:m="http://schemas.openxmlformats.org/officeDocument/2006/math">
-                    <m:sSub>
-                      <m:sSubPr>
-                        <m:ctrlPr>
-                          <a:rPr lang="ro-RO" i="1">
-                            <a:latin typeface="Cambria Math" panose="02040503050406030204" pitchFamily="18" charset="0"/>
-                          </a:rPr>
-                        </m:ctrlPr>
-                      </m:sSubPr>
-                      <m:e>
-                        <m:r>
-                          <m:rPr>
-                            <m:sty m:val="p"/>
-                          </m:rPr>
-                          <a:rPr lang="ro-RO" i="0">
-                            <a:latin typeface="Cambria Math" panose="02040503050406030204" pitchFamily="18" charset="0"/>
-                          </a:rPr>
-                          <m:t>x</m:t>
-                        </m:r>
-                      </m:e>
-                      <m:sub>
-                        <m:r>
-                          <m:rPr>
-                            <m:sty m:val="p"/>
-                          </m:rPr>
-                          <a:rPr lang="ro-RO" i="0">
-                            <a:latin typeface="Cambria Math" panose="02040503050406030204" pitchFamily="18" charset="0"/>
-                          </a:rPr>
-                          <m:t>j</m:t>
-                        </m:r>
-                      </m:sub>
-                    </m:sSub>
-                  </m:oMath>
-                </a14:m>
-                <a:r>
-                  <a:rPr lang="ro-RO" dirty="0"/>
-                  <a:t> dacă există </a:t>
-                </a:r>
-                <a14:m>
-                  <m:oMath xmlns:m="http://schemas.openxmlformats.org/officeDocument/2006/math">
-                    <m:r>
-                      <m:rPr>
-                        <m:sty m:val="p"/>
-                      </m:rPr>
-                      <a:rPr lang="ro-RO" i="0">
-                        <a:latin typeface="Cambria Math" panose="02040503050406030204" pitchFamily="18" charset="0"/>
-                      </a:rPr>
-                      <m:t>b</m:t>
-                    </m:r>
-                    <m:r>
-                      <a:rPr lang="ro-RO" i="0">
-                        <a:latin typeface="Cambria Math" panose="02040503050406030204" pitchFamily="18" charset="0"/>
-                      </a:rPr>
-                      <m:t> ∈ </m:t>
-                    </m:r>
-                    <m:sSub>
-                      <m:sSubPr>
-                        <m:ctrlPr>
-                          <a:rPr lang="ro-RO" i="1">
-                            <a:latin typeface="Cambria Math" panose="02040503050406030204" pitchFamily="18" charset="0"/>
-                          </a:rPr>
-                        </m:ctrlPr>
-                      </m:sSubPr>
-                      <m:e>
-                        <m:r>
-                          <m:rPr>
-                            <m:sty m:val="p"/>
-                          </m:rPr>
-                          <a:rPr lang="ro-RO" i="0">
-                            <a:latin typeface="Cambria Math" panose="02040503050406030204" pitchFamily="18" charset="0"/>
-                          </a:rPr>
-                          <m:t>d</m:t>
-                        </m:r>
-                      </m:e>
-                      <m:sub>
-                        <m:r>
-                          <m:rPr>
-                            <m:sty m:val="p"/>
-                          </m:rPr>
-                          <a:rPr lang="ro-RO" i="0">
-                            <a:latin typeface="Cambria Math" panose="02040503050406030204" pitchFamily="18" charset="0"/>
-                          </a:rPr>
-                          <m:t>j</m:t>
-                        </m:r>
-                      </m:sub>
-                    </m:sSub>
-                  </m:oMath>
-                </a14:m>
-                <a:r>
-                  <a:rPr lang="ro-RO" dirty="0"/>
-                  <a:t> astfel încat </a:t>
-                </a:r>
-                <a14:m>
-                  <m:oMath xmlns:m="http://schemas.openxmlformats.org/officeDocument/2006/math">
-                    <m:sSub>
-                      <m:sSubPr>
-                        <m:ctrlPr>
-                          <a:rPr lang="ro-RO" i="1">
-                            <a:latin typeface="Cambria Math" panose="02040503050406030204" pitchFamily="18" charset="0"/>
-                          </a:rPr>
-                        </m:ctrlPr>
-                      </m:sSubPr>
-                      <m:e>
-                        <m:r>
-                          <m:rPr>
-                            <m:sty m:val="p"/>
-                          </m:rPr>
-                          <a:rPr lang="ro-RO" i="0">
-                            <a:latin typeface="Cambria Math" panose="02040503050406030204" pitchFamily="18" charset="0"/>
-                          </a:rPr>
-                          <m:t>c</m:t>
-                        </m:r>
-                      </m:e>
-                      <m:sub>
-                        <m:r>
-                          <m:rPr>
-                            <m:sty m:val="p"/>
-                          </m:rPr>
-                          <a:rPr lang="ro-RO" i="0">
-                            <a:latin typeface="Cambria Math" panose="02040503050406030204" pitchFamily="18" charset="0"/>
-                          </a:rPr>
-                          <m:t>ij</m:t>
-                        </m:r>
-                      </m:sub>
-                    </m:sSub>
-                    <m:d>
-                      <m:dPr>
-                        <m:ctrlPr>
-                          <a:rPr lang="ro-RO" i="1">
-                            <a:latin typeface="Cambria Math" panose="02040503050406030204" pitchFamily="18" charset="0"/>
-                          </a:rPr>
-                        </m:ctrlPr>
-                      </m:dPr>
-                      <m:e>
-                        <m:r>
-                          <m:rPr>
-                            <m:sty m:val="p"/>
-                          </m:rPr>
-                          <a:rPr lang="ro-RO" i="0">
-                            <a:latin typeface="Cambria Math" panose="02040503050406030204" pitchFamily="18" charset="0"/>
-                          </a:rPr>
-                          <m:t>a</m:t>
-                        </m:r>
-                        <m:r>
-                          <a:rPr lang="ro-RO" i="0">
-                            <a:latin typeface="Cambria Math" panose="02040503050406030204" pitchFamily="18" charset="0"/>
-                          </a:rPr>
-                          <m:t>,</m:t>
-                        </m:r>
-                        <m:r>
-                          <m:rPr>
-                            <m:sty m:val="p"/>
-                          </m:rPr>
-                          <a:rPr lang="ro-RO" i="0">
-                            <a:latin typeface="Cambria Math" panose="02040503050406030204" pitchFamily="18" charset="0"/>
-                          </a:rPr>
-                          <m:t>b</m:t>
-                        </m:r>
-                      </m:e>
-                    </m:d>
-                    <m:r>
-                      <a:rPr lang="ro-RO" i="0">
-                        <a:latin typeface="Cambria Math" panose="02040503050406030204" pitchFamily="18" charset="0"/>
-                      </a:rPr>
-                      <m:t>=</m:t>
-                    </m:r>
-                    <m:r>
-                      <m:rPr>
-                        <m:sty m:val="p"/>
-                      </m:rPr>
-                      <a:rPr lang="ro-RO" i="0">
-                        <a:latin typeface="Cambria Math" panose="02040503050406030204" pitchFamily="18" charset="0"/>
-                      </a:rPr>
-                      <m:t>true</m:t>
-                    </m:r>
-                  </m:oMath>
-                </a14:m>
-                <a:endParaRPr lang="ro-RO" dirty="0"/>
-              </a:p>
-              <a:p>
-                <a:pPr algn="just"/>
-                <a:r>
-                  <a:rPr lang="ro-RO" dirty="0"/>
-                  <a:t>Atunci arc-consistenta poate fi definită astfel: </a:t>
-                </a:r>
-              </a:p>
-              <a:p>
-                <a:pPr lvl="2" algn="just"/>
-                <a:r>
-                  <a:rPr lang="ro-RO" dirty="0"/>
-                  <a:t>Variabila </a:t>
-                </a:r>
-                <a14:m>
-                  <m:oMath xmlns:m="http://schemas.openxmlformats.org/officeDocument/2006/math">
-                    <m:sSub>
-                      <m:sSubPr>
-                        <m:ctrlPr>
-                          <a:rPr lang="ro-RO" i="1">
-                            <a:latin typeface="Cambria Math" panose="02040503050406030204" pitchFamily="18" charset="0"/>
-                          </a:rPr>
-                        </m:ctrlPr>
-                      </m:sSubPr>
-                      <m:e>
-                        <m:r>
-                          <a:rPr lang="ro-RO" i="1">
-                            <a:latin typeface="Cambria Math" panose="02040503050406030204" pitchFamily="18" charset="0"/>
-                          </a:rPr>
-                          <m:t>𝑥</m:t>
-                        </m:r>
-                      </m:e>
-                      <m:sub>
-                        <m:r>
-                          <a:rPr lang="ro-RO" i="1">
-                            <a:latin typeface="Cambria Math" panose="02040503050406030204" pitchFamily="18" charset="0"/>
-                          </a:rPr>
-                          <m:t>𝑖</m:t>
-                        </m:r>
-                      </m:sub>
-                    </m:sSub>
-                    <m:r>
-                      <a:rPr lang="ro-RO" i="1">
-                        <a:latin typeface="Cambria Math" panose="02040503050406030204" pitchFamily="18" charset="0"/>
-                      </a:rPr>
-                      <m:t>∈</m:t>
-                    </m:r>
-                    <m:r>
-                      <a:rPr lang="ro-RO" i="1">
-                        <a:latin typeface="Cambria Math" panose="02040503050406030204" pitchFamily="18" charset="0"/>
-                      </a:rPr>
-                      <m:t>𝑋</m:t>
-                    </m:r>
-                  </m:oMath>
-                </a14:m>
-                <a:r>
-                  <a:rPr lang="ro-RO" dirty="0"/>
-                  <a:t> este arc-consistenta cu privire la </a:t>
-                </a:r>
-                <a14:m>
-                  <m:oMath xmlns:m="http://schemas.openxmlformats.org/officeDocument/2006/math">
-                    <m:sSub>
-                      <m:sSubPr>
-                        <m:ctrlPr>
-                          <a:rPr lang="ro-RO" i="1">
-                            <a:latin typeface="Cambria Math" panose="02040503050406030204" pitchFamily="18" charset="0"/>
-                          </a:rPr>
-                        </m:ctrlPr>
-                      </m:sSubPr>
-                      <m:e>
-                        <m:r>
-                          <a:rPr lang="ro-RO" i="1">
-                            <a:latin typeface="Cambria Math" panose="02040503050406030204" pitchFamily="18" charset="0"/>
-                          </a:rPr>
-                          <m:t>𝑥</m:t>
-                        </m:r>
-                      </m:e>
-                      <m:sub>
-                        <m:r>
-                          <a:rPr lang="ro-RO" i="1">
-                            <a:latin typeface="Cambria Math" panose="02040503050406030204" pitchFamily="18" charset="0"/>
-                          </a:rPr>
-                          <m:t>𝑗</m:t>
-                        </m:r>
-                      </m:sub>
-                    </m:sSub>
-                  </m:oMath>
-                </a14:m>
-                <a:r>
-                  <a:rPr lang="ro-RO" dirty="0"/>
-                  <a:t> dacă toate valorile din domeniul său sunt </a:t>
-                </a:r>
-                <a:r>
-                  <a:rPr lang="ro-RO" dirty="0" smtClean="0"/>
-                  <a:t>arc-consistente </a:t>
-                </a:r>
-                <a:r>
-                  <a:rPr lang="ro-RO" dirty="0"/>
-                  <a:t>cu privire la </a:t>
-                </a:r>
-                <a14:m>
-                  <m:oMath xmlns:m="http://schemas.openxmlformats.org/officeDocument/2006/math">
-                    <m:sSub>
-                      <m:sSubPr>
-                        <m:ctrlPr>
-                          <a:rPr lang="ro-RO" i="1">
-                            <a:latin typeface="Cambria Math" panose="02040503050406030204" pitchFamily="18" charset="0"/>
-                          </a:rPr>
-                        </m:ctrlPr>
-                      </m:sSubPr>
-                      <m:e>
-                        <m:r>
-                          <a:rPr lang="ro-RO" i="1">
-                            <a:latin typeface="Cambria Math" panose="02040503050406030204" pitchFamily="18" charset="0"/>
-                          </a:rPr>
-                          <m:t>𝑥</m:t>
-                        </m:r>
-                      </m:e>
-                      <m:sub>
-                        <m:r>
-                          <a:rPr lang="ro-RO" i="1">
-                            <a:latin typeface="Cambria Math" panose="02040503050406030204" pitchFamily="18" charset="0"/>
-                          </a:rPr>
-                          <m:t>𝑗</m:t>
-                        </m:r>
-                      </m:sub>
-                    </m:sSub>
-                  </m:oMath>
-                </a14:m>
-                <a:endParaRPr lang="ro-RO" dirty="0"/>
-              </a:p>
-              <a:p>
-                <a:pPr lvl="2" algn="just"/>
-                <a:r>
-                  <a:rPr lang="ro-RO" dirty="0"/>
-                  <a:t>Constrângerea </a:t>
-                </a:r>
-                <a14:m>
-                  <m:oMath xmlns:m="http://schemas.openxmlformats.org/officeDocument/2006/math">
-                    <m:sSub>
-                      <m:sSubPr>
-                        <m:ctrlPr>
-                          <a:rPr lang="ro-RO" i="1">
-                            <a:latin typeface="Cambria Math" panose="02040503050406030204" pitchFamily="18" charset="0"/>
-                          </a:rPr>
-                        </m:ctrlPr>
-                      </m:sSubPr>
-                      <m:e>
-                        <m:r>
-                          <a:rPr lang="ro-RO" i="1">
-                            <a:latin typeface="Cambria Math" panose="02040503050406030204" pitchFamily="18" charset="0"/>
-                          </a:rPr>
-                          <m:t>𝑐</m:t>
-                        </m:r>
-                      </m:e>
-                      <m:sub>
-                        <m:r>
-                          <a:rPr lang="ro-RO" i="1">
-                            <a:latin typeface="Cambria Math" panose="02040503050406030204" pitchFamily="18" charset="0"/>
-                          </a:rPr>
-                          <m:t>𝑖𝑗</m:t>
-                        </m:r>
-                      </m:sub>
-                    </m:sSub>
-                    <m:r>
-                      <a:rPr lang="ro-RO" i="1">
-                        <a:latin typeface="Cambria Math" panose="02040503050406030204" pitchFamily="18" charset="0"/>
-                      </a:rPr>
-                      <m:t>∈</m:t>
-                    </m:r>
-                    <m:r>
-                      <a:rPr lang="ro-RO" i="1">
-                        <a:latin typeface="Cambria Math" panose="02040503050406030204" pitchFamily="18" charset="0"/>
-                      </a:rPr>
-                      <m:t>𝐶</m:t>
-                    </m:r>
-                    <m:r>
-                      <a:rPr lang="ro-RO" i="1">
-                        <a:latin typeface="Cambria Math" panose="02040503050406030204" pitchFamily="18" charset="0"/>
-                      </a:rPr>
-                      <m:t> </m:t>
-                    </m:r>
-                  </m:oMath>
-                </a14:m>
-                <a:r>
-                  <a:rPr lang="ro-RO" dirty="0"/>
-                  <a:t>este arc-consistenta dacă </a:t>
-                </a:r>
-                <a14:m>
-                  <m:oMath xmlns:m="http://schemas.openxmlformats.org/officeDocument/2006/math">
-                    <m:sSub>
-                      <m:sSubPr>
-                        <m:ctrlPr>
-                          <a:rPr lang="ro-RO" i="1">
-                            <a:latin typeface="Cambria Math" panose="02040503050406030204" pitchFamily="18" charset="0"/>
-                          </a:rPr>
-                        </m:ctrlPr>
-                      </m:sSubPr>
-                      <m:e>
-                        <m:r>
-                          <a:rPr lang="ro-RO" i="1">
-                            <a:latin typeface="Cambria Math" panose="02040503050406030204" pitchFamily="18" charset="0"/>
-                          </a:rPr>
-                          <m:t>𝑥</m:t>
-                        </m:r>
-                      </m:e>
-                      <m:sub>
-                        <m:r>
-                          <a:rPr lang="ro-RO" i="1">
-                            <a:latin typeface="Cambria Math" panose="02040503050406030204" pitchFamily="18" charset="0"/>
-                          </a:rPr>
-                          <m:t>𝑖</m:t>
-                        </m:r>
-                      </m:sub>
-                    </m:sSub>
-                  </m:oMath>
-                </a14:m>
-                <a:r>
-                  <a:rPr lang="ro-RO" dirty="0"/>
-                  <a:t> este arc-consistenta cu privire la </a:t>
-                </a:r>
-                <a14:m>
-                  <m:oMath xmlns:m="http://schemas.openxmlformats.org/officeDocument/2006/math">
-                    <m:sSub>
-                      <m:sSubPr>
-                        <m:ctrlPr>
-                          <a:rPr lang="ro-RO" i="1">
-                            <a:latin typeface="Cambria Math" panose="02040503050406030204" pitchFamily="18" charset="0"/>
-                          </a:rPr>
-                        </m:ctrlPr>
-                      </m:sSubPr>
-                      <m:e>
-                        <m:r>
-                          <a:rPr lang="ro-RO" i="1">
-                            <a:latin typeface="Cambria Math" panose="02040503050406030204" pitchFamily="18" charset="0"/>
-                          </a:rPr>
-                          <m:t>𝑥</m:t>
-                        </m:r>
-                      </m:e>
-                      <m:sub>
-                        <m:r>
-                          <a:rPr lang="ro-RO" i="1">
-                            <a:latin typeface="Cambria Math" panose="02040503050406030204" pitchFamily="18" charset="0"/>
-                          </a:rPr>
-                          <m:t>𝑗</m:t>
-                        </m:r>
-                      </m:sub>
-                    </m:sSub>
-                  </m:oMath>
-                </a14:m>
-                <a:r>
-                  <a:rPr lang="ro-RO" dirty="0"/>
-                  <a:t> si invers </a:t>
-                </a:r>
-              </a:p>
-              <a:p>
-                <a:pPr lvl="2" algn="just"/>
-                <a:r>
-                  <a:rPr lang="ro-RO" dirty="0"/>
-                  <a:t>O problemă CSP este arc-consistenta dacă toate constrângerile </a:t>
-                </a:r>
-                <a14:m>
-                  <m:oMath xmlns:m="http://schemas.openxmlformats.org/officeDocument/2006/math">
-                    <m:r>
-                      <a:rPr lang="ro-RO" i="1">
-                        <a:latin typeface="Cambria Math" panose="02040503050406030204" pitchFamily="18" charset="0"/>
-                      </a:rPr>
-                      <m:t>𝑐</m:t>
-                    </m:r>
-                    <m:r>
-                      <a:rPr lang="ro-RO" i="1">
-                        <a:latin typeface="Cambria Math" panose="02040503050406030204" pitchFamily="18" charset="0"/>
-                      </a:rPr>
-                      <m:t>∈</m:t>
-                    </m:r>
-                    <m:r>
-                      <a:rPr lang="ro-RO" i="1">
-                        <a:latin typeface="Cambria Math" panose="02040503050406030204" pitchFamily="18" charset="0"/>
-                      </a:rPr>
-                      <m:t>𝐶</m:t>
-                    </m:r>
-                  </m:oMath>
-                </a14:m>
-                <a:r>
-                  <a:rPr lang="ro-RO" dirty="0"/>
-                  <a:t> sunt arc- consistente</a:t>
-                </a:r>
-              </a:p>
-              <a:p>
-                <a:pPr marL="0" indent="0">
-                  <a:buNone/>
-                </a:pPr>
-                <a:r>
-                  <a:rPr lang="ro-RO" dirty="0" smtClean="0"/>
-                  <a:t> </a:t>
-                </a:r>
-                <a:endParaRPr lang="ro-RO" dirty="0"/>
-              </a:p>
-            </p:txBody>
-          </p:sp>
-        </mc:Choice>
-        <mc:Fallback xmlns="">
-          <p:sp>
-            <p:nvSpPr>
-              <p:cNvPr id="3" name="Content Placeholder 2"/>
-              <p:cNvSpPr>
-                <a:spLocks noGrp="1" noRot="1" noChangeAspect="1" noMove="1" noResize="1" noEditPoints="1" noAdjustHandles="1" noChangeArrowheads="1" noChangeShapeType="1" noTextEdit="1"/>
-              </p:cNvSpPr>
-              <p:nvPr>
-                <p:ph idx="1"/>
-              </p:nvPr>
-            </p:nvSpPr>
-            <p:spPr>
-              <a:xfrm>
-                <a:off x="1484310" y="1458056"/>
-                <a:ext cx="10208926" cy="4807527"/>
-              </a:xfrm>
-              <a:blipFill rotWithShape="0">
-                <a:blip r:embed="rId2"/>
-                <a:stretch>
-                  <a:fillRect l="-1313" t="-760" r="-418"/>
-                </a:stretch>
-              </a:blipFill>
-            </p:spPr>
-            <p:txBody>
-              <a:bodyPr/>
-              <a:lstStyle/>
-              <a:p>
-                <a:r>
-                  <a:rPr lang="ro-RO">
-                    <a:noFill/>
-                  </a:rPr>
-                  <a:t> </a:t>
-                </a:r>
-              </a:p>
-            </p:txBody>
-          </p:sp>
-        </mc:Fallback>
-      </mc:AlternateContent>
-      <p:sp>
-        <p:nvSpPr>
-          <p:cNvPr id="4" name="Slide Number Placeholder 3"/>
-          <p:cNvSpPr>
-            <a:spLocks noGrp="1"/>
-          </p:cNvSpPr>
-          <p:nvPr>
-            <p:ph type="sldNum" sz="quarter" idx="12"/>
-          </p:nvPr>
-        </p:nvSpPr>
-        <p:spPr/>
-        <p:txBody>
-          <a:bodyPr/>
-          <a:lstStyle/>
-          <a:p>
-            <a:fld id="{5B68C770-A467-47E2-B3BA-05511F56B1C3}" type="slidenum">
-              <a:rPr lang="ro-RO" smtClean="0"/>
-              <a:t>7</a:t>
-            </a:fld>
-            <a:endParaRPr lang="ro-RO"/>
-          </a:p>
-        </p:txBody>
-      </p:sp>
-    </p:spTree>
-    <p:extLst>
-      <p:ext uri="{BB962C8B-B14F-4D97-AF65-F5344CB8AC3E}">
-        <p14:creationId xmlns:p14="http://schemas.microsoft.com/office/powerpoint/2010/main" val="795038425"/>
-      </p:ext>
-    </p:extLst>
-  </p:cSld>
-  <p:clrMapOvr>
-    <a:masterClrMapping/>
-  </p:clrMapOvr>
-  <p:timing>
-    <p:tnLst>
-      <p:par>
-        <p:cTn id="1" dur="indefinite" restart="never" nodeType="tmRoot"/>
-      </p:par>
-    </p:tnLst>
-  </p:timing>
-</p:sld>
-</file>
-
-<file path=ppt/slides/slide8.xml><?xml version="1.0" encoding="utf-8"?>
-<p:sld xmlns:a="http://schemas.openxmlformats.org/drawingml/2006/main" xmlns:r="http://schemas.openxmlformats.org/officeDocument/2006/relationships" xmlns:p="http://schemas.openxmlformats.org/presentationml/2006/main">
-  <p:cSld>
-    <p:spTree>
-      <p:nvGrpSpPr>
-        <p:cNvPr id="1" name=""/>
-        <p:cNvGrpSpPr/>
-        <p:nvPr/>
-      </p:nvGrpSpPr>
-      <p:grpSpPr>
-        <a:xfrm>
-          <a:off x="0" y="0"/>
-          <a:ext cx="0" cy="0"/>
-          <a:chOff x="0" y="0"/>
-          <a:chExt cx="0" cy="0"/>
-        </a:xfrm>
-      </p:grpSpPr>
-      <p:sp>
-        <p:nvSpPr>
-          <p:cNvPr id="2" name="Title 1"/>
-          <p:cNvSpPr>
-            <a:spLocks noGrp="1"/>
-          </p:cNvSpPr>
-          <p:nvPr>
-            <p:ph type="title"/>
-          </p:nvPr>
-        </p:nvSpPr>
-        <p:spPr/>
-        <p:txBody>
-          <a:bodyPr/>
-          <a:lstStyle/>
-          <a:p>
-            <a:pPr algn="l"/>
-            <a:r>
-              <a:rPr lang="ro-RO" dirty="0"/>
-              <a:t>Algoritmul AC-3</a:t>
-            </a:r>
-          </a:p>
-        </p:txBody>
-      </p:sp>
-      <p:sp>
-        <p:nvSpPr>
-          <p:cNvPr id="4" name="Slide Number Placeholder 3"/>
-          <p:cNvSpPr>
-            <a:spLocks noGrp="1"/>
-          </p:cNvSpPr>
-          <p:nvPr>
-            <p:ph type="sldNum" sz="quarter" idx="12"/>
-          </p:nvPr>
-        </p:nvSpPr>
-        <p:spPr/>
-        <p:txBody>
-          <a:bodyPr/>
-          <a:lstStyle/>
-          <a:p>
-            <a:fld id="{5B68C770-A467-47E2-B3BA-05511F56B1C3}" type="slidenum">
-              <a:rPr lang="ro-RO" smtClean="0"/>
-              <a:t>8</a:t>
-            </a:fld>
-            <a:endParaRPr lang="ro-RO"/>
-          </a:p>
-        </p:txBody>
-      </p:sp>
       <p:sp>
         <p:nvSpPr>
           <p:cNvPr id="7" name="Content Placeholder 6"/>
@@ -22307,7 +20235,12 @@
             <p:ph idx="1"/>
           </p:nvPr>
         </p:nvSpPr>
-        <p:spPr/>
+        <p:spPr>
+          <a:xfrm>
+            <a:off x="1484310" y="3275463"/>
+            <a:ext cx="10018713" cy="2515737"/>
+          </a:xfrm>
+        </p:spPr>
         <p:txBody>
           <a:bodyPr/>
           <a:lstStyle/>
@@ -22347,7 +20280,7 @@
         </p:blipFill>
         <p:spPr>
           <a:xfrm>
-            <a:off x="1484310" y="2329004"/>
+            <a:off x="1484310" y="3457759"/>
             <a:ext cx="6288426" cy="2333441"/>
           </a:xfrm>
           <a:prstGeom prst="rect">
@@ -22377,7 +20310,7 @@
         </p:blipFill>
         <p:spPr>
           <a:xfrm>
-            <a:off x="8122162" y="2353681"/>
+            <a:off x="8081219" y="3457759"/>
             <a:ext cx="3599489" cy="2308764"/>
           </a:xfrm>
           <a:prstGeom prst="rect">
@@ -22385,6 +20318,519 @@
           </a:prstGeom>
         </p:spPr>
       </p:pic>
+      <mc:AlternateContent xmlns:mc="http://schemas.openxmlformats.org/markup-compatibility/2006">
+        <mc:Choice xmlns:a14="http://schemas.microsoft.com/office/drawing/2010/main" Requires="a14">
+          <p:sp>
+            <p:nvSpPr>
+              <p:cNvPr id="6" name="TextBox 5"/>
+              <p:cNvSpPr txBox="1"/>
+              <p:nvPr/>
+            </p:nvSpPr>
+            <p:spPr>
+              <a:xfrm>
+                <a:off x="1692322" y="450376"/>
+                <a:ext cx="9389660" cy="2337435"/>
+              </a:xfrm>
+              <a:prstGeom prst="rect">
+                <a:avLst/>
+              </a:prstGeom>
+              <a:noFill/>
+            </p:spPr>
+            <p:txBody>
+              <a:bodyPr wrap="square" rtlCol="0">
+                <a:spAutoFit/>
+              </a:bodyPr>
+              <a:lstStyle/>
+              <a:p>
+                <a:pPr lvl="0" algn="just" defTabSz="457200">
+                  <a:spcBef>
+                    <a:spcPct val="20000"/>
+                  </a:spcBef>
+                  <a:spcAft>
+                    <a:spcPts val="600"/>
+                  </a:spcAft>
+                  <a:buClr>
+                    <a:srgbClr val="30ACEC">
+                      <a:lumMod val="75000"/>
+                    </a:srgbClr>
+                  </a:buClr>
+                  <a:buSzPct val="145000"/>
+                </a:pPr>
+                <a:r>
+                  <a:rPr lang="ro-RO" sz="2600" b="1" dirty="0" smtClean="0">
+                    <a:solidFill>
+                      <a:prstClr val="black"/>
+                    </a:solidFill>
+                  </a:rPr>
+                  <a:t>Tehnici de consistență </a:t>
+                </a:r>
+                <a:r>
+                  <a:rPr lang="en-US" sz="2600" b="1" dirty="0" smtClean="0">
+                    <a:solidFill>
+                      <a:prstClr val="black"/>
+                    </a:solidFill>
+                  </a:rPr>
+                  <a:t>:</a:t>
+                </a:r>
+                <a:r>
+                  <a:rPr lang="ro-RO" sz="2600" b="1" dirty="0">
+                    <a:solidFill>
+                      <a:prstClr val="black"/>
+                    </a:solidFill>
+                  </a:rPr>
+                  <a:t>Consistența </a:t>
+                </a:r>
+                <a:r>
+                  <a:rPr lang="ro-RO" sz="2600" b="1" dirty="0" smtClean="0">
+                    <a:solidFill>
+                      <a:prstClr val="black"/>
+                    </a:solidFill>
+                  </a:rPr>
+                  <a:t>arcului</a:t>
+                </a:r>
+                <a:endParaRPr lang="en-US" sz="2600" b="1" dirty="0" smtClean="0">
+                  <a:solidFill>
+                    <a:prstClr val="black"/>
+                  </a:solidFill>
+                </a:endParaRPr>
+              </a:p>
+              <a:p>
+                <a:pPr algn="just"/>
+                <a:r>
+                  <a:rPr lang="ro-RO" sz="2000" b="1" dirty="0"/>
+                  <a:t>Definiti</a:t>
+                </a:r>
+                <a:r>
+                  <a:rPr lang="en-US" sz="2000" b="1" dirty="0"/>
+                  <a:t>e</a:t>
+                </a:r>
+                <a:endParaRPr lang="ro-RO" sz="2000" dirty="0"/>
+              </a:p>
+              <a:p>
+                <a:pPr algn="just"/>
+                <a:r>
+                  <a:rPr lang="ro-RO" sz="2000" dirty="0"/>
+                  <a:t>Fie </a:t>
+                </a:r>
+                <a14:m>
+                  <m:oMath xmlns:m="http://schemas.openxmlformats.org/officeDocument/2006/math">
+                    <m:r>
+                      <a:rPr lang="ro-RO" sz="2000">
+                        <a:latin typeface="Cambria Math" panose="02040503050406030204" pitchFamily="18" charset="0"/>
+                      </a:rPr>
+                      <m:t>𝑃</m:t>
+                    </m:r>
+                    <m:r>
+                      <a:rPr lang="ro-RO" sz="2000">
+                        <a:latin typeface="Cambria Math" panose="02040503050406030204" pitchFamily="18" charset="0"/>
+                      </a:rPr>
+                      <m:t>=(</m:t>
+                    </m:r>
+                    <m:r>
+                      <a:rPr lang="ro-RO" sz="2000">
+                        <a:latin typeface="Cambria Math" panose="02040503050406030204" pitchFamily="18" charset="0"/>
+                      </a:rPr>
+                      <m:t>𝑋</m:t>
+                    </m:r>
+                    <m:r>
+                      <a:rPr lang="ro-RO" sz="2000">
+                        <a:latin typeface="Cambria Math" panose="02040503050406030204" pitchFamily="18" charset="0"/>
+                      </a:rPr>
+                      <m:t>,</m:t>
+                    </m:r>
+                    <m:r>
+                      <a:rPr lang="ro-RO" sz="2000">
+                        <a:latin typeface="Cambria Math" panose="02040503050406030204" pitchFamily="18" charset="0"/>
+                      </a:rPr>
+                      <m:t>𝐷</m:t>
+                    </m:r>
+                    <m:r>
+                      <a:rPr lang="ro-RO" sz="2000">
+                        <a:latin typeface="Cambria Math" panose="02040503050406030204" pitchFamily="18" charset="0"/>
+                      </a:rPr>
+                      <m:t>,</m:t>
+                    </m:r>
+                    <m:r>
+                      <a:rPr lang="ro-RO" sz="2000">
+                        <a:latin typeface="Cambria Math" panose="02040503050406030204" pitchFamily="18" charset="0"/>
+                      </a:rPr>
+                      <m:t>𝐶</m:t>
+                    </m:r>
+                    <m:r>
+                      <a:rPr lang="ro-RO" sz="2000">
+                        <a:latin typeface="Cambria Math" panose="02040503050406030204" pitchFamily="18" charset="0"/>
+                      </a:rPr>
+                      <m:t>)</m:t>
+                    </m:r>
+                  </m:oMath>
+                </a14:m>
+                <a:r>
+                  <a:rPr lang="ro-RO" sz="2000" dirty="0"/>
+                  <a:t> o problema CSP (binara)</a:t>
+                </a:r>
+                <a:r>
+                  <a:rPr lang="ro-RO" b="1" dirty="0"/>
+                  <a:t>	 </a:t>
+                </a:r>
+                <a:endParaRPr lang="ro-RO" dirty="0"/>
+              </a:p>
+              <a:p>
+                <a:pPr algn="just"/>
+                <a:r>
+                  <a:rPr lang="ro-RO" sz="2000" dirty="0"/>
+                  <a:t>Valoarea </a:t>
+                </a:r>
+                <a14:m>
+                  <m:oMath xmlns:m="http://schemas.openxmlformats.org/officeDocument/2006/math">
+                    <m:r>
+                      <m:rPr>
+                        <m:sty m:val="p"/>
+                      </m:rPr>
+                      <a:rPr lang="ro-RO" sz="2000">
+                        <a:latin typeface="Cambria Math" panose="02040503050406030204" pitchFamily="18" charset="0"/>
+                      </a:rPr>
+                      <m:t>a</m:t>
+                    </m:r>
+                    <m:r>
+                      <a:rPr lang="ro-RO" sz="2000">
+                        <a:latin typeface="Cambria Math" panose="02040503050406030204" pitchFamily="18" charset="0"/>
+                      </a:rPr>
+                      <m:t>∈</m:t>
+                    </m:r>
+                    <m:sSub>
+                      <m:sSubPr>
+                        <m:ctrlPr>
+                          <a:rPr lang="ro-RO" sz="2000" i="1">
+                            <a:latin typeface="Cambria Math" panose="02040503050406030204" pitchFamily="18" charset="0"/>
+                          </a:rPr>
+                        </m:ctrlPr>
+                      </m:sSubPr>
+                      <m:e>
+                        <m:r>
+                          <m:rPr>
+                            <m:sty m:val="p"/>
+                          </m:rPr>
+                          <a:rPr lang="ro-RO" sz="2000">
+                            <a:latin typeface="Cambria Math" panose="02040503050406030204" pitchFamily="18" charset="0"/>
+                          </a:rPr>
+                          <m:t>d</m:t>
+                        </m:r>
+                      </m:e>
+                      <m:sub>
+                        <m:r>
+                          <m:rPr>
+                            <m:sty m:val="p"/>
+                          </m:rPr>
+                          <a:rPr lang="ro-RO" sz="2000">
+                            <a:latin typeface="Cambria Math" panose="02040503050406030204" pitchFamily="18" charset="0"/>
+                          </a:rPr>
+                          <m:t>i</m:t>
+                        </m:r>
+                      </m:sub>
+                    </m:sSub>
+                  </m:oMath>
+                </a14:m>
+                <a:r>
+                  <a:rPr lang="ro-RO" sz="2000" dirty="0"/>
+                  <a:t> a variabilei </a:t>
+                </a:r>
+                <a14:m>
+                  <m:oMath xmlns:m="http://schemas.openxmlformats.org/officeDocument/2006/math">
+                    <m:sSub>
+                      <m:sSubPr>
+                        <m:ctrlPr>
+                          <a:rPr lang="ro-RO" sz="2000" i="1">
+                            <a:latin typeface="Cambria Math" panose="02040503050406030204" pitchFamily="18" charset="0"/>
+                          </a:rPr>
+                        </m:ctrlPr>
+                      </m:sSubPr>
+                      <m:e>
+                        <m:r>
+                          <m:rPr>
+                            <m:sty m:val="p"/>
+                          </m:rPr>
+                          <a:rPr lang="ro-RO" sz="2000">
+                            <a:latin typeface="Cambria Math" panose="02040503050406030204" pitchFamily="18" charset="0"/>
+                          </a:rPr>
+                          <m:t>x</m:t>
+                        </m:r>
+                      </m:e>
+                      <m:sub>
+                        <m:r>
+                          <m:rPr>
+                            <m:sty m:val="p"/>
+                          </m:rPr>
+                          <a:rPr lang="ro-RO" sz="2000">
+                            <a:latin typeface="Cambria Math" panose="02040503050406030204" pitchFamily="18" charset="0"/>
+                          </a:rPr>
+                          <m:t>i</m:t>
+                        </m:r>
+                      </m:sub>
+                    </m:sSub>
+                    <m:r>
+                      <a:rPr lang="ro-RO" sz="2000">
+                        <a:latin typeface="Cambria Math" panose="02040503050406030204" pitchFamily="18" charset="0"/>
+                      </a:rPr>
+                      <m:t>∈</m:t>
+                    </m:r>
+                    <m:r>
+                      <m:rPr>
+                        <m:sty m:val="p"/>
+                      </m:rPr>
+                      <a:rPr lang="ro-RO" sz="2000">
+                        <a:latin typeface="Cambria Math" panose="02040503050406030204" pitchFamily="18" charset="0"/>
+                      </a:rPr>
+                      <m:t>X</m:t>
+                    </m:r>
+                  </m:oMath>
+                </a14:m>
+                <a:r>
+                  <a:rPr lang="ro-RO" sz="2000" dirty="0"/>
+                  <a:t> este arc-consistenta cu privire la </a:t>
+                </a:r>
+                <a14:m>
+                  <m:oMath xmlns:m="http://schemas.openxmlformats.org/officeDocument/2006/math">
+                    <m:sSub>
+                      <m:sSubPr>
+                        <m:ctrlPr>
+                          <a:rPr lang="ro-RO" sz="2000" i="1">
+                            <a:latin typeface="Cambria Math" panose="02040503050406030204" pitchFamily="18" charset="0"/>
+                          </a:rPr>
+                        </m:ctrlPr>
+                      </m:sSubPr>
+                      <m:e>
+                        <m:r>
+                          <m:rPr>
+                            <m:sty m:val="p"/>
+                          </m:rPr>
+                          <a:rPr lang="ro-RO" sz="2000">
+                            <a:latin typeface="Cambria Math" panose="02040503050406030204" pitchFamily="18" charset="0"/>
+                          </a:rPr>
+                          <m:t>x</m:t>
+                        </m:r>
+                      </m:e>
+                      <m:sub>
+                        <m:r>
+                          <m:rPr>
+                            <m:sty m:val="p"/>
+                          </m:rPr>
+                          <a:rPr lang="ro-RO" sz="2000">
+                            <a:latin typeface="Cambria Math" panose="02040503050406030204" pitchFamily="18" charset="0"/>
+                          </a:rPr>
+                          <m:t>j</m:t>
+                        </m:r>
+                      </m:sub>
+                    </m:sSub>
+                  </m:oMath>
+                </a14:m>
+                <a:r>
+                  <a:rPr lang="ro-RO" sz="2000" dirty="0"/>
+                  <a:t> dacă există </a:t>
+                </a:r>
+                <a14:m>
+                  <m:oMath xmlns:m="http://schemas.openxmlformats.org/officeDocument/2006/math">
+                    <m:r>
+                      <m:rPr>
+                        <m:sty m:val="p"/>
+                      </m:rPr>
+                      <a:rPr lang="ro-RO" sz="2000">
+                        <a:latin typeface="Cambria Math" panose="02040503050406030204" pitchFamily="18" charset="0"/>
+                      </a:rPr>
+                      <m:t>b</m:t>
+                    </m:r>
+                    <m:r>
+                      <a:rPr lang="ro-RO" sz="2000">
+                        <a:latin typeface="Cambria Math" panose="02040503050406030204" pitchFamily="18" charset="0"/>
+                      </a:rPr>
+                      <m:t> ∈ </m:t>
+                    </m:r>
+                    <m:sSub>
+                      <m:sSubPr>
+                        <m:ctrlPr>
+                          <a:rPr lang="ro-RO" sz="2000" i="1">
+                            <a:latin typeface="Cambria Math" panose="02040503050406030204" pitchFamily="18" charset="0"/>
+                          </a:rPr>
+                        </m:ctrlPr>
+                      </m:sSubPr>
+                      <m:e>
+                        <m:r>
+                          <m:rPr>
+                            <m:sty m:val="p"/>
+                          </m:rPr>
+                          <a:rPr lang="ro-RO" sz="2000">
+                            <a:latin typeface="Cambria Math" panose="02040503050406030204" pitchFamily="18" charset="0"/>
+                          </a:rPr>
+                          <m:t>d</m:t>
+                        </m:r>
+                      </m:e>
+                      <m:sub>
+                        <m:r>
+                          <m:rPr>
+                            <m:sty m:val="p"/>
+                          </m:rPr>
+                          <a:rPr lang="ro-RO" sz="2000">
+                            <a:latin typeface="Cambria Math" panose="02040503050406030204" pitchFamily="18" charset="0"/>
+                          </a:rPr>
+                          <m:t>j</m:t>
+                        </m:r>
+                      </m:sub>
+                    </m:sSub>
+                  </m:oMath>
+                </a14:m>
+                <a:r>
+                  <a:rPr lang="ro-RO" sz="2000" dirty="0"/>
+                  <a:t> astfel încat </a:t>
+                </a:r>
+                <a14:m>
+                  <m:oMath xmlns:m="http://schemas.openxmlformats.org/officeDocument/2006/math">
+                    <m:sSub>
+                      <m:sSubPr>
+                        <m:ctrlPr>
+                          <a:rPr lang="ro-RO" sz="2000" i="1">
+                            <a:latin typeface="Cambria Math" panose="02040503050406030204" pitchFamily="18" charset="0"/>
+                          </a:rPr>
+                        </m:ctrlPr>
+                      </m:sSubPr>
+                      <m:e>
+                        <m:r>
+                          <m:rPr>
+                            <m:sty m:val="p"/>
+                          </m:rPr>
+                          <a:rPr lang="ro-RO" sz="2000">
+                            <a:latin typeface="Cambria Math" panose="02040503050406030204" pitchFamily="18" charset="0"/>
+                          </a:rPr>
+                          <m:t>c</m:t>
+                        </m:r>
+                      </m:e>
+                      <m:sub>
+                        <m:r>
+                          <m:rPr>
+                            <m:sty m:val="p"/>
+                          </m:rPr>
+                          <a:rPr lang="ro-RO" sz="2000">
+                            <a:latin typeface="Cambria Math" panose="02040503050406030204" pitchFamily="18" charset="0"/>
+                          </a:rPr>
+                          <m:t>ij</m:t>
+                        </m:r>
+                      </m:sub>
+                    </m:sSub>
+                    <m:d>
+                      <m:dPr>
+                        <m:ctrlPr>
+                          <a:rPr lang="ro-RO" sz="2000" i="1">
+                            <a:latin typeface="Cambria Math" panose="02040503050406030204" pitchFamily="18" charset="0"/>
+                          </a:rPr>
+                        </m:ctrlPr>
+                      </m:dPr>
+                      <m:e>
+                        <m:r>
+                          <m:rPr>
+                            <m:sty m:val="p"/>
+                          </m:rPr>
+                          <a:rPr lang="ro-RO" sz="2000">
+                            <a:latin typeface="Cambria Math" panose="02040503050406030204" pitchFamily="18" charset="0"/>
+                          </a:rPr>
+                          <m:t>a</m:t>
+                        </m:r>
+                        <m:r>
+                          <a:rPr lang="ro-RO" sz="2000">
+                            <a:latin typeface="Cambria Math" panose="02040503050406030204" pitchFamily="18" charset="0"/>
+                          </a:rPr>
+                          <m:t>,</m:t>
+                        </m:r>
+                        <m:r>
+                          <m:rPr>
+                            <m:sty m:val="p"/>
+                          </m:rPr>
+                          <a:rPr lang="ro-RO" sz="2000">
+                            <a:latin typeface="Cambria Math" panose="02040503050406030204" pitchFamily="18" charset="0"/>
+                          </a:rPr>
+                          <m:t>b</m:t>
+                        </m:r>
+                      </m:e>
+                    </m:d>
+                    <m:r>
+                      <a:rPr lang="ro-RO" sz="2000">
+                        <a:latin typeface="Cambria Math" panose="02040503050406030204" pitchFamily="18" charset="0"/>
+                      </a:rPr>
+                      <m:t>=</m:t>
+                    </m:r>
+                    <m:r>
+                      <m:rPr>
+                        <m:sty m:val="p"/>
+                      </m:rPr>
+                      <a:rPr lang="ro-RO" sz="2000">
+                        <a:latin typeface="Cambria Math" panose="02040503050406030204" pitchFamily="18" charset="0"/>
+                      </a:rPr>
+                      <m:t>true</m:t>
+                    </m:r>
+                  </m:oMath>
+                </a14:m>
+                <a:endParaRPr lang="ro-RO" sz="2000" dirty="0"/>
+              </a:p>
+              <a:p>
+                <a:pPr lvl="0" algn="just" defTabSz="457200">
+                  <a:spcBef>
+                    <a:spcPct val="20000"/>
+                  </a:spcBef>
+                  <a:spcAft>
+                    <a:spcPts val="600"/>
+                  </a:spcAft>
+                  <a:buClr>
+                    <a:srgbClr val="30ACEC">
+                      <a:lumMod val="75000"/>
+                    </a:srgbClr>
+                  </a:buClr>
+                  <a:buSzPct val="145000"/>
+                </a:pPr>
+                <a:endParaRPr lang="en-US" sz="2600" b="1" dirty="0">
+                  <a:solidFill>
+                    <a:prstClr val="black"/>
+                  </a:solidFill>
+                </a:endParaRPr>
+              </a:p>
+            </p:txBody>
+          </p:sp>
+        </mc:Choice>
+        <mc:Fallback>
+          <p:sp>
+            <p:nvSpPr>
+              <p:cNvPr id="6" name="TextBox 5"/>
+              <p:cNvSpPr txBox="1">
+                <a:spLocks noRot="1" noChangeAspect="1" noMove="1" noResize="1" noEditPoints="1" noAdjustHandles="1" noChangeArrowheads="1" noChangeShapeType="1" noTextEdit="1"/>
+              </p:cNvSpPr>
+              <p:nvPr/>
+            </p:nvSpPr>
+            <p:spPr>
+              <a:xfrm>
+                <a:off x="1692322" y="450376"/>
+                <a:ext cx="9389660" cy="2337435"/>
+              </a:xfrm>
+              <a:prstGeom prst="rect">
+                <a:avLst/>
+              </a:prstGeom>
+              <a:blipFill rotWithShape="0">
+                <a:blip r:embed="rId4"/>
+                <a:stretch>
+                  <a:fillRect l="-1169" t="-2089"/>
+                </a:stretch>
+              </a:blipFill>
+            </p:spPr>
+            <p:txBody>
+              <a:bodyPr/>
+              <a:lstStyle/>
+              <a:p>
+                <a:r>
+                  <a:rPr lang="ro-RO">
+                    <a:noFill/>
+                  </a:rPr>
+                  <a:t> </a:t>
+                </a:r>
+              </a:p>
+            </p:txBody>
+          </p:sp>
+        </mc:Fallback>
+      </mc:AlternateContent>
     </p:spTree>
     <p:extLst>
       <p:ext uri="{BB962C8B-B14F-4D97-AF65-F5344CB8AC3E}">
@@ -22405,7 +20851,7 @@
 </p:sld>
 </file>
 
-<file path=ppt/slides/slide9.xml><?xml version="1.0" encoding="utf-8"?>
+<file path=ppt/slides/slide7.xml><?xml version="1.0" encoding="utf-8"?>
 <p:sld xmlns:a="http://schemas.openxmlformats.org/drawingml/2006/main" xmlns:r="http://schemas.openxmlformats.org/officeDocument/2006/relationships" xmlns:p="http://schemas.openxmlformats.org/presentationml/2006/main">
   <p:cSld>
     <p:spTree>
@@ -22875,7 +21321,7 @@
           <a:p>
             <a:fld id="{5B68C770-A467-47E2-B3BA-05511F56B1C3}" type="slidenum">
               <a:rPr lang="ro-RO" smtClean="0"/>
-              <a:t>9</a:t>
+              <a:t>7</a:t>
             </a:fld>
             <a:endParaRPr lang="ro-RO"/>
           </a:p>
@@ -23245,6 +21691,937 @@
     <p:extLst>
       <p:ext uri="{BB962C8B-B14F-4D97-AF65-F5344CB8AC3E}">
         <p14:creationId xmlns:p14="http://schemas.microsoft.com/office/powerpoint/2010/main" val="1511901659"/>
+      </p:ext>
+    </p:extLst>
+  </p:cSld>
+  <p:clrMapOvr>
+    <a:masterClrMapping/>
+  </p:clrMapOvr>
+  <p:timing>
+    <p:tnLst>
+      <p:par>
+        <p:cTn id="1" dur="indefinite" restart="never" nodeType="tmRoot"/>
+      </p:par>
+    </p:tnLst>
+  </p:timing>
+</p:sld>
+</file>
+
+<file path=ppt/slides/slide8.xml><?xml version="1.0" encoding="utf-8"?>
+<p:sld xmlns:a="http://schemas.openxmlformats.org/drawingml/2006/main" xmlns:r="http://schemas.openxmlformats.org/officeDocument/2006/relationships" xmlns:p="http://schemas.openxmlformats.org/presentationml/2006/main">
+  <p:cSld>
+    <p:spTree>
+      <p:nvGrpSpPr>
+        <p:cNvPr id="1" name=""/>
+        <p:cNvGrpSpPr/>
+        <p:nvPr/>
+      </p:nvGrpSpPr>
+      <p:grpSpPr>
+        <a:xfrm>
+          <a:off x="0" y="0"/>
+          <a:ext cx="0" cy="0"/>
+          <a:chOff x="0" y="0"/>
+          <a:chExt cx="0" cy="0"/>
+        </a:xfrm>
+      </p:grpSpPr>
+      <p:sp>
+        <p:nvSpPr>
+          <p:cNvPr id="2" name="Title 1"/>
+          <p:cNvSpPr>
+            <a:spLocks noGrp="1"/>
+          </p:cNvSpPr>
+          <p:nvPr>
+            <p:ph type="title"/>
+          </p:nvPr>
+        </p:nvSpPr>
+        <p:spPr>
+          <a:xfrm>
+            <a:off x="1484310" y="119743"/>
+            <a:ext cx="10018713" cy="1752599"/>
+          </a:xfrm>
+        </p:spPr>
+        <p:txBody>
+          <a:bodyPr/>
+          <a:lstStyle/>
+          <a:p>
+            <a:r>
+              <a:rPr lang="ro-RO" sz="4400" b="1" dirty="0"/>
+              <a:t>Programarea bazată pe constrângeri</a:t>
+            </a:r>
+            <a:r>
+              <a:rPr lang="en-US" dirty="0"/>
+              <a:t/>
+            </a:r>
+            <a:br>
+              <a:rPr lang="en-US" dirty="0"/>
+            </a:br>
+            <a:endParaRPr lang="ro-RO" dirty="0"/>
+          </a:p>
+        </p:txBody>
+      </p:sp>
+      <p:sp>
+        <p:nvSpPr>
+          <p:cNvPr id="3" name="Content Placeholder 2"/>
+          <p:cNvSpPr>
+            <a:spLocks noGrp="1"/>
+          </p:cNvSpPr>
+          <p:nvPr>
+            <p:ph idx="1"/>
+          </p:nvPr>
+        </p:nvSpPr>
+        <p:spPr>
+          <a:xfrm>
+            <a:off x="1484310" y="1872342"/>
+            <a:ext cx="10018713" cy="3715658"/>
+          </a:xfrm>
+        </p:spPr>
+        <p:txBody>
+          <a:bodyPr>
+            <a:normAutofit/>
+          </a:bodyPr>
+          <a:lstStyle/>
+          <a:p>
+            <a:pPr marL="0" indent="0">
+              <a:buNone/>
+            </a:pPr>
+            <a:r>
+              <a:rPr lang="ro-RO" sz="3200" b="1" dirty="0" smtClean="0"/>
+              <a:t>Căutarea</a:t>
+            </a:r>
+            <a:r>
+              <a:rPr lang="en-US" sz="3200" b="1" dirty="0" smtClean="0"/>
+              <a:t> </a:t>
+            </a:r>
+            <a:r>
+              <a:rPr lang="ro-RO" sz="3200" b="1" dirty="0" smtClean="0"/>
+              <a:t>sistematică</a:t>
+            </a:r>
+          </a:p>
+          <a:p>
+            <a:pPr marL="0" indent="0">
+              <a:buNone/>
+            </a:pPr>
+            <a:r>
+              <a:rPr lang="ro-RO" b="1" dirty="0" smtClean="0"/>
+              <a:t>1.Algoritmul </a:t>
+            </a:r>
+            <a:r>
+              <a:rPr lang="ro-RO" b="1" dirty="0"/>
+              <a:t>generate-and-test (GT) </a:t>
+            </a:r>
+            <a:r>
+              <a:rPr lang="en-US" dirty="0" smtClean="0"/>
+              <a:t>:</a:t>
+            </a:r>
+            <a:r>
+              <a:rPr lang="ro-RO" dirty="0"/>
+              <a:t>algoritm generic slab care se utilizează dacă totul esuează </a:t>
+            </a:r>
+            <a:endParaRPr lang="en-US" dirty="0" smtClean="0"/>
+          </a:p>
+          <a:p>
+            <a:pPr marL="0" indent="0">
+              <a:buNone/>
+            </a:pPr>
+            <a:r>
+              <a:rPr lang="en-US" b="1" dirty="0" smtClean="0"/>
+              <a:t>2.Backtracking:</a:t>
+            </a:r>
+            <a:r>
+              <a:rPr lang="ro-RO" dirty="0" smtClean="0"/>
+              <a:t>construi</a:t>
+            </a:r>
+            <a:r>
+              <a:rPr lang="en-US" dirty="0" smtClean="0"/>
+              <a:t>e</a:t>
+            </a:r>
+            <a:r>
+              <a:rPr lang="ro-RO" dirty="0" smtClean="0"/>
+              <a:t>ște incremental soluții-candidat</a:t>
+            </a:r>
+            <a:r>
+              <a:rPr lang="ro-RO" dirty="0"/>
+              <a:t>, abandonând fiecare candidat parțial imediat ce devine clar că acesta nu are șanse să devină o soluție </a:t>
+            </a:r>
+            <a:r>
+              <a:rPr lang="ro-RO" dirty="0" smtClean="0"/>
+              <a:t>validă</a:t>
+            </a:r>
+            <a:endParaRPr lang="en-US" dirty="0" smtClean="0"/>
+          </a:p>
+          <a:p>
+            <a:pPr marL="0" indent="0">
+              <a:buNone/>
+            </a:pPr>
+            <a:r>
+              <a:rPr lang="en-US" b="1" dirty="0" smtClean="0"/>
+              <a:t>3.Backjumping: </a:t>
+            </a:r>
+            <a:r>
+              <a:rPr lang="it-IT" dirty="0"/>
+              <a:t>identifică vinovatul de obținerea unei asignări complete inconsistente </a:t>
+            </a:r>
+            <a:endParaRPr lang="ro-RO" b="1" dirty="0"/>
+          </a:p>
+        </p:txBody>
+      </p:sp>
+      <p:sp>
+        <p:nvSpPr>
+          <p:cNvPr id="4" name="Slide Number Placeholder 3"/>
+          <p:cNvSpPr>
+            <a:spLocks noGrp="1"/>
+          </p:cNvSpPr>
+          <p:nvPr>
+            <p:ph type="sldNum" sz="quarter" idx="12"/>
+          </p:nvPr>
+        </p:nvSpPr>
+        <p:spPr/>
+        <p:txBody>
+          <a:bodyPr/>
+          <a:lstStyle/>
+          <a:p>
+            <a:fld id="{5B68C770-A467-47E2-B3BA-05511F56B1C3}" type="slidenum">
+              <a:rPr lang="ro-RO" smtClean="0"/>
+              <a:t>8</a:t>
+            </a:fld>
+            <a:endParaRPr lang="ro-RO"/>
+          </a:p>
+        </p:txBody>
+      </p:sp>
+    </p:spTree>
+    <p:extLst>
+      <p:ext uri="{BB962C8B-B14F-4D97-AF65-F5344CB8AC3E}">
+        <p14:creationId xmlns:p14="http://schemas.microsoft.com/office/powerpoint/2010/main" val="1036965517"/>
+      </p:ext>
+    </p:extLst>
+  </p:cSld>
+  <p:clrMapOvr>
+    <a:masterClrMapping/>
+  </p:clrMapOvr>
+  <p:timing>
+    <p:tnLst>
+      <p:par>
+        <p:cTn id="1" dur="indefinite" restart="never" nodeType="tmRoot"/>
+      </p:par>
+    </p:tnLst>
+  </p:timing>
+</p:sld>
+</file>
+
+<file path=ppt/slides/slide9.xml><?xml version="1.0" encoding="utf-8"?>
+<p:sld xmlns:a="http://schemas.openxmlformats.org/drawingml/2006/main" xmlns:r="http://schemas.openxmlformats.org/officeDocument/2006/relationships" xmlns:p="http://schemas.openxmlformats.org/presentationml/2006/main">
+  <p:cSld>
+    <p:spTree>
+      <p:nvGrpSpPr>
+        <p:cNvPr id="1" name=""/>
+        <p:cNvGrpSpPr/>
+        <p:nvPr/>
+      </p:nvGrpSpPr>
+      <p:grpSpPr>
+        <a:xfrm>
+          <a:off x="0" y="0"/>
+          <a:ext cx="0" cy="0"/>
+          <a:chOff x="0" y="0"/>
+          <a:chExt cx="0" cy="0"/>
+        </a:xfrm>
+      </p:grpSpPr>
+      <p:sp>
+        <p:nvSpPr>
+          <p:cNvPr id="2" name="Title 1"/>
+          <p:cNvSpPr>
+            <a:spLocks noGrp="1"/>
+          </p:cNvSpPr>
+          <p:nvPr>
+            <p:ph type="title"/>
+          </p:nvPr>
+        </p:nvSpPr>
+        <p:spPr>
+          <a:xfrm>
+            <a:off x="1208726" y="-326572"/>
+            <a:ext cx="10018713" cy="1752599"/>
+          </a:xfrm>
+        </p:spPr>
+        <p:txBody>
+          <a:bodyPr/>
+          <a:lstStyle/>
+          <a:p>
+            <a:r>
+              <a:rPr lang="ro-RO" b="1" dirty="0"/>
+              <a:t>Programarea bazată pe constrângeri</a:t>
+            </a:r>
+            <a:endParaRPr lang="ro-RO" dirty="0"/>
+          </a:p>
+        </p:txBody>
+      </p:sp>
+      <p:sp>
+        <p:nvSpPr>
+          <p:cNvPr id="3" name="Content Placeholder 2"/>
+          <p:cNvSpPr>
+            <a:spLocks noGrp="1"/>
+          </p:cNvSpPr>
+          <p:nvPr>
+            <p:ph idx="1"/>
+          </p:nvPr>
+        </p:nvSpPr>
+        <p:spPr>
+          <a:xfrm>
+            <a:off x="3951737" y="943428"/>
+            <a:ext cx="4335919" cy="787401"/>
+          </a:xfrm>
+        </p:spPr>
+        <p:txBody>
+          <a:bodyPr/>
+          <a:lstStyle/>
+          <a:p>
+            <a:pPr marL="0" indent="0">
+              <a:buNone/>
+            </a:pPr>
+            <a:r>
+              <a:rPr lang="en-US" dirty="0" smtClean="0"/>
+              <a:t>Backtracking vs</a:t>
+            </a:r>
+            <a:r>
+              <a:rPr lang="en-US" dirty="0"/>
+              <a:t>. </a:t>
+            </a:r>
+            <a:r>
+              <a:rPr lang="ro-RO" dirty="0" smtClean="0"/>
+              <a:t>Backjumping</a:t>
+            </a:r>
+            <a:endParaRPr lang="ro-RO" dirty="0"/>
+          </a:p>
+        </p:txBody>
+      </p:sp>
+      <p:sp>
+        <p:nvSpPr>
+          <p:cNvPr id="4" name="Slide Number Placeholder 3"/>
+          <p:cNvSpPr>
+            <a:spLocks noGrp="1"/>
+          </p:cNvSpPr>
+          <p:nvPr>
+            <p:ph type="sldNum" sz="quarter" idx="12"/>
+          </p:nvPr>
+        </p:nvSpPr>
+        <p:spPr/>
+        <p:txBody>
+          <a:bodyPr/>
+          <a:lstStyle/>
+          <a:p>
+            <a:fld id="{5B68C770-A467-47E2-B3BA-05511F56B1C3}" type="slidenum">
+              <a:rPr lang="ro-RO" smtClean="0"/>
+              <a:t>9</a:t>
+            </a:fld>
+            <a:endParaRPr lang="ro-RO"/>
+          </a:p>
+        </p:txBody>
+      </p:sp>
+      <p:pic>
+        <p:nvPicPr>
+          <p:cNvPr id="5" name="Picture 4"/>
+          <p:cNvPicPr>
+            <a:picLocks noChangeAspect="1"/>
+          </p:cNvPicPr>
+          <p:nvPr/>
+        </p:nvPicPr>
+        <p:blipFill>
+          <a:blip r:embed="rId2">
+            <a:extLst>
+              <a:ext uri="{28A0092B-C50C-407E-A947-70E740481C1C}">
+                <a14:useLocalDpi xmlns:a14="http://schemas.microsoft.com/office/drawing/2010/main" val="0"/>
+              </a:ext>
+            </a:extLst>
+          </a:blip>
+          <a:stretch>
+            <a:fillRect/>
+          </a:stretch>
+        </p:blipFill>
+        <p:spPr>
+          <a:xfrm>
+            <a:off x="2188531" y="1730829"/>
+            <a:ext cx="4081639" cy="4569484"/>
+          </a:xfrm>
+          <a:prstGeom prst="rect">
+            <a:avLst/>
+          </a:prstGeom>
+        </p:spPr>
+      </p:pic>
+      <mc:AlternateContent xmlns:mc="http://schemas.openxmlformats.org/markup-compatibility/2006" xmlns:a14="http://schemas.microsoft.com/office/drawing/2010/main">
+        <mc:Choice Requires="a14">
+          <p:sp>
+            <p:nvSpPr>
+              <p:cNvPr id="6" name="TextBox 5"/>
+              <p:cNvSpPr txBox="1"/>
+              <p:nvPr/>
+            </p:nvSpPr>
+            <p:spPr>
+              <a:xfrm>
+                <a:off x="4621235" y="2199872"/>
+                <a:ext cx="7692571" cy="1522083"/>
+              </a:xfrm>
+              <a:prstGeom prst="rect">
+                <a:avLst/>
+              </a:prstGeom>
+              <a:noFill/>
+            </p:spPr>
+            <p:txBody>
+              <a:bodyPr wrap="square" rtlCol="0">
+                <a:spAutoFit/>
+              </a:bodyPr>
+              <a:lstStyle/>
+              <a:p>
+                <a:pPr algn="just">
+                  <a:lnSpc>
+                    <a:spcPct val="107000"/>
+                  </a:lnSpc>
+                  <a:spcAft>
+                    <a:spcPts val="0"/>
+                  </a:spcAft>
+                  <a:tabLst>
+                    <a:tab pos="1285875" algn="l"/>
+                  </a:tabLst>
+                </a:pPr>
+                <a:r>
+                  <a:rPr lang="en-US" dirty="0" smtClean="0">
+                    <a:latin typeface="Calibri" panose="020F0502020204030204" pitchFamily="34" charset="0"/>
+                    <a:ea typeface="Calibri" panose="020F0502020204030204" pitchFamily="34" charset="0"/>
+                    <a:cs typeface="Times New Roman" panose="02020603050405020304" pitchFamily="18" charset="0"/>
+                  </a:rPr>
+                  <a:t>  </a:t>
+                </a:r>
+                <a:r>
+                  <a:rPr lang="ro-RO" dirty="0" smtClean="0">
+                    <a:latin typeface="Calibri" panose="020F0502020204030204" pitchFamily="34" charset="0"/>
+                    <a:ea typeface="Calibri" panose="020F0502020204030204" pitchFamily="34" charset="0"/>
+                    <a:cs typeface="Times New Roman" panose="02020603050405020304" pitchFamily="18" charset="0"/>
+                  </a:rPr>
+                  <a:t>Variabile : </a:t>
+                </a:r>
+                <a14:m>
+                  <m:oMath xmlns:m="http://schemas.openxmlformats.org/officeDocument/2006/math">
+                    <m:r>
+                      <a:rPr lang="ro-RO" i="1">
+                        <a:effectLst/>
+                        <a:latin typeface="Cambria Math" panose="02040503050406030204" pitchFamily="18" charset="0"/>
+                        <a:ea typeface="Calibri" panose="020F0502020204030204" pitchFamily="34" charset="0"/>
+                        <a:cs typeface="Times New Roman" panose="02020603050405020304" pitchFamily="18" charset="0"/>
+                      </a:rPr>
+                      <m:t>𝑥</m:t>
+                    </m:r>
+                    <m:r>
+                      <a:rPr lang="ro-RO" i="1">
+                        <a:effectLst/>
+                        <a:latin typeface="Cambria Math" panose="02040503050406030204" pitchFamily="18" charset="0"/>
+                        <a:ea typeface="Calibri" panose="020F0502020204030204" pitchFamily="34" charset="0"/>
+                        <a:cs typeface="Times New Roman" panose="02020603050405020304" pitchFamily="18" charset="0"/>
+                      </a:rPr>
+                      <m:t>,</m:t>
+                    </m:r>
+                    <m:r>
+                      <a:rPr lang="ro-RO" i="1">
+                        <a:effectLst/>
+                        <a:latin typeface="Cambria Math" panose="02040503050406030204" pitchFamily="18" charset="0"/>
+                        <a:ea typeface="Calibri" panose="020F0502020204030204" pitchFamily="34" charset="0"/>
+                        <a:cs typeface="Times New Roman" panose="02020603050405020304" pitchFamily="18" charset="0"/>
+                      </a:rPr>
+                      <m:t>𝑦</m:t>
+                    </m:r>
+                    <m:r>
+                      <a:rPr lang="ro-RO" i="1">
+                        <a:effectLst/>
+                        <a:latin typeface="Cambria Math" panose="02040503050406030204" pitchFamily="18" charset="0"/>
+                        <a:ea typeface="Calibri" panose="020F0502020204030204" pitchFamily="34" charset="0"/>
+                        <a:cs typeface="Times New Roman" panose="02020603050405020304" pitchFamily="18" charset="0"/>
+                      </a:rPr>
+                      <m:t>,</m:t>
+                    </m:r>
+                    <m:r>
+                      <a:rPr lang="ro-RO" i="1">
+                        <a:effectLst/>
+                        <a:latin typeface="Cambria Math" panose="02040503050406030204" pitchFamily="18" charset="0"/>
+                        <a:ea typeface="Calibri" panose="020F0502020204030204" pitchFamily="34" charset="0"/>
+                        <a:cs typeface="Times New Roman" panose="02020603050405020304" pitchFamily="18" charset="0"/>
+                      </a:rPr>
+                      <m:t>𝑧</m:t>
+                    </m:r>
+                  </m:oMath>
+                </a14:m>
+                <a:r>
+                  <a:rPr lang="ro-RO" dirty="0">
+                    <a:effectLst/>
+                    <a:latin typeface="Calibri" panose="020F0502020204030204" pitchFamily="34" charset="0"/>
+                    <a:ea typeface="Times New Roman" panose="02020603050405020304" pitchFamily="18" charset="0"/>
+                    <a:cs typeface="Times New Roman" panose="02020603050405020304" pitchFamily="18" charset="0"/>
+                  </a:rPr>
+                  <a:t>,t;</a:t>
+                </a:r>
+                <a:endParaRPr lang="ro-RO" sz="1600" dirty="0">
+                  <a:effectLst/>
+                  <a:latin typeface="Calibri" panose="020F0502020204030204" pitchFamily="34" charset="0"/>
+                  <a:ea typeface="Calibri" panose="020F0502020204030204" pitchFamily="34" charset="0"/>
+                  <a:cs typeface="Times New Roman" panose="02020603050405020304" pitchFamily="18" charset="0"/>
+                </a:endParaRPr>
+              </a:p>
+              <a:p>
+                <a:pPr/>
+                <a14:m>
+                  <m:oMathPara xmlns:m="http://schemas.openxmlformats.org/officeDocument/2006/math">
+                    <m:oMathParaPr>
+                      <m:jc m:val="centerGroup"/>
+                    </m:oMathParaPr>
+                    <m:oMath xmlns:m="http://schemas.openxmlformats.org/officeDocument/2006/math">
+                      <m:sSub>
+                        <m:sSubPr>
+                          <m:ctrlPr>
+                            <a:rPr lang="ro-RO" i="1">
+                              <a:latin typeface="Cambria Math" panose="02040503050406030204" pitchFamily="18" charset="0"/>
+                            </a:rPr>
+                          </m:ctrlPr>
+                        </m:sSubPr>
+                        <m:e>
+                          <m:r>
+                            <a:rPr lang="ro-RO" i="1">
+                              <a:latin typeface="Cambria Math" panose="02040503050406030204" pitchFamily="18" charset="0"/>
+                            </a:rPr>
+                            <m:t>𝐷</m:t>
+                          </m:r>
+                        </m:e>
+                        <m:sub>
+                          <m:r>
+                            <a:rPr lang="ro-RO" i="1">
+                              <a:latin typeface="Cambria Math" panose="02040503050406030204" pitchFamily="18" charset="0"/>
+                            </a:rPr>
+                            <m:t>𝑥</m:t>
+                          </m:r>
+                        </m:sub>
+                      </m:sSub>
+                      <m:r>
+                        <a:rPr lang="ro-RO" i="1">
+                          <a:latin typeface="Cambria Math" panose="02040503050406030204" pitchFamily="18" charset="0"/>
+                        </a:rPr>
+                        <m:t>=</m:t>
+                      </m:r>
+                      <m:d>
+                        <m:dPr>
+                          <m:begChr m:val="{"/>
+                          <m:endChr m:val="}"/>
+                          <m:ctrlPr>
+                            <a:rPr lang="ro-RO" i="1">
+                              <a:latin typeface="Cambria Math" panose="02040503050406030204" pitchFamily="18" charset="0"/>
+                            </a:rPr>
+                          </m:ctrlPr>
+                        </m:dPr>
+                        <m:e>
+                          <m:r>
+                            <a:rPr lang="ro-RO" i="1">
+                              <a:latin typeface="Cambria Math" panose="02040503050406030204" pitchFamily="18" charset="0"/>
+                            </a:rPr>
+                            <m:t>𝑏𝑙𝑎𝑐𝑘</m:t>
+                          </m:r>
+                          <m:r>
+                            <a:rPr lang="ro-RO" i="1">
+                              <a:latin typeface="Cambria Math" panose="02040503050406030204" pitchFamily="18" charset="0"/>
+                            </a:rPr>
+                            <m:t>,</m:t>
+                          </m:r>
+                          <m:r>
+                            <a:rPr lang="ro-RO" i="1">
+                              <a:latin typeface="Cambria Math" panose="02040503050406030204" pitchFamily="18" charset="0"/>
+                            </a:rPr>
+                            <m:t>𝑦𝑒𝑙𝑙𝑜𝑤</m:t>
+                          </m:r>
+                        </m:e>
+                      </m:d>
+                      <m:r>
+                        <a:rPr lang="ro-RO" i="1">
+                          <a:latin typeface="Cambria Math" panose="02040503050406030204" pitchFamily="18" charset="0"/>
+                        </a:rPr>
+                        <m:t>, </m:t>
+                      </m:r>
+                      <m:sSub>
+                        <m:sSubPr>
+                          <m:ctrlPr>
+                            <a:rPr lang="ro-RO" i="1">
+                              <a:latin typeface="Cambria Math" panose="02040503050406030204" pitchFamily="18" charset="0"/>
+                            </a:rPr>
+                          </m:ctrlPr>
+                        </m:sSubPr>
+                        <m:e>
+                          <m:r>
+                            <a:rPr lang="ro-RO" i="1">
+                              <a:latin typeface="Cambria Math" panose="02040503050406030204" pitchFamily="18" charset="0"/>
+                            </a:rPr>
+                            <m:t>𝐷</m:t>
+                          </m:r>
+                        </m:e>
+                        <m:sub>
+                          <m:r>
+                            <a:rPr lang="ro-RO" i="1">
+                              <a:latin typeface="Cambria Math" panose="02040503050406030204" pitchFamily="18" charset="0"/>
+                            </a:rPr>
+                            <m:t>𝑦</m:t>
+                          </m:r>
+                        </m:sub>
+                      </m:sSub>
+                      <m:r>
+                        <a:rPr lang="ro-RO" i="1">
+                          <a:latin typeface="Cambria Math" panose="02040503050406030204" pitchFamily="18" charset="0"/>
+                        </a:rPr>
+                        <m:t>=</m:t>
+                      </m:r>
+                      <m:d>
+                        <m:dPr>
+                          <m:begChr m:val="{"/>
+                          <m:endChr m:val="}"/>
+                          <m:ctrlPr>
+                            <a:rPr lang="ro-RO" i="1">
+                              <a:latin typeface="Cambria Math" panose="02040503050406030204" pitchFamily="18" charset="0"/>
+                            </a:rPr>
+                          </m:ctrlPr>
+                        </m:dPr>
+                        <m:e>
+                          <m:r>
+                            <a:rPr lang="ro-RO" i="1">
+                              <a:latin typeface="Cambria Math" panose="02040503050406030204" pitchFamily="18" charset="0"/>
+                            </a:rPr>
+                            <m:t>𝑟𝑒𝑑</m:t>
+                          </m:r>
+                          <m:r>
+                            <a:rPr lang="ro-RO" i="1">
+                              <a:latin typeface="Cambria Math" panose="02040503050406030204" pitchFamily="18" charset="0"/>
+                            </a:rPr>
+                            <m:t>,</m:t>
+                          </m:r>
+                          <m:r>
+                            <a:rPr lang="ro-RO" i="1">
+                              <a:latin typeface="Cambria Math" panose="02040503050406030204" pitchFamily="18" charset="0"/>
+                            </a:rPr>
+                            <m:t>𝑔𝑟𝑒𝑒𝑛</m:t>
+                          </m:r>
+                        </m:e>
+                      </m:d>
+                      <m:r>
+                        <a:rPr lang="ro-RO" i="1">
+                          <a:latin typeface="Cambria Math" panose="02040503050406030204" pitchFamily="18" charset="0"/>
+                        </a:rPr>
+                        <m:t>, </m:t>
+                      </m:r>
+                      <m:sSub>
+                        <m:sSubPr>
+                          <m:ctrlPr>
+                            <a:rPr lang="ro-RO" i="1">
+                              <a:latin typeface="Cambria Math" panose="02040503050406030204" pitchFamily="18" charset="0"/>
+                            </a:rPr>
+                          </m:ctrlPr>
+                        </m:sSubPr>
+                        <m:e>
+                          <m:r>
+                            <a:rPr lang="ro-RO" i="1">
+                              <a:latin typeface="Cambria Math" panose="02040503050406030204" pitchFamily="18" charset="0"/>
+                            </a:rPr>
+                            <m:t>𝐷</m:t>
+                          </m:r>
+                        </m:e>
+                        <m:sub>
+                          <m:r>
+                            <a:rPr lang="ro-RO" i="1">
+                              <a:latin typeface="Cambria Math" panose="02040503050406030204" pitchFamily="18" charset="0"/>
+                            </a:rPr>
+                            <m:t>𝑧</m:t>
+                          </m:r>
+                        </m:sub>
+                      </m:sSub>
+                      <m:r>
+                        <a:rPr lang="ro-RO" i="1">
+                          <a:latin typeface="Cambria Math" panose="02040503050406030204" pitchFamily="18" charset="0"/>
+                        </a:rPr>
+                        <m:t>=</m:t>
+                      </m:r>
+                      <m:d>
+                        <m:dPr>
+                          <m:begChr m:val="{"/>
+                          <m:endChr m:val="}"/>
+                          <m:ctrlPr>
+                            <a:rPr lang="ro-RO" i="1">
+                              <a:latin typeface="Cambria Math" panose="02040503050406030204" pitchFamily="18" charset="0"/>
+                            </a:rPr>
+                          </m:ctrlPr>
+                        </m:dPr>
+                        <m:e>
+                          <m:r>
+                            <a:rPr lang="ro-RO" i="1">
+                              <a:latin typeface="Cambria Math" panose="02040503050406030204" pitchFamily="18" charset="0"/>
+                            </a:rPr>
+                            <m:t>𝑏𝑙𝑢𝑒</m:t>
+                          </m:r>
+                          <m:r>
+                            <a:rPr lang="ro-RO" i="1">
+                              <a:latin typeface="Cambria Math" panose="02040503050406030204" pitchFamily="18" charset="0"/>
+                            </a:rPr>
+                            <m:t>,</m:t>
+                          </m:r>
+                          <m:r>
+                            <a:rPr lang="ro-RO" i="1">
+                              <a:latin typeface="Cambria Math" panose="02040503050406030204" pitchFamily="18" charset="0"/>
+                            </a:rPr>
+                            <m:t>𝑔𝑟𝑒𝑒𝑛</m:t>
+                          </m:r>
+                        </m:e>
+                      </m:d>
+                      <m:r>
+                        <a:rPr lang="ro-RO" i="1">
+                          <a:latin typeface="Cambria Math" panose="02040503050406030204" pitchFamily="18" charset="0"/>
+                        </a:rPr>
+                        <m:t>, </m:t>
+                      </m:r>
+                      <m:sSub>
+                        <m:sSubPr>
+                          <m:ctrlPr>
+                            <a:rPr lang="ro-RO" i="1">
+                              <a:latin typeface="Cambria Math" panose="02040503050406030204" pitchFamily="18" charset="0"/>
+                            </a:rPr>
+                          </m:ctrlPr>
+                        </m:sSubPr>
+                        <m:e>
+                          <m:r>
+                            <a:rPr lang="ro-RO" i="1">
+                              <a:latin typeface="Cambria Math" panose="02040503050406030204" pitchFamily="18" charset="0"/>
+                            </a:rPr>
+                            <m:t>𝐷</m:t>
+                          </m:r>
+                        </m:e>
+                        <m:sub>
+                          <m:r>
+                            <a:rPr lang="ro-RO" i="1">
+                              <a:latin typeface="Cambria Math" panose="02040503050406030204" pitchFamily="18" charset="0"/>
+                            </a:rPr>
+                            <m:t>𝑡</m:t>
+                          </m:r>
+                        </m:sub>
+                      </m:sSub>
+                      <m:r>
+                        <a:rPr lang="ro-RO" i="1">
+                          <a:latin typeface="Cambria Math" panose="02040503050406030204" pitchFamily="18" charset="0"/>
+                        </a:rPr>
+                        <m:t>=</m:t>
+                      </m:r>
+                      <m:d>
+                        <m:dPr>
+                          <m:begChr m:val="{"/>
+                          <m:endChr m:val="}"/>
+                          <m:ctrlPr>
+                            <a:rPr lang="ro-RO" i="1">
+                              <a:latin typeface="Cambria Math" panose="02040503050406030204" pitchFamily="18" charset="0"/>
+                            </a:rPr>
+                          </m:ctrlPr>
+                        </m:dPr>
+                        <m:e>
+                          <m:r>
+                            <a:rPr lang="ro-RO" i="1">
+                              <a:latin typeface="Cambria Math" panose="02040503050406030204" pitchFamily="18" charset="0"/>
+                            </a:rPr>
+                            <m:t>𝑏𝑙𝑎𝑐𝑘</m:t>
+                          </m:r>
+                        </m:e>
+                      </m:d>
+                      <m:r>
+                        <a:rPr lang="ro-RO" i="1">
+                          <a:latin typeface="Cambria Math" panose="02040503050406030204" pitchFamily="18" charset="0"/>
+                        </a:rPr>
+                        <m:t> </m:t>
+                      </m:r>
+                    </m:oMath>
+                  </m:oMathPara>
+                </a14:m>
+                <a:endParaRPr lang="en-US" dirty="0" smtClean="0"/>
+              </a:p>
+              <a:p>
+                <a:r>
+                  <a:rPr lang="en-US" dirty="0" smtClean="0"/>
+                  <a:t>   </a:t>
+                </a:r>
+                <a:r>
+                  <a:rPr lang="ro-RO" dirty="0" smtClean="0"/>
+                  <a:t>Constrangerile</a:t>
+                </a:r>
+                <a:r>
+                  <a:rPr lang="ro-RO" dirty="0"/>
+                  <a:t>: </a:t>
+                </a:r>
+                <a14:m>
+                  <m:oMath xmlns:m="http://schemas.openxmlformats.org/officeDocument/2006/math">
+                    <m:r>
+                      <a:rPr lang="ro-RO" i="1">
+                        <a:latin typeface="Cambria Math" panose="02040503050406030204" pitchFamily="18" charset="0"/>
+                      </a:rPr>
+                      <m:t>𝑥</m:t>
+                    </m:r>
+                    <m:r>
+                      <a:rPr lang="ro-RO" i="1">
+                        <a:latin typeface="Cambria Math" panose="02040503050406030204" pitchFamily="18" charset="0"/>
+                      </a:rPr>
+                      <m:t>≠</m:t>
+                    </m:r>
+                    <m:r>
+                      <a:rPr lang="ro-RO" i="1">
+                        <a:latin typeface="Cambria Math" panose="02040503050406030204" pitchFamily="18" charset="0"/>
+                      </a:rPr>
+                      <m:t>𝑧</m:t>
+                    </m:r>
+                    <m:r>
+                      <a:rPr lang="ro-RO" i="1">
+                        <a:latin typeface="Cambria Math" panose="02040503050406030204" pitchFamily="18" charset="0"/>
+                      </a:rPr>
+                      <m:t> ,  </m:t>
+                    </m:r>
+                    <m:r>
+                      <a:rPr lang="ro-RO" i="1">
+                        <a:latin typeface="Cambria Math" panose="02040503050406030204" pitchFamily="18" charset="0"/>
+                      </a:rPr>
+                      <m:t>𝑧</m:t>
+                    </m:r>
+                    <m:r>
+                      <a:rPr lang="ro-RO" i="1">
+                        <a:latin typeface="Cambria Math" panose="02040503050406030204" pitchFamily="18" charset="0"/>
+                      </a:rPr>
+                      <m:t>≠</m:t>
+                    </m:r>
+                    <m:r>
+                      <a:rPr lang="ro-RO" i="1">
+                        <a:latin typeface="Cambria Math" panose="02040503050406030204" pitchFamily="18" charset="0"/>
+                      </a:rPr>
+                      <m:t>𝑡</m:t>
+                    </m:r>
+                    <m:r>
+                      <a:rPr lang="ro-RO" i="1">
+                        <a:latin typeface="Cambria Math" panose="02040503050406030204" pitchFamily="18" charset="0"/>
+                      </a:rPr>
+                      <m:t> ,  </m:t>
+                    </m:r>
+                    <m:r>
+                      <a:rPr lang="ro-RO" i="1">
+                        <a:latin typeface="Cambria Math" panose="02040503050406030204" pitchFamily="18" charset="0"/>
+                      </a:rPr>
+                      <m:t>𝑧</m:t>
+                    </m:r>
+                    <m:r>
+                      <a:rPr lang="ro-RO" i="1">
+                        <a:latin typeface="Cambria Math" panose="02040503050406030204" pitchFamily="18" charset="0"/>
+                      </a:rPr>
+                      <m:t>≠</m:t>
+                    </m:r>
+                    <m:r>
+                      <a:rPr lang="ro-RO" i="1">
+                        <a:latin typeface="Cambria Math" panose="02040503050406030204" pitchFamily="18" charset="0"/>
+                      </a:rPr>
+                      <m:t>𝑦</m:t>
+                    </m:r>
+                    <m:r>
+                      <a:rPr lang="ro-RO" i="1">
+                        <a:latin typeface="Cambria Math" panose="02040503050406030204" pitchFamily="18" charset="0"/>
+                      </a:rPr>
+                      <m:t> , </m:t>
+                    </m:r>
+                    <m:r>
+                      <a:rPr lang="ro-RO" i="1">
+                        <a:latin typeface="Cambria Math" panose="02040503050406030204" pitchFamily="18" charset="0"/>
+                      </a:rPr>
+                      <m:t>𝑦</m:t>
+                    </m:r>
+                    <m:r>
+                      <a:rPr lang="ro-RO" i="1">
+                        <a:latin typeface="Cambria Math" panose="02040503050406030204" pitchFamily="18" charset="0"/>
+                      </a:rPr>
+                      <m:t>≠</m:t>
+                    </m:r>
+                    <m:r>
+                      <a:rPr lang="ro-RO" i="1">
+                        <a:latin typeface="Cambria Math" panose="02040503050406030204" pitchFamily="18" charset="0"/>
+                      </a:rPr>
+                      <m:t>𝑡</m:t>
+                    </m:r>
+                    <m:r>
+                      <a:rPr lang="ro-RO" i="1">
+                        <a:latin typeface="Cambria Math" panose="02040503050406030204" pitchFamily="18" charset="0"/>
+                      </a:rPr>
+                      <m:t> ,  </m:t>
+                    </m:r>
+                    <m:r>
+                      <a:rPr lang="ro-RO" i="1">
+                        <a:latin typeface="Cambria Math" panose="02040503050406030204" pitchFamily="18" charset="0"/>
+                      </a:rPr>
+                      <m:t>𝑥</m:t>
+                    </m:r>
+                    <m:r>
+                      <a:rPr lang="ro-RO" i="1">
+                        <a:latin typeface="Cambria Math" panose="02040503050406030204" pitchFamily="18" charset="0"/>
+                      </a:rPr>
+                      <m:t>≠</m:t>
+                    </m:r>
+                    <m:r>
+                      <a:rPr lang="ro-RO" i="1">
+                        <a:latin typeface="Cambria Math" panose="02040503050406030204" pitchFamily="18" charset="0"/>
+                      </a:rPr>
+                      <m:t>𝑡</m:t>
+                    </m:r>
+                  </m:oMath>
+                </a14:m>
+                <a:r>
+                  <a:rPr lang="ro-RO" dirty="0"/>
+                  <a:t>;</a:t>
+                </a:r>
+              </a:p>
+              <a:p>
+                <a:endParaRPr lang="ro-RO" dirty="0"/>
+              </a:p>
+              <a:p>
+                <a:endParaRPr lang="en-US" dirty="0" smtClean="0"/>
+              </a:p>
+            </p:txBody>
+          </p:sp>
+        </mc:Choice>
+        <mc:Fallback xmlns="">
+          <p:sp>
+            <p:nvSpPr>
+              <p:cNvPr id="6" name="TextBox 5"/>
+              <p:cNvSpPr txBox="1">
+                <a:spLocks noRot="1" noChangeAspect="1" noMove="1" noResize="1" noEditPoints="1" noAdjustHandles="1" noChangeArrowheads="1" noChangeShapeType="1" noTextEdit="1"/>
+              </p:cNvSpPr>
+              <p:nvPr/>
+            </p:nvSpPr>
+            <p:spPr>
+              <a:xfrm>
+                <a:off x="4621235" y="2199872"/>
+                <a:ext cx="7692571" cy="1522083"/>
+              </a:xfrm>
+              <a:prstGeom prst="rect">
+                <a:avLst/>
+              </a:prstGeom>
+              <a:blipFill rotWithShape="0">
+                <a:blip r:embed="rId3"/>
+                <a:stretch>
+                  <a:fillRect t="-2000"/>
+                </a:stretch>
+              </a:blipFill>
+            </p:spPr>
+            <p:txBody>
+              <a:bodyPr/>
+              <a:lstStyle/>
+              <a:p>
+                <a:r>
+                  <a:rPr lang="ro-RO">
+                    <a:noFill/>
+                  </a:rPr>
+                  <a:t> </a:t>
+                </a:r>
+              </a:p>
+            </p:txBody>
+          </p:sp>
+        </mc:Fallback>
+      </mc:AlternateContent>
+    </p:spTree>
+    <p:extLst>
+      <p:ext uri="{BB962C8B-B14F-4D97-AF65-F5344CB8AC3E}">
+        <p14:creationId xmlns:p14="http://schemas.microsoft.com/office/powerpoint/2010/main" val="3624419815"/>
       </p:ext>
     </p:extLst>
   </p:cSld>
